--- a/2.初试/0.数据结构与算法/期末考试/第3次习题课矩阵,chapter4.pptx
+++ b/2.初试/0.数据结构与算法/期末考试/第3次习题课矩阵,chapter4.pptx
@@ -173,6 +173,20 @@
         </p14:section>
       </p14:sectionLst>
     </p:ext>
+    <p:ext uri="{EFAFB233-063F-42B5-8137-9DF3F51BA10A}">
+      <p15:sldGuideLst xmlns:p15="http://schemas.microsoft.com/office/powerpoint/2012/main">
+        <p15:guide id="1" orient="horz" pos="2160">
+          <p15:clr>
+            <a:srgbClr val="A4A3A4"/>
+          </p15:clr>
+        </p15:guide>
+        <p15:guide id="2" pos="2880">
+          <p15:clr>
+            <a:srgbClr val="A4A3A4"/>
+          </p15:clr>
+        </p15:guide>
+      </p15:sldGuideLst>
+    </p:ext>
   </p:extLst>
 </p:presentation>
 </file>
@@ -260,7 +274,7 @@
             <a:fld id="{AE3E68DF-A67D-40DD-8F42-587F4FBA2308}" type="datetimeFigureOut">
               <a:rPr lang="zh-CN" altLang="en-US" smtClean="0"/>
               <a:pPr/>
-              <a:t>2013/11/20</a:t>
+              <a:t>2019/9/18</a:t>
             </a:fld>
             <a:endParaRPr lang="zh-CN" altLang="en-US"/>
           </a:p>
@@ -324,38 +338,37 @@
           <a:p>
             <a:pPr lvl="0"/>
             <a:r>
-              <a:rPr lang="zh-CN" altLang="en-US" smtClean="0"/>
+              <a:rPr lang="zh-CN" altLang="en-US"/>
               <a:t>单击此处编辑母版文本样式</a:t>
             </a:r>
           </a:p>
           <a:p>
             <a:pPr lvl="1"/>
             <a:r>
-              <a:rPr lang="zh-CN" altLang="en-US" smtClean="0"/>
+              <a:rPr lang="zh-CN" altLang="en-US"/>
               <a:t>第二级</a:t>
             </a:r>
           </a:p>
           <a:p>
             <a:pPr lvl="2"/>
             <a:r>
-              <a:rPr lang="zh-CN" altLang="en-US" smtClean="0"/>
+              <a:rPr lang="zh-CN" altLang="en-US"/>
               <a:t>第三级</a:t>
             </a:r>
           </a:p>
           <a:p>
             <a:pPr lvl="3"/>
             <a:r>
-              <a:rPr lang="zh-CN" altLang="en-US" smtClean="0"/>
+              <a:rPr lang="zh-CN" altLang="en-US"/>
               <a:t>第四级</a:t>
             </a:r>
           </a:p>
           <a:p>
             <a:pPr lvl="4"/>
             <a:r>
-              <a:rPr lang="zh-CN" altLang="en-US" smtClean="0"/>
+              <a:rPr lang="zh-CN" altLang="en-US"/>
               <a:t>第五级</a:t>
             </a:r>
-            <a:endParaRPr lang="zh-CN" altLang="en-US"/>
           </a:p>
         </p:txBody>
       </p:sp>
@@ -661,7 +674,7 @@
           </a:lstStyle>
           <a:p>
             <a:r>
-              <a:rPr kumimoji="0" lang="zh-CN" altLang="en-US" smtClean="0"/>
+              <a:rPr kumimoji="0" lang="zh-CN" altLang="en-US"/>
               <a:t>单击此处编辑母版标题样式</a:t>
             </a:r>
             <a:endParaRPr kumimoji="0" lang="en-US"/>
@@ -780,7 +793,7 @@
           </a:lstStyle>
           <a:p>
             <a:r>
-              <a:rPr kumimoji="0" lang="zh-CN" altLang="en-US" smtClean="0"/>
+              <a:rPr kumimoji="0" lang="zh-CN" altLang="en-US"/>
               <a:t>单击此处编辑母版副标题样式</a:t>
             </a:r>
             <a:endParaRPr kumimoji="0" lang="en-US"/>
@@ -811,7 +824,7 @@
                 </a:solidFill>
               </a:rPr>
               <a:pPr/>
-              <a:t>2013/11/20</a:t>
+              <a:t>2019/9/18</a:t>
             </a:fld>
             <a:endParaRPr lang="zh-CN" altLang="en-US">
               <a:solidFill>
@@ -925,7 +938,7 @@
           <a:lstStyle/>
           <a:p>
             <a:r>
-              <a:rPr kumimoji="0" lang="zh-CN" altLang="en-US" smtClean="0"/>
+              <a:rPr kumimoji="0" lang="zh-CN" altLang="en-US"/>
               <a:t>单击此处编辑母版标题样式</a:t>
             </a:r>
             <a:endParaRPr kumimoji="0" lang="en-US"/>
@@ -949,35 +962,35 @@
           <a:p>
             <a:pPr lvl="0" eaLnBrk="1" latinLnBrk="0" hangingPunct="1"/>
             <a:r>
-              <a:rPr lang="zh-CN" altLang="en-US" smtClean="0"/>
+              <a:rPr lang="zh-CN" altLang="en-US"/>
               <a:t>单击此处编辑母版文本样式</a:t>
             </a:r>
           </a:p>
           <a:p>
             <a:pPr lvl="1" eaLnBrk="1" latinLnBrk="0" hangingPunct="1"/>
             <a:r>
-              <a:rPr lang="zh-CN" altLang="en-US" smtClean="0"/>
+              <a:rPr lang="zh-CN" altLang="en-US"/>
               <a:t>第二级</a:t>
             </a:r>
           </a:p>
           <a:p>
             <a:pPr lvl="2" eaLnBrk="1" latinLnBrk="0" hangingPunct="1"/>
             <a:r>
-              <a:rPr lang="zh-CN" altLang="en-US" smtClean="0"/>
+              <a:rPr lang="zh-CN" altLang="en-US"/>
               <a:t>第三级</a:t>
             </a:r>
           </a:p>
           <a:p>
             <a:pPr lvl="3" eaLnBrk="1" latinLnBrk="0" hangingPunct="1"/>
             <a:r>
-              <a:rPr lang="zh-CN" altLang="en-US" smtClean="0"/>
+              <a:rPr lang="zh-CN" altLang="en-US"/>
               <a:t>第四级</a:t>
             </a:r>
           </a:p>
           <a:p>
             <a:pPr lvl="4" eaLnBrk="1" latinLnBrk="0" hangingPunct="1"/>
             <a:r>
-              <a:rPr lang="zh-CN" altLang="en-US" smtClean="0"/>
+              <a:rPr lang="zh-CN" altLang="en-US"/>
               <a:t>第五级</a:t>
             </a:r>
             <a:endParaRPr kumimoji="0" lang="en-US"/>
@@ -1008,7 +1021,7 @@
                 </a:solidFill>
               </a:rPr>
               <a:pPr/>
-              <a:t>2013/11/20</a:t>
+              <a:t>2019/9/18</a:t>
             </a:fld>
             <a:endParaRPr lang="zh-CN" altLang="en-US">
               <a:solidFill>
@@ -1127,7 +1140,7 @@
           <a:lstStyle/>
           <a:p>
             <a:r>
-              <a:rPr kumimoji="0" lang="zh-CN" altLang="en-US" smtClean="0"/>
+              <a:rPr kumimoji="0" lang="zh-CN" altLang="en-US"/>
               <a:t>单击此处编辑母版标题样式</a:t>
             </a:r>
             <a:endParaRPr kumimoji="0" lang="en-US"/>
@@ -1156,35 +1169,35 @@
           <a:p>
             <a:pPr lvl="0" eaLnBrk="1" latinLnBrk="0" hangingPunct="1"/>
             <a:r>
-              <a:rPr lang="zh-CN" altLang="en-US" smtClean="0"/>
+              <a:rPr lang="zh-CN" altLang="en-US"/>
               <a:t>单击此处编辑母版文本样式</a:t>
             </a:r>
           </a:p>
           <a:p>
             <a:pPr lvl="1" eaLnBrk="1" latinLnBrk="0" hangingPunct="1"/>
             <a:r>
-              <a:rPr lang="zh-CN" altLang="en-US" smtClean="0"/>
+              <a:rPr lang="zh-CN" altLang="en-US"/>
               <a:t>第二级</a:t>
             </a:r>
           </a:p>
           <a:p>
             <a:pPr lvl="2" eaLnBrk="1" latinLnBrk="0" hangingPunct="1"/>
             <a:r>
-              <a:rPr lang="zh-CN" altLang="en-US" smtClean="0"/>
+              <a:rPr lang="zh-CN" altLang="en-US"/>
               <a:t>第三级</a:t>
             </a:r>
           </a:p>
           <a:p>
             <a:pPr lvl="3" eaLnBrk="1" latinLnBrk="0" hangingPunct="1"/>
             <a:r>
-              <a:rPr lang="zh-CN" altLang="en-US" smtClean="0"/>
+              <a:rPr lang="zh-CN" altLang="en-US"/>
               <a:t>第四级</a:t>
             </a:r>
           </a:p>
           <a:p>
             <a:pPr lvl="4" eaLnBrk="1" latinLnBrk="0" hangingPunct="1"/>
             <a:r>
-              <a:rPr lang="zh-CN" altLang="en-US" smtClean="0"/>
+              <a:rPr lang="zh-CN" altLang="en-US"/>
               <a:t>第五级</a:t>
             </a:r>
             <a:endParaRPr kumimoji="0" lang="en-US"/>
@@ -1215,7 +1228,7 @@
                 </a:solidFill>
               </a:rPr>
               <a:pPr/>
-              <a:t>2013/11/20</a:t>
+              <a:t>2019/9/18</a:t>
             </a:fld>
             <a:endParaRPr lang="zh-CN" altLang="en-US">
               <a:solidFill>
@@ -1329,7 +1342,7 @@
           <a:lstStyle/>
           <a:p>
             <a:r>
-              <a:rPr kumimoji="0" lang="zh-CN" altLang="en-US" smtClean="0"/>
+              <a:rPr kumimoji="0" lang="zh-CN" altLang="en-US"/>
               <a:t>单击此处编辑母版标题样式</a:t>
             </a:r>
             <a:endParaRPr kumimoji="0" lang="en-US"/>
@@ -1353,35 +1366,35 @@
           <a:p>
             <a:pPr lvl="0" eaLnBrk="1" latinLnBrk="0" hangingPunct="1"/>
             <a:r>
-              <a:rPr lang="zh-CN" altLang="en-US" smtClean="0"/>
+              <a:rPr lang="zh-CN" altLang="en-US"/>
               <a:t>单击此处编辑母版文本样式</a:t>
             </a:r>
           </a:p>
           <a:p>
             <a:pPr lvl="1" eaLnBrk="1" latinLnBrk="0" hangingPunct="1"/>
             <a:r>
-              <a:rPr lang="zh-CN" altLang="en-US" smtClean="0"/>
+              <a:rPr lang="zh-CN" altLang="en-US"/>
               <a:t>第二级</a:t>
             </a:r>
           </a:p>
           <a:p>
             <a:pPr lvl="2" eaLnBrk="1" latinLnBrk="0" hangingPunct="1"/>
             <a:r>
-              <a:rPr lang="zh-CN" altLang="en-US" smtClean="0"/>
+              <a:rPr lang="zh-CN" altLang="en-US"/>
               <a:t>第三级</a:t>
             </a:r>
           </a:p>
           <a:p>
             <a:pPr lvl="3" eaLnBrk="1" latinLnBrk="0" hangingPunct="1"/>
             <a:r>
-              <a:rPr lang="zh-CN" altLang="en-US" smtClean="0"/>
+              <a:rPr lang="zh-CN" altLang="en-US"/>
               <a:t>第四级</a:t>
             </a:r>
           </a:p>
           <a:p>
             <a:pPr lvl="4" eaLnBrk="1" latinLnBrk="0" hangingPunct="1"/>
             <a:r>
-              <a:rPr lang="zh-CN" altLang="en-US" smtClean="0"/>
+              <a:rPr lang="zh-CN" altLang="en-US"/>
               <a:t>第五级</a:t>
             </a:r>
             <a:endParaRPr kumimoji="0" lang="en-US"/>
@@ -1412,7 +1425,7 @@
                 </a:solidFill>
               </a:rPr>
               <a:pPr/>
-              <a:t>2013/11/20</a:t>
+              <a:t>2019/9/18</a:t>
             </a:fld>
             <a:endParaRPr lang="zh-CN" altLang="en-US">
               <a:solidFill>
@@ -1540,7 +1553,7 @@
           </a:lstStyle>
           <a:p>
             <a:r>
-              <a:rPr kumimoji="0" lang="zh-CN" altLang="en-US" smtClean="0"/>
+              <a:rPr kumimoji="0" lang="zh-CN" altLang="en-US"/>
               <a:t>单击此处编辑母版标题样式</a:t>
             </a:r>
             <a:endParaRPr kumimoji="0" lang="en-US"/>
@@ -1660,35 +1673,35 @@
           <a:p>
             <a:pPr lvl="0" eaLnBrk="1" latinLnBrk="0" hangingPunct="1"/>
             <a:r>
-              <a:rPr lang="zh-CN" altLang="en-US" smtClean="0"/>
+              <a:rPr lang="zh-CN" altLang="en-US"/>
               <a:t>单击此处编辑母版文本样式</a:t>
             </a:r>
           </a:p>
           <a:p>
             <a:pPr lvl="1" eaLnBrk="1" latinLnBrk="0" hangingPunct="1"/>
             <a:r>
-              <a:rPr lang="zh-CN" altLang="en-US" smtClean="0"/>
+              <a:rPr lang="zh-CN" altLang="en-US"/>
               <a:t>第二级</a:t>
             </a:r>
           </a:p>
           <a:p>
             <a:pPr lvl="2" eaLnBrk="1" latinLnBrk="0" hangingPunct="1"/>
             <a:r>
-              <a:rPr lang="zh-CN" altLang="en-US" smtClean="0"/>
+              <a:rPr lang="zh-CN" altLang="en-US"/>
               <a:t>第三级</a:t>
             </a:r>
           </a:p>
           <a:p>
             <a:pPr lvl="3" eaLnBrk="1" latinLnBrk="0" hangingPunct="1"/>
             <a:r>
-              <a:rPr lang="zh-CN" altLang="en-US" smtClean="0"/>
+              <a:rPr lang="zh-CN" altLang="en-US"/>
               <a:t>第四级</a:t>
             </a:r>
           </a:p>
           <a:p>
             <a:pPr lvl="4" eaLnBrk="1" latinLnBrk="0" hangingPunct="1"/>
             <a:r>
-              <a:rPr lang="zh-CN" altLang="en-US" smtClean="0"/>
+              <a:rPr lang="zh-CN" altLang="en-US"/>
               <a:t>第五级</a:t>
             </a:r>
             <a:endParaRPr kumimoji="0" lang="en-US"/>
@@ -1719,7 +1732,7 @@
                 </a:solidFill>
               </a:rPr>
               <a:pPr/>
-              <a:t>2013/11/20</a:t>
+              <a:t>2019/9/18</a:t>
             </a:fld>
             <a:endParaRPr lang="zh-CN" altLang="en-US">
               <a:solidFill>
@@ -1833,7 +1846,7 @@
           <a:lstStyle/>
           <a:p>
             <a:r>
-              <a:rPr kumimoji="0" lang="zh-CN" altLang="en-US" smtClean="0"/>
+              <a:rPr kumimoji="0" lang="zh-CN" altLang="en-US"/>
               <a:t>单击此处编辑母版标题样式</a:t>
             </a:r>
             <a:endParaRPr kumimoji="0" lang="en-US"/>
@@ -1890,35 +1903,35 @@
           <a:p>
             <a:pPr lvl="0" eaLnBrk="1" latinLnBrk="0" hangingPunct="1"/>
             <a:r>
-              <a:rPr lang="zh-CN" altLang="en-US" smtClean="0"/>
+              <a:rPr lang="zh-CN" altLang="en-US"/>
               <a:t>单击此处编辑母版文本样式</a:t>
             </a:r>
           </a:p>
           <a:p>
             <a:pPr lvl="1" eaLnBrk="1" latinLnBrk="0" hangingPunct="1"/>
             <a:r>
-              <a:rPr lang="zh-CN" altLang="en-US" smtClean="0"/>
+              <a:rPr lang="zh-CN" altLang="en-US"/>
               <a:t>第二级</a:t>
             </a:r>
           </a:p>
           <a:p>
             <a:pPr lvl="2" eaLnBrk="1" latinLnBrk="0" hangingPunct="1"/>
             <a:r>
-              <a:rPr lang="zh-CN" altLang="en-US" smtClean="0"/>
+              <a:rPr lang="zh-CN" altLang="en-US"/>
               <a:t>第三级</a:t>
             </a:r>
           </a:p>
           <a:p>
             <a:pPr lvl="3" eaLnBrk="1" latinLnBrk="0" hangingPunct="1"/>
             <a:r>
-              <a:rPr lang="zh-CN" altLang="en-US" smtClean="0"/>
+              <a:rPr lang="zh-CN" altLang="en-US"/>
               <a:t>第四级</a:t>
             </a:r>
           </a:p>
           <a:p>
             <a:pPr lvl="4" eaLnBrk="1" latinLnBrk="0" hangingPunct="1"/>
             <a:r>
-              <a:rPr lang="zh-CN" altLang="en-US" smtClean="0"/>
+              <a:rPr lang="zh-CN" altLang="en-US"/>
               <a:t>第五级</a:t>
             </a:r>
             <a:endParaRPr kumimoji="0" lang="en-US"/>
@@ -1975,35 +1988,35 @@
           <a:p>
             <a:pPr lvl="0" eaLnBrk="1" latinLnBrk="0" hangingPunct="1"/>
             <a:r>
-              <a:rPr lang="zh-CN" altLang="en-US" smtClean="0"/>
+              <a:rPr lang="zh-CN" altLang="en-US"/>
               <a:t>单击此处编辑母版文本样式</a:t>
             </a:r>
           </a:p>
           <a:p>
             <a:pPr lvl="1" eaLnBrk="1" latinLnBrk="0" hangingPunct="1"/>
             <a:r>
-              <a:rPr lang="zh-CN" altLang="en-US" smtClean="0"/>
+              <a:rPr lang="zh-CN" altLang="en-US"/>
               <a:t>第二级</a:t>
             </a:r>
           </a:p>
           <a:p>
             <a:pPr lvl="2" eaLnBrk="1" latinLnBrk="0" hangingPunct="1"/>
             <a:r>
-              <a:rPr lang="zh-CN" altLang="en-US" smtClean="0"/>
+              <a:rPr lang="zh-CN" altLang="en-US"/>
               <a:t>第三级</a:t>
             </a:r>
           </a:p>
           <a:p>
             <a:pPr lvl="3" eaLnBrk="1" latinLnBrk="0" hangingPunct="1"/>
             <a:r>
-              <a:rPr lang="zh-CN" altLang="en-US" smtClean="0"/>
+              <a:rPr lang="zh-CN" altLang="en-US"/>
               <a:t>第四级</a:t>
             </a:r>
           </a:p>
           <a:p>
             <a:pPr lvl="4" eaLnBrk="1" latinLnBrk="0" hangingPunct="1"/>
             <a:r>
-              <a:rPr lang="zh-CN" altLang="en-US" smtClean="0"/>
+              <a:rPr lang="zh-CN" altLang="en-US"/>
               <a:t>第五级</a:t>
             </a:r>
             <a:endParaRPr kumimoji="0" lang="en-US"/>
@@ -2034,7 +2047,7 @@
                 </a:solidFill>
               </a:rPr>
               <a:pPr/>
-              <a:t>2013/11/20</a:t>
+              <a:t>2019/9/18</a:t>
             </a:fld>
             <a:endParaRPr lang="zh-CN" altLang="en-US">
               <a:solidFill>
@@ -2152,7 +2165,7 @@
           </a:lstStyle>
           <a:p>
             <a:r>
-              <a:rPr kumimoji="0" lang="zh-CN" altLang="en-US" smtClean="0"/>
+              <a:rPr kumimoji="0" lang="zh-CN" altLang="en-US"/>
               <a:t>单击此处编辑母版标题样式</a:t>
             </a:r>
             <a:endParaRPr kumimoji="0" lang="en-US"/>
@@ -2218,7 +2231,7 @@
           <a:p>
             <a:pPr lvl="0" eaLnBrk="1" latinLnBrk="0" hangingPunct="1"/>
             <a:r>
-              <a:rPr kumimoji="0" lang="zh-CN" altLang="en-US" smtClean="0"/>
+              <a:rPr kumimoji="0" lang="zh-CN" altLang="en-US"/>
               <a:t>单击此处编辑母版文本样式</a:t>
             </a:r>
           </a:p>
@@ -2274,35 +2287,35 @@
           <a:p>
             <a:pPr lvl="0" eaLnBrk="1" latinLnBrk="0" hangingPunct="1"/>
             <a:r>
-              <a:rPr lang="zh-CN" altLang="en-US" smtClean="0"/>
+              <a:rPr lang="zh-CN" altLang="en-US"/>
               <a:t>单击此处编辑母版文本样式</a:t>
             </a:r>
           </a:p>
           <a:p>
             <a:pPr lvl="1" eaLnBrk="1" latinLnBrk="0" hangingPunct="1"/>
             <a:r>
-              <a:rPr lang="zh-CN" altLang="en-US" smtClean="0"/>
+              <a:rPr lang="zh-CN" altLang="en-US"/>
               <a:t>第二级</a:t>
             </a:r>
           </a:p>
           <a:p>
             <a:pPr lvl="2" eaLnBrk="1" latinLnBrk="0" hangingPunct="1"/>
             <a:r>
-              <a:rPr lang="zh-CN" altLang="en-US" smtClean="0"/>
+              <a:rPr lang="zh-CN" altLang="en-US"/>
               <a:t>第三级</a:t>
             </a:r>
           </a:p>
           <a:p>
             <a:pPr lvl="3" eaLnBrk="1" latinLnBrk="0" hangingPunct="1"/>
             <a:r>
-              <a:rPr lang="zh-CN" altLang="en-US" smtClean="0"/>
+              <a:rPr lang="zh-CN" altLang="en-US"/>
               <a:t>第四级</a:t>
             </a:r>
           </a:p>
           <a:p>
             <a:pPr lvl="4" eaLnBrk="1" latinLnBrk="0" hangingPunct="1"/>
             <a:r>
-              <a:rPr lang="zh-CN" altLang="en-US" smtClean="0"/>
+              <a:rPr lang="zh-CN" altLang="en-US"/>
               <a:t>第五级</a:t>
             </a:r>
             <a:endParaRPr kumimoji="0" lang="en-US"/>
@@ -2368,7 +2381,7 @@
           <a:p>
             <a:pPr lvl="0" eaLnBrk="1" latinLnBrk="0" hangingPunct="1"/>
             <a:r>
-              <a:rPr kumimoji="0" lang="zh-CN" altLang="en-US" smtClean="0"/>
+              <a:rPr kumimoji="0" lang="zh-CN" altLang="en-US"/>
               <a:t>单击此处编辑母版文本样式</a:t>
             </a:r>
           </a:p>
@@ -2424,35 +2437,35 @@
           <a:p>
             <a:pPr lvl="0" eaLnBrk="1" latinLnBrk="0" hangingPunct="1"/>
             <a:r>
-              <a:rPr lang="zh-CN" altLang="en-US" smtClean="0"/>
+              <a:rPr lang="zh-CN" altLang="en-US"/>
               <a:t>单击此处编辑母版文本样式</a:t>
             </a:r>
           </a:p>
           <a:p>
             <a:pPr lvl="1" eaLnBrk="1" latinLnBrk="0" hangingPunct="1"/>
             <a:r>
-              <a:rPr lang="zh-CN" altLang="en-US" smtClean="0"/>
+              <a:rPr lang="zh-CN" altLang="en-US"/>
               <a:t>第二级</a:t>
             </a:r>
           </a:p>
           <a:p>
             <a:pPr lvl="2" eaLnBrk="1" latinLnBrk="0" hangingPunct="1"/>
             <a:r>
-              <a:rPr lang="zh-CN" altLang="en-US" smtClean="0"/>
+              <a:rPr lang="zh-CN" altLang="en-US"/>
               <a:t>第三级</a:t>
             </a:r>
           </a:p>
           <a:p>
             <a:pPr lvl="3" eaLnBrk="1" latinLnBrk="0" hangingPunct="1"/>
             <a:r>
-              <a:rPr lang="zh-CN" altLang="en-US" smtClean="0"/>
+              <a:rPr lang="zh-CN" altLang="en-US"/>
               <a:t>第四级</a:t>
             </a:r>
           </a:p>
           <a:p>
             <a:pPr lvl="4" eaLnBrk="1" latinLnBrk="0" hangingPunct="1"/>
             <a:r>
-              <a:rPr lang="zh-CN" altLang="en-US" smtClean="0"/>
+              <a:rPr lang="zh-CN" altLang="en-US"/>
               <a:t>第五级</a:t>
             </a:r>
             <a:endParaRPr kumimoji="0" lang="en-US"/>
@@ -2483,7 +2496,7 @@
                 </a:solidFill>
               </a:rPr>
               <a:pPr/>
-              <a:t>2013/11/20</a:t>
+              <a:t>2019/9/18</a:t>
             </a:fld>
             <a:endParaRPr lang="zh-CN" altLang="en-US">
               <a:solidFill>
@@ -2597,7 +2610,7 @@
           <a:lstStyle/>
           <a:p>
             <a:r>
-              <a:rPr kumimoji="0" lang="zh-CN" altLang="en-US" smtClean="0"/>
+              <a:rPr kumimoji="0" lang="zh-CN" altLang="en-US"/>
               <a:t>单击此处编辑母版标题样式</a:t>
             </a:r>
             <a:endParaRPr kumimoji="0" lang="en-US"/>
@@ -2628,7 +2641,7 @@
                 </a:solidFill>
               </a:rPr>
               <a:pPr/>
-              <a:t>2013/11/20</a:t>
+              <a:t>2019/9/18</a:t>
             </a:fld>
             <a:endParaRPr lang="zh-CN" altLang="en-US">
               <a:solidFill>
@@ -2750,7 +2763,7 @@
                 </a:solidFill>
               </a:rPr>
               <a:pPr/>
-              <a:t>2013/11/20</a:t>
+              <a:t>2019/9/18</a:t>
             </a:fld>
             <a:endParaRPr lang="zh-CN" altLang="en-US">
               <a:solidFill>
@@ -2898,35 +2911,35 @@
           <a:p>
             <a:pPr lvl="0" eaLnBrk="1" latinLnBrk="0" hangingPunct="1"/>
             <a:r>
-              <a:rPr lang="zh-CN" altLang="en-US" smtClean="0"/>
+              <a:rPr lang="zh-CN" altLang="en-US"/>
               <a:t>单击此处编辑母版文本样式</a:t>
             </a:r>
           </a:p>
           <a:p>
             <a:pPr lvl="1" eaLnBrk="1" latinLnBrk="0" hangingPunct="1"/>
             <a:r>
-              <a:rPr lang="zh-CN" altLang="en-US" smtClean="0"/>
+              <a:rPr lang="zh-CN" altLang="en-US"/>
               <a:t>第二级</a:t>
             </a:r>
           </a:p>
           <a:p>
             <a:pPr lvl="2" eaLnBrk="1" latinLnBrk="0" hangingPunct="1"/>
             <a:r>
-              <a:rPr lang="zh-CN" altLang="en-US" smtClean="0"/>
+              <a:rPr lang="zh-CN" altLang="en-US"/>
               <a:t>第三级</a:t>
             </a:r>
           </a:p>
           <a:p>
             <a:pPr lvl="3" eaLnBrk="1" latinLnBrk="0" hangingPunct="1"/>
             <a:r>
-              <a:rPr lang="zh-CN" altLang="en-US" smtClean="0"/>
+              <a:rPr lang="zh-CN" altLang="en-US"/>
               <a:t>第四级</a:t>
             </a:r>
           </a:p>
           <a:p>
             <a:pPr lvl="4" eaLnBrk="1" latinLnBrk="0" hangingPunct="1"/>
             <a:r>
-              <a:rPr lang="zh-CN" altLang="en-US" smtClean="0"/>
+              <a:rPr lang="zh-CN" altLang="en-US"/>
               <a:t>第五级</a:t>
             </a:r>
             <a:endParaRPr kumimoji="0" lang="en-US"/>
@@ -2992,35 +3005,35 @@
           <a:p>
             <a:pPr lvl="0" eaLnBrk="1" latinLnBrk="0" hangingPunct="1"/>
             <a:r>
-              <a:rPr lang="zh-CN" altLang="en-US" smtClean="0"/>
+              <a:rPr lang="zh-CN" altLang="en-US"/>
               <a:t>单击此处编辑母版文本样式</a:t>
             </a:r>
           </a:p>
           <a:p>
             <a:pPr lvl="1" eaLnBrk="1" latinLnBrk="0" hangingPunct="1"/>
             <a:r>
-              <a:rPr lang="zh-CN" altLang="en-US" smtClean="0"/>
+              <a:rPr lang="zh-CN" altLang="en-US"/>
               <a:t>第二级</a:t>
             </a:r>
           </a:p>
           <a:p>
             <a:pPr lvl="2" eaLnBrk="1" latinLnBrk="0" hangingPunct="1"/>
             <a:r>
-              <a:rPr lang="zh-CN" altLang="en-US" smtClean="0"/>
+              <a:rPr lang="zh-CN" altLang="en-US"/>
               <a:t>第三级</a:t>
             </a:r>
           </a:p>
           <a:p>
             <a:pPr lvl="3" eaLnBrk="1" latinLnBrk="0" hangingPunct="1"/>
             <a:r>
-              <a:rPr lang="zh-CN" altLang="en-US" smtClean="0"/>
+              <a:rPr lang="zh-CN" altLang="en-US"/>
               <a:t>第四级</a:t>
             </a:r>
           </a:p>
           <a:p>
             <a:pPr lvl="4" eaLnBrk="1" latinLnBrk="0" hangingPunct="1"/>
             <a:r>
-              <a:rPr lang="zh-CN" altLang="en-US" smtClean="0"/>
+              <a:rPr lang="zh-CN" altLang="en-US"/>
               <a:t>第五级</a:t>
             </a:r>
             <a:endParaRPr kumimoji="0" lang="en-US"/>
@@ -3051,7 +3064,7 @@
                 </a:solidFill>
               </a:rPr>
               <a:pPr/>
-              <a:t>2013/11/20</a:t>
+              <a:t>2019/9/18</a:t>
             </a:fld>
             <a:endParaRPr lang="zh-CN" altLang="en-US">
               <a:solidFill>
@@ -3149,7 +3162,7 @@
           </a:lstStyle>
           <a:p>
             <a:r>
-              <a:rPr kumimoji="0" lang="zh-CN" altLang="en-US" smtClean="0"/>
+              <a:rPr kumimoji="0" lang="zh-CN" altLang="en-US"/>
               <a:t>单击此处编辑母版标题样式</a:t>
             </a:r>
             <a:endParaRPr kumimoji="0" lang="en-US"/>
@@ -3206,7 +3219,7 @@
           </a:lstStyle>
           <a:p>
             <a:r>
-              <a:rPr kumimoji="0" lang="zh-CN" altLang="en-US" smtClean="0"/>
+              <a:rPr kumimoji="0" lang="zh-CN" altLang="en-US"/>
               <a:t>单击此处编辑母版标题样式</a:t>
             </a:r>
             <a:endParaRPr kumimoji="0" lang="en-US"/>
@@ -3306,7 +3319,7 @@
           </a:lstStyle>
           <a:p>
             <a:r>
-              <a:rPr kumimoji="0" lang="zh-CN" altLang="en-US" smtClean="0"/>
+              <a:rPr kumimoji="0" lang="zh-CN" altLang="en-US"/>
               <a:t>单击图标添加图片</a:t>
             </a:r>
             <a:endParaRPr kumimoji="0" lang="en-US"/>
@@ -3372,35 +3385,35 @@
           <a:p>
             <a:pPr lvl="0" eaLnBrk="1" latinLnBrk="0" hangingPunct="1"/>
             <a:r>
-              <a:rPr lang="zh-CN" altLang="en-US" smtClean="0"/>
+              <a:rPr lang="zh-CN" altLang="en-US"/>
               <a:t>单击此处编辑母版文本样式</a:t>
             </a:r>
           </a:p>
           <a:p>
             <a:pPr lvl="1" eaLnBrk="1" latinLnBrk="0" hangingPunct="1"/>
             <a:r>
-              <a:rPr lang="zh-CN" altLang="en-US" smtClean="0"/>
+              <a:rPr lang="zh-CN" altLang="en-US"/>
               <a:t>第二级</a:t>
             </a:r>
           </a:p>
           <a:p>
             <a:pPr lvl="2" eaLnBrk="1" latinLnBrk="0" hangingPunct="1"/>
             <a:r>
-              <a:rPr lang="zh-CN" altLang="en-US" smtClean="0"/>
+              <a:rPr lang="zh-CN" altLang="en-US"/>
               <a:t>第三级</a:t>
             </a:r>
           </a:p>
           <a:p>
             <a:pPr lvl="3" eaLnBrk="1" latinLnBrk="0" hangingPunct="1"/>
             <a:r>
-              <a:rPr lang="zh-CN" altLang="en-US" smtClean="0"/>
+              <a:rPr lang="zh-CN" altLang="en-US"/>
               <a:t>第四级</a:t>
             </a:r>
           </a:p>
           <a:p>
             <a:pPr lvl="4" eaLnBrk="1" latinLnBrk="0" hangingPunct="1"/>
             <a:r>
-              <a:rPr lang="zh-CN" altLang="en-US" smtClean="0"/>
+              <a:rPr lang="zh-CN" altLang="en-US"/>
               <a:t>第五级</a:t>
             </a:r>
             <a:endParaRPr kumimoji="0" lang="en-US"/>
@@ -3431,7 +3444,7 @@
                 </a:solidFill>
               </a:rPr>
               <a:pPr/>
-              <a:t>2013/11/20</a:t>
+              <a:t>2019/9/18</a:t>
             </a:fld>
             <a:endParaRPr lang="zh-CN" altLang="en-US">
               <a:solidFill>
@@ -3789,7 +3802,7 @@
           <a:lstStyle/>
           <a:p>
             <a:r>
-              <a:rPr kumimoji="0" lang="zh-CN" altLang="en-US" smtClean="0"/>
+              <a:rPr kumimoji="0" lang="zh-CN" altLang="en-US"/>
               <a:t>单击此处编辑母版标题样式</a:t>
             </a:r>
             <a:endParaRPr kumimoji="0" lang="en-US"/>
@@ -3823,35 +3836,35 @@
           <a:p>
             <a:pPr lvl="0" eaLnBrk="1" latinLnBrk="0" hangingPunct="1"/>
             <a:r>
-              <a:rPr kumimoji="0" lang="zh-CN" altLang="en-US" smtClean="0"/>
+              <a:rPr kumimoji="0" lang="zh-CN" altLang="en-US"/>
               <a:t>单击此处编辑母版文本样式</a:t>
             </a:r>
           </a:p>
           <a:p>
             <a:pPr lvl="1" eaLnBrk="1" latinLnBrk="0" hangingPunct="1"/>
             <a:r>
-              <a:rPr kumimoji="0" lang="zh-CN" altLang="en-US" smtClean="0"/>
+              <a:rPr kumimoji="0" lang="zh-CN" altLang="en-US"/>
               <a:t>第二级</a:t>
             </a:r>
           </a:p>
           <a:p>
             <a:pPr lvl="2" eaLnBrk="1" latinLnBrk="0" hangingPunct="1"/>
             <a:r>
-              <a:rPr kumimoji="0" lang="zh-CN" altLang="en-US" smtClean="0"/>
+              <a:rPr kumimoji="0" lang="zh-CN" altLang="en-US"/>
               <a:t>第三级</a:t>
             </a:r>
           </a:p>
           <a:p>
             <a:pPr lvl="3" eaLnBrk="1" latinLnBrk="0" hangingPunct="1"/>
             <a:r>
-              <a:rPr kumimoji="0" lang="zh-CN" altLang="en-US" smtClean="0"/>
+              <a:rPr kumimoji="0" lang="zh-CN" altLang="en-US"/>
               <a:t>第四级</a:t>
             </a:r>
           </a:p>
           <a:p>
             <a:pPr lvl="4" eaLnBrk="1" latinLnBrk="0" hangingPunct="1"/>
             <a:r>
-              <a:rPr kumimoji="0" lang="zh-CN" altLang="en-US" smtClean="0"/>
+              <a:rPr kumimoji="0" lang="zh-CN" altLang="en-US"/>
               <a:t>第五级</a:t>
             </a:r>
             <a:endParaRPr kumimoji="0" lang="en-US"/>
@@ -3900,7 +3913,7 @@
                 </a:solidFill>
               </a:rPr>
               <a:pPr/>
-              <a:t>2013/11/20</a:t>
+              <a:t>2019/9/18</a:t>
             </a:fld>
             <a:endParaRPr lang="zh-CN" altLang="en-US">
               <a:solidFill>
@@ -4384,14 +4397,10 @@
           <a:p>
             <a:r>
               <a:rPr lang="zh-CN" altLang="en-US" dirty="0"/>
-              <a:t>习题</a:t>
-            </a:r>
-            <a:r>
-              <a:rPr lang="zh-CN" altLang="en-US" dirty="0" smtClean="0"/>
-              <a:t>讲解</a:t>
-            </a:r>
-            <a:r>
-              <a:rPr lang="en-US" altLang="zh-CN" dirty="0" smtClean="0"/>
+              <a:t>习题讲解</a:t>
+            </a:r>
+            <a:r>
+              <a:rPr lang="en-US" altLang="zh-CN" dirty="0"/>
               <a:t>3</a:t>
             </a:r>
             <a:endParaRPr lang="zh-CN" altLang="en-US" dirty="0"/>
@@ -4455,13 +4464,6 @@
   <p:clrMapOvr>
     <a:masterClrMapping/>
   </p:clrMapOvr>
-  <p:timing>
-    <p:tnLst>
-      <p:par>
-        <p:cTn id="1" dur="indefinite" restart="never" nodeType="tmRoot"/>
-      </p:par>
-    </p:tnLst>
-  </p:timing>
 </p:sld>
 </file>
 
@@ -4574,47 +4576,43 @@
             </a:r>
             <a:r>
               <a:rPr lang="zh-CN" altLang="en-US" b="1" dirty="0"/>
-              <a:t>应存于一维数组的什么下标位置？给出计算公式</a:t>
-            </a:r>
-            <a:r>
-              <a:rPr lang="zh-CN" altLang="en-US" b="1" dirty="0" smtClean="0"/>
-              <a:t>。</a:t>
-            </a:r>
-            <a:endParaRPr lang="en-US" altLang="zh-CN" dirty="0" smtClean="0"/>
-          </a:p>
-          <a:p>
-            <a:r>
-              <a:rPr lang="zh-CN" altLang="en-US" b="1" dirty="0" smtClean="0"/>
+              <a:t>应存于一维数组的什么下标位置？给出计算公式。</a:t>
+            </a:r>
+            <a:endParaRPr lang="en-US" altLang="zh-CN" dirty="0"/>
+          </a:p>
+          <a:p>
+            <a:r>
+              <a:rPr lang="zh-CN" altLang="en-US" b="1" dirty="0"/>
               <a:t>直接交换第</a:t>
             </a:r>
             <a:r>
-              <a:rPr lang="en-US" altLang="zh-CN" b="1" dirty="0" smtClean="0"/>
+              <a:rPr lang="en-US" altLang="zh-CN" b="1" dirty="0"/>
               <a:t>(3)</a:t>
             </a:r>
             <a:r>
-              <a:rPr lang="zh-CN" altLang="en-US" b="1" dirty="0" smtClean="0"/>
+              <a:rPr lang="zh-CN" altLang="en-US" b="1" dirty="0"/>
               <a:t>问的</a:t>
             </a:r>
             <a:r>
-              <a:rPr lang="en-US" altLang="zh-CN" b="1" dirty="0" smtClean="0"/>
+              <a:rPr lang="en-US" altLang="zh-CN" b="1" dirty="0"/>
               <a:t>i</a:t>
             </a:r>
             <a:r>
-              <a:rPr lang="zh-CN" altLang="en-US" b="1" dirty="0" smtClean="0"/>
+              <a:rPr lang="zh-CN" altLang="en-US" b="1" dirty="0"/>
               <a:t>与</a:t>
             </a:r>
             <a:r>
-              <a:rPr lang="en-US" altLang="zh-CN" b="1" dirty="0" smtClean="0"/>
+              <a:rPr lang="en-US" altLang="zh-CN" b="1" dirty="0"/>
               <a:t>j</a:t>
             </a:r>
           </a:p>
           <a:p>
             <a:r>
-              <a:rPr lang="zh-CN" altLang="en-US" b="1" dirty="0" smtClean="0"/>
+              <a:rPr lang="zh-CN" altLang="en-US" b="1" dirty="0"/>
               <a:t>下标</a:t>
             </a:r>
             <a:r>
-              <a:rPr lang="en-US" altLang="zh-CN" b="1" dirty="0" smtClean="0"/>
+              <a:rPr lang="en-US" altLang="zh-CN" b="1" dirty="0"/>
               <a:t>:j(j-1)/2+i-1</a:t>
             </a:r>
             <a:endParaRPr lang="zh-CN" altLang="en-US" b="1" dirty="0"/>
@@ -4672,14 +4670,10 @@
             </a:r>
             <a:r>
               <a:rPr lang="zh-CN" altLang="en-US" dirty="0"/>
-              <a:t>年统考</a:t>
-            </a:r>
-            <a:r>
-              <a:rPr lang="zh-CN" altLang="en-US" dirty="0" smtClean="0"/>
-              <a:t>题 </a:t>
-            </a:r>
-            <a:r>
-              <a:rPr lang="en-US" altLang="zh-CN" dirty="0" smtClean="0"/>
+              <a:t>年统考题 </a:t>
+            </a:r>
+            <a:r>
+              <a:rPr lang="en-US" altLang="zh-CN" dirty="0"/>
               <a:t>3</a:t>
             </a:r>
             <a:endParaRPr lang="zh-CN" altLang="en-US" dirty="0"/>
@@ -4704,12 +4698,8 @@
           <a:lstStyle/>
           <a:p>
             <a:r>
-              <a:rPr lang="zh-CN" altLang="en-US" dirty="0" smtClean="0"/>
-              <a:t>给定</a:t>
-            </a:r>
-            <a:r>
               <a:rPr lang="zh-CN" altLang="en-US" dirty="0"/>
-              <a:t>二叉树如下图所示</a:t>
+              <a:t>给定二叉树如下图所示</a:t>
             </a:r>
             <a:r>
               <a:rPr lang="en-US" altLang="zh-CN" dirty="0"/>
@@ -4752,47 +4742,31 @@
               <a:t>若遍历后的结点序列为 </a:t>
             </a:r>
             <a:r>
-              <a:rPr lang="en-US" altLang="zh-CN" dirty="0" smtClean="0"/>
+              <a:rPr lang="en-US" altLang="zh-CN" dirty="0"/>
+              <a:t>3, 1, 7, 5, 6, 2, 4, </a:t>
+            </a:r>
+            <a:r>
+              <a:rPr lang="zh-CN" altLang="en-US" dirty="0"/>
+              <a:t>则其遍历方式是</a:t>
+            </a:r>
+            <a:r>
+              <a:rPr lang="en-US" altLang="zh-CN" dirty="0"/>
+              <a:t>(</a:t>
+            </a:r>
+            <a:r>
+              <a:rPr lang="zh-CN" altLang="en-US" dirty="0"/>
+              <a:t>右</a:t>
+            </a:r>
+            <a:r>
+              <a:rPr lang="en-US" altLang="zh-CN" dirty="0"/>
               <a:t>3</a:t>
             </a:r>
             <a:r>
-              <a:rPr lang="en-US" altLang="zh-CN" dirty="0"/>
-              <a:t>, 1, 7, 5, </a:t>
-            </a:r>
-            <a:r>
-              <a:rPr lang="en-US" altLang="zh-CN" dirty="0" smtClean="0"/>
-              <a:t>6, 2</a:t>
-            </a:r>
-            <a:r>
-              <a:rPr lang="en-US" altLang="zh-CN" dirty="0"/>
-              <a:t>, 4, </a:t>
-            </a:r>
-            <a:r>
               <a:rPr lang="zh-CN" altLang="en-US" dirty="0"/>
-              <a:t>则其遍历方式</a:t>
-            </a:r>
-            <a:r>
-              <a:rPr lang="zh-CN" altLang="en-US" dirty="0" smtClean="0"/>
-              <a:t>是</a:t>
-            </a:r>
-            <a:r>
-              <a:rPr lang="en-US" altLang="zh-CN" dirty="0" smtClean="0"/>
-              <a:t>(</a:t>
-            </a:r>
-            <a:r>
-              <a:rPr lang="zh-CN" altLang="en-US" dirty="0" smtClean="0"/>
-              <a:t>右</a:t>
-            </a:r>
-            <a:r>
-              <a:rPr lang="en-US" altLang="zh-CN" dirty="0" smtClean="0"/>
-              <a:t>3</a:t>
-            </a:r>
-            <a:r>
-              <a:rPr lang="zh-CN" altLang="en-US" dirty="0" smtClean="0"/>
               <a:t>中</a:t>
             </a:r>
             <a:r>
-              <a:rPr lang="en-US" altLang="zh-CN" dirty="0" smtClean="0"/>
+              <a:rPr lang="en-US" altLang="zh-CN" dirty="0"/>
               <a:t>1)</a:t>
             </a:r>
             <a:endParaRPr lang="zh-CN" altLang="en-US" dirty="0"/>
@@ -4800,19 +4774,11 @@
           <a:p>
             <a:r>
               <a:rPr lang="zh-CN" altLang="en-US" dirty="0"/>
-              <a:t>    </a:t>
-            </a:r>
-            <a:r>
-              <a:rPr lang="zh-CN" altLang="en-US" dirty="0" smtClean="0"/>
-              <a:t> </a:t>
-            </a:r>
-            <a:r>
-              <a:rPr lang="en-US" altLang="zh-CN" dirty="0" smtClean="0"/>
-              <a:t>A</a:t>
-            </a:r>
-            <a:r>
-              <a:rPr lang="en-US" altLang="zh-CN" dirty="0"/>
-              <a:t>. LRN        B.  NRL     C.  RLN      </a:t>
+              <a:t>     </a:t>
+            </a:r>
+            <a:r>
+              <a:rPr lang="en-US" altLang="zh-CN" dirty="0"/>
+              <a:t>A. LRN        B.  NRL     C.  RLN      </a:t>
             </a:r>
             <a:r>
               <a:rPr lang="en-US" altLang="zh-CN" dirty="0">
@@ -4820,21 +4786,8 @@
                   <a:srgbClr val="FF0000"/>
                 </a:solidFill>
               </a:rPr>
-              <a:t>D.  </a:t>
-            </a:r>
-            <a:r>
-              <a:rPr lang="en-US" altLang="zh-CN" dirty="0" smtClean="0">
-                <a:solidFill>
-                  <a:srgbClr val="FF0000"/>
-                </a:solidFill>
-              </a:rPr>
-              <a:t>RNL</a:t>
-            </a:r>
-            <a:endParaRPr lang="en-US" altLang="zh-CN" dirty="0">
-              <a:solidFill>
-                <a:srgbClr val="FF0000"/>
-              </a:solidFill>
-            </a:endParaRPr>
+              <a:t>D.  RNL</a:t>
+            </a:r>
           </a:p>
         </p:txBody>
       </p:sp>
@@ -4889,13 +4842,6 @@
   <p:clrMapOvr>
     <a:masterClrMapping/>
   </p:clrMapOvr>
-  <p:timing>
-    <p:tnLst>
-      <p:par>
-        <p:cTn id="1" dur="indefinite" restart="never" nodeType="tmRoot"/>
-      </p:par>
-    </p:tnLst>
-  </p:timing>
 </p:sld>
 </file>
 
@@ -4937,11 +4883,7 @@
             </a:r>
             <a:r>
               <a:rPr lang="zh-CN" altLang="en-US" dirty="0"/>
-              <a:t>年统考</a:t>
-            </a:r>
-            <a:r>
-              <a:rPr lang="zh-CN" altLang="en-US" dirty="0" smtClean="0"/>
-              <a:t>题 </a:t>
+              <a:t>年统考题 </a:t>
             </a:r>
             <a:r>
               <a:rPr lang="en-US" altLang="zh-CN" dirty="0"/>
@@ -5038,11 +4980,7 @@
             </a:r>
             <a:r>
               <a:rPr lang="en-US" altLang="zh-CN" dirty="0"/>
-              <a:t>D.  </a:t>
-            </a:r>
-            <a:r>
-              <a:rPr lang="en-US" altLang="zh-CN" dirty="0" smtClean="0"/>
-              <a:t>119</a:t>
+              <a:t>D.  119</a:t>
             </a:r>
           </a:p>
           <a:p>
@@ -5315,7 +5253,7 @@
               <a:p>
                 <a:pPr algn="ctr"/>
                 <a:r>
-                  <a:rPr lang="en-US" altLang="zh-CN" dirty="0" smtClean="0"/>
+                  <a:rPr lang="en-US" altLang="zh-CN" dirty="0"/>
                   <a:t>level 1 </a:t>
                 </a:r>
                 <a14:m>
@@ -5324,7 +5262,7 @@
                       <m:sSupPr>
                         <m:ctrlPr>
                           <a:rPr lang="en-US" altLang="zh-CN" i="1" smtClean="0">
-                            <a:latin typeface="Cambria Math"/>
+                            <a:latin typeface="Cambria Math" panose="02040503050406030204" pitchFamily="18" charset="0"/>
                           </a:rPr>
                         </m:ctrlPr>
                       </m:sSupPr>
@@ -5428,7 +5366,7 @@
               <a:p>
                 <a:pPr algn="ctr"/>
                 <a:r>
-                  <a:rPr lang="en-US" altLang="zh-CN" dirty="0" smtClean="0"/>
+                  <a:rPr lang="en-US" altLang="zh-CN" dirty="0"/>
                   <a:t>level 2 </a:t>
                 </a:r>
                 <a14:m>
@@ -5437,7 +5375,7 @@
                       <m:sSupPr>
                         <m:ctrlPr>
                           <a:rPr lang="en-US" altLang="zh-CN" i="1">
-                            <a:latin typeface="Cambria Math"/>
+                            <a:latin typeface="Cambria Math" panose="02040503050406030204" pitchFamily="18" charset="0"/>
                           </a:rPr>
                         </m:ctrlPr>
                       </m:sSupPr>
@@ -5541,7 +5479,7 @@
               <a:p>
                 <a:pPr algn="ctr"/>
                 <a:r>
-                  <a:rPr lang="en-US" altLang="zh-CN" dirty="0" smtClean="0"/>
+                  <a:rPr lang="en-US" altLang="zh-CN" dirty="0"/>
                   <a:t>level 6 </a:t>
                 </a:r>
                 <a14:m>
@@ -5550,7 +5488,7 @@
                       <m:sSupPr>
                         <m:ctrlPr>
                           <a:rPr lang="en-US" altLang="zh-CN" i="1">
-                            <a:latin typeface="Cambria Math"/>
+                            <a:latin typeface="Cambria Math" panose="02040503050406030204" pitchFamily="18" charset="0"/>
                           </a:rPr>
                         </m:ctrlPr>
                       </m:sSupPr>
@@ -5724,7 +5662,7 @@
           <a:p>
             <a:pPr algn="ctr"/>
             <a:r>
-              <a:rPr lang="en-US" altLang="zh-CN" dirty="0" smtClean="0"/>
+              <a:rPr lang="en-US" altLang="zh-CN" dirty="0"/>
               <a:t>8</a:t>
             </a:r>
             <a:endParaRPr lang="zh-CN" altLang="en-US" dirty="0"/>
@@ -5838,7 +5776,7 @@
           <a:p>
             <a:pPr algn="ctr"/>
             <a:r>
-              <a:rPr lang="en-US" altLang="zh-CN" dirty="0" smtClean="0"/>
+              <a:rPr lang="en-US" altLang="zh-CN" dirty="0"/>
               <a:t>24</a:t>
             </a:r>
             <a:endParaRPr lang="zh-CN" altLang="en-US" dirty="0"/>
@@ -6202,15 +6140,15 @@
           <a:p>
             <a:pPr algn="ctr"/>
             <a:r>
-              <a:rPr lang="en-US" altLang="zh-CN" dirty="0" smtClean="0"/>
+              <a:rPr lang="en-US" altLang="zh-CN" dirty="0"/>
               <a:t>24</a:t>
             </a:r>
             <a:r>
-              <a:rPr lang="zh-CN" altLang="en-US" dirty="0" smtClean="0"/>
+              <a:rPr lang="zh-CN" altLang="en-US" dirty="0"/>
               <a:t>*</a:t>
             </a:r>
             <a:r>
-              <a:rPr lang="en-US" altLang="zh-CN" dirty="0" smtClean="0"/>
+              <a:rPr lang="en-US" altLang="zh-CN" dirty="0"/>
               <a:t>2</a:t>
             </a:r>
             <a:endParaRPr lang="zh-CN" altLang="en-US" dirty="0"/>
@@ -6335,7 +6273,7 @@
                         <m:sSupPr>
                           <m:ctrlPr>
                             <a:rPr lang="en-US" altLang="zh-CN" i="1" smtClean="0">
-                              <a:latin typeface="Cambria Math"/>
+                              <a:latin typeface="Cambria Math" panose="02040503050406030204" pitchFamily="18" charset="0"/>
                             </a:rPr>
                           </m:ctrlPr>
                         </m:sSupPr>
@@ -6366,7 +6304,7 @@
                         <m:dPr>
                           <m:ctrlPr>
                             <a:rPr lang="en-US" altLang="zh-CN" b="0" i="1" smtClean="0">
-                              <a:latin typeface="Cambria Math"/>
+                              <a:latin typeface="Cambria Math" panose="02040503050406030204" pitchFamily="18" charset="0"/>
                             </a:rPr>
                           </m:ctrlPr>
                         </m:dPr>
@@ -6375,7 +6313,7 @@
                             <m:sSupPr>
                               <m:ctrlPr>
                                 <a:rPr lang="en-US" altLang="zh-CN" i="1">
-                                  <a:latin typeface="Cambria Math"/>
+                                  <a:latin typeface="Cambria Math" panose="02040503050406030204" pitchFamily="18" charset="0"/>
                                 </a:rPr>
                               </m:ctrlPr>
                             </m:sSupPr>
@@ -6480,7 +6418,7 @@
           <a:lstStyle/>
           <a:p>
             <a:r>
-              <a:rPr lang="en-US" altLang="zh-CN" dirty="0" smtClean="0"/>
+              <a:rPr lang="en-US" altLang="zh-CN" dirty="0"/>
               <a:t>…</a:t>
             </a:r>
             <a:endParaRPr lang="zh-CN" altLang="en-US" dirty="0"/>
@@ -6510,7 +6448,7 @@
           <a:lstStyle/>
           <a:p>
             <a:r>
-              <a:rPr lang="en-US" altLang="zh-CN" dirty="0" smtClean="0"/>
+              <a:rPr lang="en-US" altLang="zh-CN" dirty="0"/>
               <a:t>…</a:t>
             </a:r>
             <a:endParaRPr lang="zh-CN" altLang="en-US" dirty="0"/>
@@ -6527,13 +6465,6 @@
   <p:clrMapOvr>
     <a:masterClrMapping/>
   </p:clrMapOvr>
-  <p:timing>
-    <p:tnLst>
-      <p:par>
-        <p:cTn id="1" dur="indefinite" restart="never" nodeType="tmRoot"/>
-      </p:par>
-    </p:tnLst>
-  </p:timing>
 </p:sld>
 </file>
 
@@ -6578,7 +6509,7 @@
               <a:t>年统考题 </a:t>
             </a:r>
             <a:r>
-              <a:rPr lang="en-US" altLang="zh-CN" dirty="0" smtClean="0"/>
+              <a:rPr lang="en-US" altLang="zh-CN" dirty="0"/>
               <a:t>5</a:t>
             </a:r>
             <a:endParaRPr lang="zh-CN" altLang="en-US" dirty="0"/>
@@ -6665,47 +6596,39 @@
             </a:r>
             <a:r>
               <a:rPr lang="zh-CN" altLang="en-US" dirty="0"/>
-              <a:t>可能具有的关系</a:t>
-            </a:r>
-            <a:r>
-              <a:rPr lang="zh-CN" altLang="en-US" dirty="0" smtClean="0"/>
-              <a:t>是：</a:t>
-            </a:r>
-            <a:endParaRPr lang="en-US" altLang="zh-CN" dirty="0" smtClean="0"/>
+              <a:t>可能具有的关系是：</a:t>
+            </a:r>
+            <a:endParaRPr lang="en-US" altLang="zh-CN" dirty="0"/>
           </a:p>
           <a:p>
             <a:pPr lvl="1"/>
             <a:r>
-              <a:rPr lang="en-US" altLang="zh-CN" dirty="0" smtClean="0"/>
+              <a:rPr lang="en-US" altLang="zh-CN" dirty="0"/>
               <a:t>1)</a:t>
             </a:r>
             <a:r>
-              <a:rPr lang="zh-CN" altLang="en-US" dirty="0" smtClean="0"/>
+              <a:rPr lang="zh-CN" altLang="en-US" dirty="0"/>
               <a:t>父子关系</a:t>
             </a:r>
-            <a:endParaRPr lang="en-US" altLang="zh-CN" dirty="0" smtClean="0"/>
+            <a:endParaRPr lang="en-US" altLang="zh-CN" dirty="0"/>
           </a:p>
           <a:p>
             <a:pPr lvl="1"/>
             <a:r>
-              <a:rPr lang="en-US" altLang="zh-CN" dirty="0" smtClean="0"/>
+              <a:rPr lang="en-US" altLang="zh-CN" dirty="0"/>
               <a:t>2)</a:t>
             </a:r>
             <a:r>
-              <a:rPr lang="zh-CN" altLang="en-US" dirty="0" smtClean="0"/>
+              <a:rPr lang="zh-CN" altLang="en-US" dirty="0"/>
               <a:t>兄弟关系</a:t>
             </a:r>
-            <a:endParaRPr lang="en-US" altLang="zh-CN" dirty="0" smtClean="0"/>
+            <a:endParaRPr lang="en-US" altLang="zh-CN" dirty="0"/>
           </a:p>
           <a:p>
             <a:pPr lvl="1"/>
             <a:r>
-              <a:rPr lang="en-US" altLang="zh-CN" dirty="0" smtClean="0"/>
-              <a:t>3</a:t>
-            </a:r>
-            <a:r>
-              <a:rPr lang="en-US" altLang="zh-CN" dirty="0"/>
-              <a:t>) u </a:t>
+              <a:rPr lang="en-US" altLang="zh-CN" dirty="0"/>
+              <a:t>3) u </a:t>
             </a:r>
             <a:r>
               <a:rPr lang="zh-CN" altLang="en-US" dirty="0"/>
@@ -6717,34 +6640,13 @@
             </a:r>
             <a:r>
               <a:rPr lang="zh-CN" altLang="en-US" dirty="0"/>
-              <a:t>的父结点是兄弟</a:t>
-            </a:r>
-            <a:r>
-              <a:rPr lang="zh-CN" altLang="en-US" dirty="0" smtClean="0"/>
-              <a:t>关系</a:t>
-            </a:r>
-            <a:endParaRPr lang="zh-CN" altLang="en-US" dirty="0"/>
-          </a:p>
-          <a:p>
-            <a:r>
-              <a:rPr lang="en-US" altLang="zh-CN" dirty="0" smtClean="0"/>
-              <a:t>A</a:t>
-            </a:r>
-            <a:r>
-              <a:rPr lang="en-US" altLang="zh-CN" dirty="0"/>
-              <a:t>. </a:t>
-            </a:r>
-            <a:r>
-              <a:rPr lang="en-US" altLang="zh-CN" dirty="0" smtClean="0"/>
-              <a:t>2)    </a:t>
-            </a:r>
-            <a:r>
-              <a:rPr lang="en-US" altLang="zh-CN" dirty="0" smtClean="0">
-                <a:solidFill>
-                  <a:srgbClr val="FF0000"/>
-                </a:solidFill>
-              </a:rPr>
-              <a:t>B. 1</a:t>
+              <a:t>的父结点是兄弟关系</a:t>
+            </a:r>
+          </a:p>
+          <a:p>
+            <a:r>
+              <a:rPr lang="en-US" altLang="zh-CN" dirty="0"/>
+              <a:t>A. 2)    </a:t>
             </a:r>
             <a:r>
               <a:rPr lang="en-US" altLang="zh-CN" dirty="0">
@@ -6752,7 +6654,7 @@
                   <a:srgbClr val="FF0000"/>
                 </a:solidFill>
               </a:rPr>
-              <a:t>)</a:t>
+              <a:t>B. 1)</a:t>
             </a:r>
             <a:r>
               <a:rPr lang="zh-CN" altLang="en-US" dirty="0">
@@ -6768,23 +6670,11 @@
                   <a:srgbClr val="FF0000"/>
                 </a:solidFill>
               </a:rPr>
-              <a:t>2</a:t>
-            </a:r>
-            <a:r>
-              <a:rPr lang="en-US" altLang="zh-CN" dirty="0" smtClean="0">
-                <a:solidFill>
-                  <a:srgbClr val="FF0000"/>
-                </a:solidFill>
-              </a:rPr>
-              <a:t>)    </a:t>
-            </a:r>
-            <a:r>
-              <a:rPr lang="en-US" altLang="zh-CN" dirty="0" smtClean="0"/>
-              <a:t>C. 1</a:t>
-            </a:r>
-            <a:r>
-              <a:rPr lang="en-US" altLang="zh-CN" dirty="0"/>
-              <a:t>)</a:t>
+              <a:t>2)    </a:t>
+            </a:r>
+            <a:r>
+              <a:rPr lang="en-US" altLang="zh-CN" dirty="0"/>
+              <a:t>C. 1)</a:t>
             </a:r>
             <a:r>
               <a:rPr lang="zh-CN" altLang="en-US" dirty="0"/>
@@ -6792,15 +6682,7 @@
             </a:r>
             <a:r>
               <a:rPr lang="en-US" altLang="zh-CN" dirty="0"/>
-              <a:t>3)    D</a:t>
-            </a:r>
-            <a:r>
-              <a:rPr lang="en-US" altLang="zh-CN" dirty="0" smtClean="0"/>
-              <a:t>. 1</a:t>
-            </a:r>
-            <a:r>
-              <a:rPr lang="en-US" altLang="zh-CN" dirty="0"/>
-              <a:t>), 2)</a:t>
+              <a:t>3)    D. 1), 2)</a:t>
             </a:r>
             <a:r>
               <a:rPr lang="zh-CN" altLang="en-US" dirty="0"/>
@@ -6808,13 +6690,8 @@
             </a:r>
             <a:r>
               <a:rPr lang="en-US" altLang="zh-CN" dirty="0"/>
-              <a:t>3</a:t>
-            </a:r>
-            <a:r>
-              <a:rPr lang="en-US" altLang="zh-CN" dirty="0" smtClean="0"/>
-              <a:t>)</a:t>
-            </a:r>
-            <a:endParaRPr lang="en-US" altLang="zh-CN" dirty="0"/>
+              <a:t>3)</a:t>
+            </a:r>
           </a:p>
         </p:txBody>
       </p:sp>
@@ -7034,7 +6911,7 @@
           <a:p>
             <a:pPr algn="ctr"/>
             <a:r>
-              <a:rPr lang="en-US" altLang="zh-CN" dirty="0" smtClean="0"/>
+              <a:rPr lang="en-US" altLang="zh-CN" dirty="0"/>
               <a:t>1</a:t>
             </a:r>
             <a:endParaRPr lang="zh-CN" altLang="en-US" dirty="0"/>
@@ -7076,7 +6953,7 @@
           <a:p>
             <a:pPr algn="ctr"/>
             <a:r>
-              <a:rPr lang="en-US" altLang="zh-CN" dirty="0" smtClean="0"/>
+              <a:rPr lang="en-US" altLang="zh-CN" dirty="0"/>
               <a:t>2</a:t>
             </a:r>
             <a:endParaRPr lang="zh-CN" altLang="en-US" dirty="0"/>
@@ -7118,7 +6995,7 @@
           <a:p>
             <a:pPr algn="ctr"/>
             <a:r>
-              <a:rPr lang="en-US" altLang="zh-CN" dirty="0" smtClean="0"/>
+              <a:rPr lang="en-US" altLang="zh-CN" dirty="0"/>
               <a:t>3</a:t>
             </a:r>
             <a:endParaRPr lang="zh-CN" altLang="en-US" dirty="0"/>
@@ -7135,13 +7012,6 @@
   <p:clrMapOvr>
     <a:masterClrMapping/>
   </p:clrMapOvr>
-  <p:timing>
-    <p:tnLst>
-      <p:par>
-        <p:cTn id="1" dur="indefinite" restart="never" nodeType="tmRoot"/>
-      </p:par>
-    </p:tnLst>
-  </p:timing>
 </p:sld>
 </file>
 
@@ -7185,11 +7055,7 @@
             </a:r>
             <a:r>
               <a:rPr lang="zh-CN" altLang="en-US" dirty="0"/>
-              <a:t>年全国考研</a:t>
-            </a:r>
-            <a:r>
-              <a:rPr lang="zh-CN" altLang="en-US" dirty="0" smtClean="0"/>
-              <a:t>题 </a:t>
+              <a:t>年全国考研题 </a:t>
             </a:r>
             <a:r>
               <a:rPr lang="en-US" altLang="zh-CN" dirty="0"/>
@@ -7216,14 +7082,10 @@
           <a:p>
             <a:r>
               <a:rPr lang="zh-CN" altLang="en-US" dirty="0"/>
-              <a:t>下列线索二叉树中（用虚线表示线索），符合后序线索树定义的是</a:t>
-            </a:r>
-            <a:r>
-              <a:rPr lang="zh-CN" altLang="en-US" dirty="0" smtClean="0"/>
-              <a:t>（</a:t>
-            </a:r>
-            <a:r>
-              <a:rPr lang="en-US" altLang="zh-CN" dirty="0" smtClean="0">
+              <a:t>下列线索二叉树中（用虚线表示线索），符合后序线索树定义的是（</a:t>
+            </a:r>
+            <a:r>
+              <a:rPr lang="en-US" altLang="zh-CN" dirty="0">
                 <a:solidFill>
                   <a:srgbClr val="FF0000"/>
                 </a:solidFill>
@@ -7231,10 +7093,9 @@
               <a:t>D</a:t>
             </a:r>
             <a:r>
-              <a:rPr lang="zh-CN" altLang="en-US" dirty="0" smtClean="0"/>
+              <a:rPr lang="zh-CN" altLang="en-US" dirty="0"/>
               <a:t>）</a:t>
             </a:r>
-            <a:endParaRPr lang="zh-CN" altLang="en-US" dirty="0"/>
           </a:p>
         </p:txBody>
       </p:sp>
@@ -7327,15 +7188,15 @@
           <a:p>
             <a:pPr algn="ctr"/>
             <a:r>
-              <a:rPr lang="en-US" altLang="zh-CN" dirty="0" err="1" smtClean="0"/>
+              <a:rPr lang="en-US" altLang="zh-CN" dirty="0" err="1"/>
               <a:t>PostOrder</a:t>
             </a:r>
             <a:r>
-              <a:rPr lang="zh-CN" altLang="en-US" dirty="0" smtClean="0"/>
+              <a:rPr lang="zh-CN" altLang="en-US" dirty="0"/>
               <a:t>：</a:t>
             </a:r>
             <a:r>
-              <a:rPr lang="en-US" altLang="zh-CN" dirty="0" err="1" smtClean="0"/>
+              <a:rPr lang="en-US" altLang="zh-CN" dirty="0" err="1"/>
               <a:t>dbca</a:t>
             </a:r>
             <a:endParaRPr lang="zh-CN" altLang="en-US" dirty="0"/>
@@ -7352,13 +7213,6 @@
   <p:clrMapOvr>
     <a:masterClrMapping/>
   </p:clrMapOvr>
-  <p:timing>
-    <p:tnLst>
-      <p:par>
-        <p:cTn id="1" dur="indefinite" restart="never" nodeType="tmRoot"/>
-      </p:par>
-    </p:tnLst>
-  </p:timing>
 </p:sld>
 </file>
 
@@ -7395,7 +7249,7 @@
           <a:lstStyle/>
           <a:p>
             <a:r>
-              <a:rPr lang="en-US" altLang="zh-CN" dirty="0" smtClean="0"/>
+              <a:rPr lang="en-US" altLang="zh-CN" dirty="0"/>
               <a:t>5</a:t>
             </a:r>
             <a:endParaRPr lang="zh-CN" altLang="en-US" dirty="0"/>
@@ -7507,13 +7361,8 @@
             </a:r>
             <a:r>
               <a:rPr lang="zh-CN" altLang="en-US" dirty="0"/>
-              <a:t>的叶节点</a:t>
-            </a:r>
-            <a:r>
-              <a:rPr lang="zh-CN" altLang="en-US" dirty="0" smtClean="0"/>
-              <a:t>个数是：</a:t>
-            </a:r>
-            <a:endParaRPr lang="zh-CN" altLang="en-US" dirty="0"/>
+              <a:t>的叶节点个数是：</a:t>
+            </a:r>
           </a:p>
           <a:p>
             <a:r>
@@ -7569,7 +7418,7 @@
               <a:t>：</a:t>
             </a:r>
             <a:r>
-              <a:rPr lang="en-US" altLang="zh-CN" dirty="0" smtClean="0"/>
+              <a:rPr lang="en-US" altLang="zh-CN" dirty="0"/>
               <a:t>122</a:t>
             </a:r>
           </a:p>
@@ -7646,13 +7495,6 @@
   <p:clrMapOvr>
     <a:masterClrMapping/>
   </p:clrMapOvr>
-  <p:timing>
-    <p:tnLst>
-      <p:par>
-        <p:cTn id="1" dur="indefinite" restart="never" nodeType="tmRoot"/>
-      </p:par>
-    </p:tnLst>
-  </p:timing>
 </p:sld>
 </file>
 
@@ -7689,7 +7531,7 @@
           <a:lstStyle/>
           <a:p>
             <a:r>
-              <a:rPr lang="en-US" altLang="zh-CN" dirty="0" smtClean="0"/>
+              <a:rPr lang="en-US" altLang="zh-CN" dirty="0"/>
               <a:t>6</a:t>
             </a:r>
             <a:endParaRPr lang="zh-CN" altLang="en-US" dirty="0"/>
@@ -7752,7 +7594,7 @@
               </a:rPr>
               <a:t>：该树一定是一棵完全二叉树 </a:t>
             </a:r>
-            <a:endParaRPr lang="en-US" altLang="zh-CN" dirty="0" smtClean="0">
+            <a:endParaRPr lang="en-US" altLang="zh-CN" dirty="0">
               <a:solidFill>
                 <a:srgbClr val="FF0000"/>
               </a:solidFill>
@@ -7761,7 +7603,7 @@
           <a:p>
             <a:pPr lvl="1"/>
             <a:r>
-              <a:rPr lang="en-US" altLang="zh-CN" dirty="0" smtClean="0"/>
+              <a:rPr lang="en-US" altLang="zh-CN" dirty="0"/>
               <a:t>B</a:t>
             </a:r>
             <a:r>
@@ -7774,57 +7616,32 @@
             </a:r>
             <a:r>
               <a:rPr lang="zh-CN" altLang="en-US" dirty="0"/>
-              <a:t>的</a:t>
-            </a:r>
-            <a:r>
-              <a:rPr lang="zh-CN" altLang="en-US" dirty="0" smtClean="0"/>
-              <a:t>结点</a:t>
-            </a:r>
-            <a:endParaRPr lang="en-US" altLang="zh-CN" dirty="0" smtClean="0"/>
+              <a:t>的结点</a:t>
+            </a:r>
+            <a:endParaRPr lang="en-US" altLang="zh-CN" dirty="0"/>
           </a:p>
           <a:p>
             <a:pPr lvl="1"/>
             <a:r>
-              <a:rPr lang="en-US" altLang="zh-CN" dirty="0" smtClean="0"/>
+              <a:rPr lang="en-US" altLang="zh-CN" dirty="0"/>
               <a:t>C</a:t>
             </a:r>
             <a:r>
               <a:rPr lang="zh-CN" altLang="en-US" dirty="0"/>
               <a:t>：树中两个权值最小的结点一定是兄弟结点  </a:t>
             </a:r>
-            <a:endParaRPr lang="en-US" altLang="zh-CN" dirty="0" smtClean="0"/>
+            <a:endParaRPr lang="en-US" altLang="zh-CN" dirty="0"/>
           </a:p>
           <a:p>
             <a:pPr lvl="1"/>
             <a:r>
-              <a:rPr lang="en-US" altLang="zh-CN" dirty="0" smtClean="0"/>
+              <a:rPr lang="en-US" altLang="zh-CN" dirty="0"/>
               <a:t>D</a:t>
             </a:r>
             <a:r>
               <a:rPr lang="zh-CN" altLang="en-US" dirty="0"/>
-              <a:t>：树中任一非叶结点的权值一定不小于下</a:t>
-            </a:r>
-            <a:r>
-              <a:rPr lang="zh-CN" altLang="en-US" dirty="0" smtClean="0"/>
-              <a:t>一</a:t>
-            </a:r>
-            <a:r>
-              <a:rPr lang="zh-CN" altLang="en-US" dirty="0"/>
-              <a:t>层</a:t>
-            </a:r>
-            <a:r>
-              <a:rPr lang="zh-CN" altLang="en-US" dirty="0" smtClean="0"/>
-              <a:t>任</a:t>
-            </a:r>
-            <a:r>
-              <a:rPr lang="zh-CN" altLang="en-US" dirty="0"/>
-              <a:t>一结点的权</a:t>
-            </a:r>
-            <a:r>
-              <a:rPr lang="zh-CN" altLang="en-US" dirty="0" smtClean="0"/>
-              <a:t>值</a:t>
-            </a:r>
-            <a:endParaRPr lang="zh-CN" altLang="en-US" dirty="0"/>
+              <a:t>：树中任一非叶结点的权值一定不小于下一层任一结点的权值</a:t>
+            </a:r>
           </a:p>
         </p:txBody>
       </p:sp>
@@ -7838,13 +7655,6 @@
   <p:clrMapOvr>
     <a:masterClrMapping/>
   </p:clrMapOvr>
-  <p:timing>
-    <p:tnLst>
-      <p:par>
-        <p:cTn id="1" dur="indefinite" restart="never" nodeType="tmRoot"/>
-      </p:par>
-    </p:tnLst>
-  </p:timing>
 </p:sld>
 </file>
 
@@ -7881,22 +7691,18 @@
           <a:lstStyle/>
           <a:p>
             <a:r>
-              <a:rPr lang="en-US" altLang="zh-CN" dirty="0" smtClean="0"/>
+              <a:rPr lang="en-US" altLang="zh-CN" dirty="0"/>
               <a:t>1.</a:t>
             </a:r>
             <a:r>
-              <a:rPr lang="zh-CN" altLang="en-US" dirty="0" smtClean="0"/>
-              <a:t>给</a:t>
-            </a:r>
-            <a:r>
               <a:rPr lang="zh-CN" altLang="en-US" dirty="0"/>
-              <a:t>出如下各表达式的二叉树</a:t>
-            </a:r>
-          </a:p>
-        </p:txBody>
-      </p:sp>
-      <mc:AlternateContent xmlns:mc="http://schemas.openxmlformats.org/markup-compatibility/2006">
-        <mc:Choice xmlns:a14="http://schemas.microsoft.com/office/drawing/2010/main" Requires="a14">
+              <a:t>给出如下各表达式的二叉树</a:t>
+            </a:r>
+          </a:p>
+        </p:txBody>
+      </p:sp>
+      <mc:AlternateContent xmlns:mc="http://schemas.openxmlformats.org/markup-compatibility/2006" xmlns:a14="http://schemas.microsoft.com/office/drawing/2010/main">
+        <mc:Choice Requires="a14">
           <p:sp>
             <p:nvSpPr>
               <p:cNvPr id="3" name="内容占位符 2"/>
@@ -7913,7 +7719,7 @@
               <a:lstStyle/>
               <a:p>
                 <a:r>
-                  <a:rPr lang="zh-CN" altLang="en-US" dirty="0" smtClean="0"/>
+                  <a:rPr lang="zh-CN" altLang="en-US" dirty="0"/>
                   <a:t>方法一：中缀表达式</a:t>
                 </a:r>
                 <a14:m>
@@ -7927,7 +7733,7 @@
                   </m:oMath>
                 </a14:m>
                 <a:r>
-                  <a:rPr lang="zh-CN" altLang="en-US" dirty="0" smtClean="0"/>
+                  <a:rPr lang="zh-CN" altLang="en-US" dirty="0"/>
                   <a:t>后缀表达式</a:t>
                 </a:r>
                 <a14:m>
@@ -7941,40 +7747,36 @@
                   </m:oMath>
                 </a14:m>
                 <a:r>
-                  <a:rPr lang="zh-CN" altLang="en-US" dirty="0" smtClean="0"/>
+                  <a:rPr lang="zh-CN" altLang="en-US" dirty="0"/>
                   <a:t>二叉树</a:t>
                 </a:r>
-                <a:endParaRPr lang="en-US" altLang="zh-CN" dirty="0" smtClean="0"/>
-              </a:p>
-              <a:p>
-                <a:r>
-                  <a:rPr lang="zh-CN" altLang="en-US" dirty="0" smtClean="0"/>
-                  <a:t>编程时使用</a:t>
-                </a:r>
-                <a:endParaRPr lang="en-US" altLang="zh-CN" dirty="0" smtClean="0"/>
-              </a:p>
-              <a:p>
-                <a:r>
-                  <a:rPr lang="zh-CN" altLang="en-US" dirty="0" smtClean="0"/>
-                  <a:t>方法二：根据计算的顺序写出二叉树</a:t>
-                </a:r>
-                <a:endParaRPr lang="en-US" altLang="zh-CN" dirty="0" smtClean="0"/>
+                <a:endParaRPr lang="en-US" altLang="zh-CN" dirty="0"/>
               </a:p>
               <a:p>
                 <a:r>
                   <a:rPr lang="zh-CN" altLang="en-US" dirty="0"/>
-                  <a:t>做</a:t>
+                  <a:t>编程时使用</a:t>
                 </a:r>
+                <a:endParaRPr lang="en-US" altLang="zh-CN" dirty="0"/>
+              </a:p>
+              <a:p>
                 <a:r>
-                  <a:rPr lang="zh-CN" altLang="en-US" dirty="0" smtClean="0"/>
-                  <a:t>题时使用</a:t>
+                  <a:rPr lang="zh-CN" altLang="en-US" dirty="0"/>
+                  <a:t>方法二：根据计算的顺序写出二叉树</a:t>
                 </a:r>
-                <a:endParaRPr lang="en-US" altLang="zh-CN" dirty="0" smtClean="0"/>
+                <a:endParaRPr lang="en-US" altLang="zh-CN" dirty="0"/>
+              </a:p>
+              <a:p>
+                <a:r>
+                  <a:rPr lang="zh-CN" altLang="en-US" dirty="0"/>
+                  <a:t>做题时使用</a:t>
+                </a:r>
+                <a:endParaRPr lang="en-US" altLang="zh-CN" dirty="0"/>
               </a:p>
             </p:txBody>
           </p:sp>
         </mc:Choice>
-        <mc:Fallback>
+        <mc:Fallback xmlns="">
           <p:sp>
             <p:nvSpPr>
               <p:cNvPr id="3" name="内容占位符 2"/>
@@ -8018,13 +7820,6 @@
   <p:clrMapOvr>
     <a:masterClrMapping/>
   </p:clrMapOvr>
-  <p:timing>
-    <p:tnLst>
-      <p:par>
-        <p:cTn id="1" dur="indefinite" restart="never" nodeType="tmRoot"/>
-      </p:par>
-    </p:tnLst>
-  </p:timing>
 </p:sld>
 </file>
 
@@ -8063,28 +7858,16 @@
           <a:lstStyle/>
           <a:p>
             <a:r>
-              <a:rPr lang="en-US" altLang="zh-CN" dirty="0" smtClean="0"/>
+              <a:rPr lang="en-US" altLang="zh-CN" dirty="0"/>
               <a:t>(</a:t>
             </a:r>
             <a:r>
-              <a:rPr lang="en-US" altLang="zh-CN" dirty="0" err="1" smtClean="0"/>
+              <a:rPr lang="en-US" altLang="zh-CN" dirty="0" err="1"/>
               <a:t>a+b</a:t>
             </a:r>
             <a:r>
               <a:rPr lang="en-US" altLang="zh-CN" dirty="0"/>
-              <a:t>)/(c-d*e</a:t>
-            </a:r>
-            <a:r>
-              <a:rPr lang="en-US" altLang="zh-CN" dirty="0" smtClean="0"/>
-              <a:t>)+</a:t>
-            </a:r>
-            <a:r>
-              <a:rPr lang="en-US" altLang="zh-CN" dirty="0" smtClean="0"/>
-              <a:t>e+</a:t>
-            </a:r>
-            <a:r>
-              <a:rPr lang="en-US" altLang="zh-CN" dirty="0" smtClean="0"/>
-              <a:t>g*h/a</a:t>
+              <a:t>)/(c-d*e)+e+g*h/a</a:t>
             </a:r>
             <a:endParaRPr lang="zh-CN" altLang="en-US" dirty="0"/>
           </a:p>
@@ -8125,7 +7908,7 @@
           <a:p>
             <a:pPr algn="ctr"/>
             <a:r>
-              <a:rPr lang="en-US" altLang="zh-CN" sz="3600" dirty="0" smtClean="0"/>
+              <a:rPr lang="en-US" altLang="zh-CN" sz="3600" dirty="0"/>
               <a:t>+</a:t>
             </a:r>
             <a:endParaRPr lang="zh-CN" altLang="en-US" sz="3200" dirty="0"/>
@@ -8167,7 +7950,7 @@
           <a:p>
             <a:pPr algn="ctr"/>
             <a:r>
-              <a:rPr lang="en-US" altLang="zh-CN" sz="3600" dirty="0" smtClean="0"/>
+              <a:rPr lang="en-US" altLang="zh-CN" sz="3600" dirty="0"/>
               <a:t>+</a:t>
             </a:r>
             <a:endParaRPr lang="zh-CN" altLang="en-US" sz="3200" dirty="0"/>
@@ -8209,7 +7992,7 @@
           <a:p>
             <a:pPr algn="ctr"/>
             <a:r>
-              <a:rPr lang="en-US" altLang="zh-CN" sz="3600" dirty="0" smtClean="0"/>
+              <a:rPr lang="en-US" altLang="zh-CN" sz="3600" dirty="0"/>
               <a:t>/</a:t>
             </a:r>
             <a:endParaRPr lang="zh-CN" altLang="en-US" sz="3200" dirty="0"/>
@@ -8251,7 +8034,7 @@
           <a:p>
             <a:pPr algn="ctr"/>
             <a:r>
-              <a:rPr lang="en-US" altLang="zh-CN" sz="3600" dirty="0" smtClean="0"/>
+              <a:rPr lang="en-US" altLang="zh-CN" sz="3600" dirty="0"/>
               <a:t>/</a:t>
             </a:r>
             <a:endParaRPr lang="zh-CN" altLang="en-US" sz="3200" dirty="0"/>
@@ -8335,7 +8118,7 @@
           <a:p>
             <a:pPr algn="ctr"/>
             <a:r>
-              <a:rPr lang="en-US" altLang="zh-CN" sz="3600" dirty="0" smtClean="0"/>
+              <a:rPr lang="en-US" altLang="zh-CN" sz="3600" dirty="0"/>
               <a:t>+</a:t>
             </a:r>
             <a:endParaRPr lang="zh-CN" altLang="en-US" sz="3200" dirty="0"/>
@@ -8419,7 +8202,7 @@
           <a:p>
             <a:pPr algn="ctr"/>
             <a:r>
-              <a:rPr lang="en-US" altLang="zh-CN" sz="3600" dirty="0" smtClean="0"/>
+              <a:rPr lang="en-US" altLang="zh-CN" sz="3600" dirty="0"/>
               <a:t>*</a:t>
             </a:r>
             <a:endParaRPr lang="zh-CN" altLang="en-US" sz="3200" dirty="0"/>
@@ -8461,7 +8244,7 @@
           <a:p>
             <a:pPr algn="ctr"/>
             <a:r>
-              <a:rPr lang="en-US" altLang="zh-CN" sz="3600" dirty="0" smtClean="0"/>
+              <a:rPr lang="en-US" altLang="zh-CN" sz="3600" dirty="0"/>
               <a:t>a</a:t>
             </a:r>
             <a:endParaRPr lang="zh-CN" altLang="en-US" sz="3200" dirty="0"/>
@@ -8503,7 +8286,7 @@
           <a:p>
             <a:pPr algn="ctr"/>
             <a:r>
-              <a:rPr lang="en-US" altLang="zh-CN" sz="3600" dirty="0" smtClean="0"/>
+              <a:rPr lang="en-US" altLang="zh-CN" sz="3600" dirty="0"/>
               <a:t>b</a:t>
             </a:r>
             <a:endParaRPr lang="zh-CN" altLang="en-US" sz="3200" dirty="0"/>
@@ -8617,7 +8400,7 @@
           <a:p>
             <a:pPr algn="ctr"/>
             <a:r>
-              <a:rPr lang="en-US" altLang="zh-CN" sz="3600" dirty="0" smtClean="0"/>
+              <a:rPr lang="en-US" altLang="zh-CN" sz="3600" dirty="0"/>
               <a:t>c</a:t>
             </a:r>
             <a:endParaRPr lang="zh-CN" altLang="en-US" sz="3200" dirty="0"/>
@@ -8659,7 +8442,7 @@
           <a:p>
             <a:pPr algn="ctr"/>
             <a:r>
-              <a:rPr lang="en-US" altLang="zh-CN" sz="3600" dirty="0" smtClean="0"/>
+              <a:rPr lang="en-US" altLang="zh-CN" sz="3600" dirty="0"/>
               <a:t>d</a:t>
             </a:r>
             <a:endParaRPr lang="zh-CN" altLang="en-US" sz="3200" dirty="0"/>
@@ -8701,7 +8484,7 @@
           <a:p>
             <a:pPr algn="ctr"/>
             <a:r>
-              <a:rPr lang="en-US" altLang="zh-CN" sz="3600" dirty="0" smtClean="0"/>
+              <a:rPr lang="en-US" altLang="zh-CN" sz="3600" dirty="0"/>
               <a:t>e</a:t>
             </a:r>
             <a:endParaRPr lang="zh-CN" altLang="en-US" sz="3200" dirty="0"/>
@@ -8743,7 +8526,7 @@
           <a:p>
             <a:pPr algn="ctr"/>
             <a:r>
-              <a:rPr lang="en-US" altLang="zh-CN" sz="3600" dirty="0" smtClean="0"/>
+              <a:rPr lang="en-US" altLang="zh-CN" sz="3600" dirty="0"/>
               <a:t>e</a:t>
             </a:r>
             <a:endParaRPr lang="zh-CN" altLang="en-US" sz="3200" dirty="0"/>
@@ -8785,7 +8568,7 @@
           <a:p>
             <a:pPr algn="ctr"/>
             <a:r>
-              <a:rPr lang="en-US" altLang="zh-CN" sz="3600" dirty="0" smtClean="0"/>
+              <a:rPr lang="en-US" altLang="zh-CN" sz="3600" dirty="0"/>
               <a:t>a</a:t>
             </a:r>
             <a:endParaRPr lang="zh-CN" altLang="en-US" sz="3200" dirty="0"/>
@@ -8869,7 +8652,7 @@
           <a:p>
             <a:pPr algn="ctr"/>
             <a:r>
-              <a:rPr lang="en-US" altLang="zh-CN" sz="3600" dirty="0" smtClean="0"/>
+              <a:rPr lang="en-US" altLang="zh-CN" sz="3600" dirty="0"/>
               <a:t>h</a:t>
             </a:r>
             <a:endParaRPr lang="zh-CN" altLang="en-US" sz="3200" dirty="0"/>
@@ -9390,13 +9173,6 @@
   <p:clrMapOvr>
     <a:masterClrMapping/>
   </p:clrMapOvr>
-  <p:timing>
-    <p:tnLst>
-      <p:par>
-        <p:cTn id="1" dur="indefinite" restart="never" nodeType="tmRoot"/>
-      </p:par>
-    </p:tnLst>
-  </p:timing>
 </p:sld>
 </file>
 
@@ -9436,23 +9212,15 @@
           <a:p>
             <a:r>
               <a:rPr lang="en-US" altLang="zh-CN" dirty="0"/>
-              <a:t>-</a:t>
-            </a:r>
-            <a:r>
-              <a:rPr lang="en-US" altLang="zh-CN" dirty="0" smtClean="0"/>
-              <a:t>x-y*z+(</a:t>
-            </a:r>
-            <a:r>
-              <a:rPr lang="en-US" altLang="zh-CN" dirty="0" err="1" smtClean="0"/>
+              <a:t>-x-y*z+(</a:t>
+            </a:r>
+            <a:r>
+              <a:rPr lang="en-US" altLang="zh-CN" dirty="0" err="1"/>
               <a:t>a+b+c</a:t>
             </a:r>
             <a:r>
-              <a:rPr lang="en-US" altLang="zh-CN" dirty="0" smtClean="0"/>
-              <a:t>/d*e</a:t>
-            </a:r>
-            <a:r>
-              <a:rPr lang="en-US" altLang="zh-CN" dirty="0" smtClean="0"/>
-              <a:t>)</a:t>
+              <a:rPr lang="en-US" altLang="zh-CN" dirty="0"/>
+              <a:t>/d*e)</a:t>
             </a:r>
             <a:endParaRPr lang="zh-CN" altLang="en-US" dirty="0"/>
           </a:p>
@@ -9493,7 +9261,7 @@
           <a:p>
             <a:pPr algn="ctr"/>
             <a:r>
-              <a:rPr lang="en-US" altLang="zh-CN" sz="3600" dirty="0" smtClean="0"/>
+              <a:rPr lang="en-US" altLang="zh-CN" sz="3600" dirty="0"/>
               <a:t>+</a:t>
             </a:r>
             <a:endParaRPr lang="zh-CN" altLang="en-US" sz="3200" dirty="0"/>
@@ -9535,7 +9303,7 @@
           <a:p>
             <a:pPr algn="ctr"/>
             <a:r>
-              <a:rPr lang="en-US" altLang="zh-CN" sz="3600" dirty="0" smtClean="0"/>
+              <a:rPr lang="en-US" altLang="zh-CN" sz="3600" dirty="0"/>
               <a:t>-</a:t>
             </a:r>
             <a:endParaRPr lang="zh-CN" altLang="en-US" sz="3200" dirty="0"/>
@@ -9577,7 +9345,7 @@
           <a:p>
             <a:pPr algn="ctr"/>
             <a:r>
-              <a:rPr lang="en-US" altLang="zh-CN" sz="3600" dirty="0" smtClean="0"/>
+              <a:rPr lang="en-US" altLang="zh-CN" sz="3600" dirty="0"/>
               <a:t>+</a:t>
             </a:r>
             <a:endParaRPr lang="zh-CN" altLang="en-US" sz="3200" dirty="0"/>
@@ -9619,7 +9387,7 @@
           <a:p>
             <a:pPr algn="ctr"/>
             <a:r>
-              <a:rPr lang="en-US" altLang="zh-CN" sz="3600" dirty="0" smtClean="0"/>
+              <a:rPr lang="en-US" altLang="zh-CN" sz="3600" dirty="0"/>
               <a:t>-</a:t>
             </a:r>
             <a:endParaRPr lang="zh-CN" altLang="en-US" sz="3200" dirty="0"/>
@@ -9661,7 +9429,7 @@
           <a:p>
             <a:pPr algn="ctr"/>
             <a:r>
-              <a:rPr lang="en-US" altLang="zh-CN" sz="3600" dirty="0" smtClean="0"/>
+              <a:rPr lang="en-US" altLang="zh-CN" sz="3600" dirty="0"/>
               <a:t>*</a:t>
             </a:r>
             <a:endParaRPr lang="zh-CN" altLang="en-US" sz="3200" dirty="0"/>
@@ -9703,7 +9471,7 @@
           <a:p>
             <a:pPr algn="ctr"/>
             <a:r>
-              <a:rPr lang="en-US" altLang="zh-CN" sz="3600" dirty="0" smtClean="0"/>
+              <a:rPr lang="en-US" altLang="zh-CN" sz="3600" dirty="0"/>
               <a:t>+</a:t>
             </a:r>
             <a:endParaRPr lang="zh-CN" altLang="en-US" sz="3200" dirty="0"/>
@@ -9745,7 +9513,7 @@
           <a:p>
             <a:pPr algn="ctr"/>
             <a:r>
-              <a:rPr lang="en-US" altLang="zh-CN" sz="3600" dirty="0" smtClean="0"/>
+              <a:rPr lang="en-US" altLang="zh-CN" sz="3600" dirty="0"/>
               <a:t>*</a:t>
             </a:r>
             <a:endParaRPr lang="zh-CN" altLang="en-US" sz="3200" dirty="0"/>
@@ -9787,7 +9555,7 @@
           <a:p>
             <a:pPr algn="ctr"/>
             <a:r>
-              <a:rPr lang="en-US" altLang="zh-CN" sz="3600" dirty="0" smtClean="0"/>
+              <a:rPr lang="en-US" altLang="zh-CN" sz="3600" dirty="0"/>
               <a:t>x</a:t>
             </a:r>
             <a:endParaRPr lang="zh-CN" altLang="en-US" sz="3200" dirty="0"/>
@@ -9829,7 +9597,7 @@
           <a:p>
             <a:pPr algn="ctr"/>
             <a:r>
-              <a:rPr lang="en-US" altLang="zh-CN" sz="3600" dirty="0" smtClean="0"/>
+              <a:rPr lang="en-US" altLang="zh-CN" sz="3600" dirty="0"/>
               <a:t>y</a:t>
             </a:r>
             <a:endParaRPr lang="zh-CN" altLang="en-US" sz="3200" dirty="0"/>
@@ -9871,7 +9639,7 @@
           <a:p>
             <a:pPr algn="ctr"/>
             <a:r>
-              <a:rPr lang="en-US" altLang="zh-CN" sz="3600" dirty="0" smtClean="0"/>
+              <a:rPr lang="en-US" altLang="zh-CN" sz="3600" dirty="0"/>
               <a:t>z</a:t>
             </a:r>
             <a:endParaRPr lang="zh-CN" altLang="en-US" sz="3200" dirty="0"/>
@@ -9913,7 +9681,7 @@
           <a:p>
             <a:pPr algn="ctr"/>
             <a:r>
-              <a:rPr lang="en-US" altLang="zh-CN" sz="3600" dirty="0" smtClean="0"/>
+              <a:rPr lang="en-US" altLang="zh-CN" sz="3600" dirty="0"/>
               <a:t>a</a:t>
             </a:r>
             <a:endParaRPr lang="zh-CN" altLang="en-US" sz="3200" dirty="0"/>
@@ -9955,7 +9723,7 @@
           <a:p>
             <a:pPr algn="ctr"/>
             <a:r>
-              <a:rPr lang="en-US" altLang="zh-CN" sz="3600" dirty="0" smtClean="0"/>
+              <a:rPr lang="en-US" altLang="zh-CN" sz="3600" dirty="0"/>
               <a:t>b</a:t>
             </a:r>
             <a:endParaRPr lang="zh-CN" altLang="en-US" sz="3200" dirty="0"/>
@@ -9997,7 +9765,7 @@
           <a:p>
             <a:pPr algn="ctr"/>
             <a:r>
-              <a:rPr lang="en-US" altLang="zh-CN" sz="3600" dirty="0" smtClean="0"/>
+              <a:rPr lang="en-US" altLang="zh-CN" sz="3600" dirty="0"/>
               <a:t>/</a:t>
             </a:r>
             <a:endParaRPr lang="zh-CN" altLang="en-US" sz="3200" dirty="0"/>
@@ -10039,7 +9807,7 @@
           <a:p>
             <a:pPr algn="ctr"/>
             <a:r>
-              <a:rPr lang="en-US" altLang="zh-CN" sz="3600" dirty="0" smtClean="0"/>
+              <a:rPr lang="en-US" altLang="zh-CN" sz="3600" dirty="0"/>
               <a:t>e</a:t>
             </a:r>
             <a:endParaRPr lang="zh-CN" altLang="en-US" sz="3200" dirty="0"/>
@@ -10081,7 +9849,7 @@
           <a:p>
             <a:pPr algn="ctr"/>
             <a:r>
-              <a:rPr lang="en-US" altLang="zh-CN" sz="3600" dirty="0" smtClean="0"/>
+              <a:rPr lang="en-US" altLang="zh-CN" sz="3600" dirty="0"/>
               <a:t>c</a:t>
             </a:r>
             <a:endParaRPr lang="zh-CN" altLang="en-US" sz="3200" dirty="0"/>
@@ -10123,7 +9891,7 @@
           <a:p>
             <a:pPr algn="ctr"/>
             <a:r>
-              <a:rPr lang="en-US" altLang="zh-CN" sz="3600" dirty="0" smtClean="0"/>
+              <a:rPr lang="en-US" altLang="zh-CN" sz="3600" dirty="0"/>
               <a:t>d</a:t>
             </a:r>
             <a:endParaRPr lang="zh-CN" altLang="en-US" sz="3200" dirty="0"/>
@@ -10705,30 +10473,29 @@
           <a:p>
             <a:pPr algn="ctr"/>
             <a:r>
-              <a:rPr lang="en-US" altLang="zh-CN" dirty="0" smtClean="0"/>
+              <a:rPr lang="en-US" altLang="zh-CN" dirty="0"/>
               <a:t>x</a:t>
             </a:r>
             <a:r>
-              <a:rPr lang="zh-CN" altLang="en-US" dirty="0" smtClean="0"/>
+              <a:rPr lang="zh-CN" altLang="en-US" dirty="0"/>
               <a:t>是</a:t>
             </a:r>
             <a:r>
-              <a:rPr lang="en-US" altLang="zh-CN" dirty="0" smtClean="0"/>
+              <a:rPr lang="en-US" altLang="zh-CN" dirty="0"/>
               <a:t>-</a:t>
             </a:r>
             <a:r>
-              <a:rPr lang="zh-CN" altLang="en-US" dirty="0" smtClean="0"/>
+              <a:rPr lang="zh-CN" altLang="en-US" dirty="0"/>
               <a:t>的右节点，可以按</a:t>
             </a:r>
             <a:r>
-              <a:rPr lang="en-US" altLang="zh-CN" dirty="0" smtClean="0"/>
+              <a:rPr lang="en-US" altLang="zh-CN" dirty="0"/>
               <a:t>0-x</a:t>
             </a:r>
             <a:r>
-              <a:rPr lang="zh-CN" altLang="en-US" dirty="0" smtClean="0"/>
+              <a:rPr lang="zh-CN" altLang="en-US" dirty="0"/>
               <a:t>来理解</a:t>
             </a:r>
-            <a:endParaRPr lang="zh-CN" altLang="en-US" dirty="0"/>
           </a:p>
         </p:txBody>
       </p:sp>
@@ -10742,13 +10509,6 @@
   <p:clrMapOvr>
     <a:masterClrMapping/>
   </p:clrMapOvr>
-  <p:timing>
-    <p:tnLst>
-      <p:par>
-        <p:cTn id="1" dur="indefinite" restart="never" nodeType="tmRoot"/>
-      </p:par>
-    </p:tnLst>
-  </p:timing>
 </p:sld>
 </file>
 
@@ -10787,12 +10547,8 @@
           <a:lstStyle/>
           <a:p>
             <a:r>
-              <a:rPr lang="en-US" altLang="zh-CN" dirty="0" smtClean="0"/>
-              <a:t>Chapter3.1 </a:t>
-            </a:r>
-            <a:r>
-              <a:rPr lang="en-US" altLang="zh-CN" dirty="0"/>
-              <a:t>2010</a:t>
+              <a:rPr lang="en-US" altLang="zh-CN" dirty="0"/>
+              <a:t>Chapter3.1 2010</a:t>
             </a:r>
             <a:r>
               <a:rPr lang="zh-CN" altLang="en-US" dirty="0"/>
@@ -10969,13 +10725,8 @@
             </a:r>
             <a:r>
               <a:rPr lang="zh-CN" altLang="zh-CN" dirty="0"/>
-              <a:t>）说明你所设计算法的时间复杂度和空间复杂</a:t>
-            </a:r>
-            <a:r>
-              <a:rPr lang="zh-CN" altLang="zh-CN" dirty="0" smtClean="0"/>
-              <a:t>度</a:t>
-            </a:r>
-            <a:endParaRPr lang="zh-CN" altLang="zh-CN" dirty="0"/>
+              <a:t>）说明你所设计算法的时间复杂度和空间复杂度</a:t>
+            </a:r>
           </a:p>
         </p:txBody>
       </p:sp>
@@ -10989,13 +10740,6 @@
   <p:clrMapOvr>
     <a:masterClrMapping/>
   </p:clrMapOvr>
-  <p:timing>
-    <p:tnLst>
-      <p:par>
-        <p:cTn id="1" dur="indefinite" restart="never" nodeType="tmRoot"/>
-      </p:par>
-    </p:tnLst>
-  </p:timing>
 </p:sld>
 </file>
 
@@ -11035,19 +10779,7 @@
           <a:p>
             <a:r>
               <a:rPr lang="es-ES" altLang="zh-CN" sz="3600" dirty="0"/>
-              <a:t>((a+b)&gt;(</a:t>
-            </a:r>
-            <a:r>
-              <a:rPr lang="es-ES" altLang="zh-CN" sz="3600" dirty="0" smtClean="0"/>
-              <a:t>c-d))||a&lt;f</a:t>
-            </a:r>
-            <a:r>
-              <a:rPr lang="es-ES" altLang="zh-CN" sz="3600" dirty="0" smtClean="0"/>
-              <a:t>&amp;&amp;(x&lt;y||y&gt;z</a:t>
-            </a:r>
-            <a:r>
-              <a:rPr lang="es-ES" altLang="zh-CN" sz="3600" dirty="0"/>
-              <a:t>)</a:t>
+              <a:t>((a+b)&gt;(c-d))||a&lt;f&amp;&amp;(x&lt;y||y&gt;z)</a:t>
             </a:r>
           </a:p>
         </p:txBody>
@@ -11087,7 +10819,7 @@
           <a:p>
             <a:pPr algn="ctr"/>
             <a:r>
-              <a:rPr lang="en-US" altLang="zh-CN" sz="2400" dirty="0" smtClean="0"/>
+              <a:rPr lang="en-US" altLang="zh-CN" sz="2400" dirty="0"/>
               <a:t>||</a:t>
             </a:r>
             <a:endParaRPr lang="zh-CN" altLang="en-US" sz="2000" dirty="0"/>
@@ -11171,7 +10903,7 @@
           <a:p>
             <a:pPr algn="ctr"/>
             <a:r>
-              <a:rPr lang="en-US" altLang="zh-CN" sz="1200" dirty="0" smtClean="0"/>
+              <a:rPr lang="en-US" altLang="zh-CN" sz="1200" dirty="0"/>
               <a:t>&amp;&amp;</a:t>
             </a:r>
             <a:endParaRPr lang="zh-CN" altLang="en-US" sz="1100" dirty="0"/>
@@ -11213,7 +10945,7 @@
           <a:p>
             <a:pPr algn="ctr"/>
             <a:r>
-              <a:rPr lang="en-US" altLang="zh-CN" sz="3600" dirty="0" smtClean="0"/>
+              <a:rPr lang="en-US" altLang="zh-CN" sz="3600" dirty="0"/>
               <a:t>+</a:t>
             </a:r>
             <a:endParaRPr lang="zh-CN" altLang="en-US" sz="3200" dirty="0"/>
@@ -11297,7 +11029,7 @@
           <a:p>
             <a:pPr algn="ctr"/>
             <a:r>
-              <a:rPr lang="en-US" altLang="zh-CN" sz="3600" dirty="0" smtClean="0"/>
+              <a:rPr lang="en-US" altLang="zh-CN" sz="3600" dirty="0"/>
               <a:t>&lt;</a:t>
             </a:r>
             <a:endParaRPr lang="zh-CN" altLang="en-US" sz="3200" dirty="0"/>
@@ -11339,7 +11071,7 @@
           <a:p>
             <a:pPr algn="ctr"/>
             <a:r>
-              <a:rPr lang="en-US" altLang="zh-CN" sz="2400" dirty="0" smtClean="0"/>
+              <a:rPr lang="en-US" altLang="zh-CN" sz="2400" dirty="0"/>
               <a:t>||</a:t>
             </a:r>
             <a:endParaRPr lang="zh-CN" altLang="en-US" sz="2000" dirty="0"/>
@@ -11381,7 +11113,7 @@
           <a:p>
             <a:pPr algn="ctr"/>
             <a:r>
-              <a:rPr lang="en-US" altLang="zh-CN" sz="3600" dirty="0" smtClean="0"/>
+              <a:rPr lang="en-US" altLang="zh-CN" sz="3600" dirty="0"/>
               <a:t>a</a:t>
             </a:r>
             <a:endParaRPr lang="zh-CN" altLang="en-US" sz="3200" dirty="0"/>
@@ -11423,7 +11155,7 @@
           <a:p>
             <a:pPr algn="ctr"/>
             <a:r>
-              <a:rPr lang="en-US" altLang="zh-CN" sz="3600" dirty="0" smtClean="0"/>
+              <a:rPr lang="en-US" altLang="zh-CN" sz="3600" dirty="0"/>
               <a:t>b</a:t>
             </a:r>
             <a:endParaRPr lang="zh-CN" altLang="en-US" sz="3200" dirty="0"/>
@@ -11465,7 +11197,7 @@
           <a:p>
             <a:pPr algn="ctr"/>
             <a:r>
-              <a:rPr lang="en-US" altLang="zh-CN" sz="3600" dirty="0" smtClean="0"/>
+              <a:rPr lang="en-US" altLang="zh-CN" sz="3600" dirty="0"/>
               <a:t>c</a:t>
             </a:r>
             <a:endParaRPr lang="zh-CN" altLang="en-US" sz="3200" dirty="0"/>
@@ -11507,7 +11239,7 @@
           <a:p>
             <a:pPr algn="ctr"/>
             <a:r>
-              <a:rPr lang="en-US" altLang="zh-CN" sz="3600" dirty="0" smtClean="0"/>
+              <a:rPr lang="en-US" altLang="zh-CN" sz="3600" dirty="0"/>
               <a:t>d</a:t>
             </a:r>
             <a:endParaRPr lang="zh-CN" altLang="en-US" sz="3200" dirty="0"/>
@@ -11549,7 +11281,7 @@
           <a:p>
             <a:pPr algn="ctr"/>
             <a:r>
-              <a:rPr lang="en-US" altLang="zh-CN" sz="3600" dirty="0" smtClean="0"/>
+              <a:rPr lang="en-US" altLang="zh-CN" sz="3600" dirty="0"/>
               <a:t>a</a:t>
             </a:r>
             <a:endParaRPr lang="zh-CN" altLang="en-US" sz="3200" dirty="0"/>
@@ -11591,7 +11323,7 @@
           <a:p>
             <a:pPr algn="ctr"/>
             <a:r>
-              <a:rPr lang="en-US" altLang="zh-CN" sz="3600" dirty="0" smtClean="0"/>
+              <a:rPr lang="en-US" altLang="zh-CN" sz="3600" dirty="0"/>
               <a:t>f</a:t>
             </a:r>
             <a:endParaRPr lang="zh-CN" altLang="en-US" sz="3200" dirty="0"/>
@@ -11633,7 +11365,7 @@
           <a:p>
             <a:pPr algn="ctr"/>
             <a:r>
-              <a:rPr lang="en-US" altLang="zh-CN" sz="3600" dirty="0" smtClean="0"/>
+              <a:rPr lang="en-US" altLang="zh-CN" sz="3600" dirty="0"/>
               <a:t>&lt;</a:t>
             </a:r>
             <a:endParaRPr lang="zh-CN" altLang="en-US" sz="3200" dirty="0"/>
@@ -11717,7 +11449,7 @@
           <a:p>
             <a:pPr algn="ctr"/>
             <a:r>
-              <a:rPr lang="en-US" altLang="zh-CN" sz="3600" dirty="0" smtClean="0"/>
+              <a:rPr lang="en-US" altLang="zh-CN" sz="3600" dirty="0"/>
               <a:t>x</a:t>
             </a:r>
             <a:endParaRPr lang="zh-CN" altLang="en-US" sz="3200" dirty="0"/>
@@ -11759,7 +11491,7 @@
           <a:p>
             <a:pPr algn="ctr"/>
             <a:r>
-              <a:rPr lang="en-US" altLang="zh-CN" sz="3600" dirty="0" smtClean="0"/>
+              <a:rPr lang="en-US" altLang="zh-CN" sz="3600" dirty="0"/>
               <a:t>y</a:t>
             </a:r>
             <a:endParaRPr lang="zh-CN" altLang="en-US" sz="3200" dirty="0"/>
@@ -11801,7 +11533,7 @@
           <a:p>
             <a:pPr algn="ctr"/>
             <a:r>
-              <a:rPr lang="en-US" altLang="zh-CN" sz="3600" dirty="0" smtClean="0"/>
+              <a:rPr lang="en-US" altLang="zh-CN" sz="3600" dirty="0"/>
               <a:t>y</a:t>
             </a:r>
             <a:endParaRPr lang="zh-CN" altLang="en-US" sz="3200" dirty="0"/>
@@ -11843,7 +11575,7 @@
           <a:p>
             <a:pPr algn="ctr"/>
             <a:r>
-              <a:rPr lang="en-US" altLang="zh-CN" sz="3600" dirty="0" smtClean="0"/>
+              <a:rPr lang="en-US" altLang="zh-CN" sz="3600" dirty="0"/>
               <a:t>z</a:t>
             </a:r>
             <a:endParaRPr lang="zh-CN" altLang="en-US" sz="3200" dirty="0"/>
@@ -12533,22 +12265,21 @@
           <a:p>
             <a:pPr algn="ctr"/>
             <a:r>
-              <a:rPr lang="en-US" altLang="zh-CN" dirty="0" smtClean="0"/>
+              <a:rPr lang="en-US" altLang="zh-CN" dirty="0"/>
               <a:t>&amp;&amp;</a:t>
             </a:r>
             <a:r>
-              <a:rPr lang="zh-CN" altLang="en-US" dirty="0" smtClean="0"/>
+              <a:rPr lang="zh-CN" altLang="en-US" dirty="0"/>
               <a:t>的优先级比</a:t>
             </a:r>
             <a:r>
-              <a:rPr lang="en-US" altLang="zh-CN" dirty="0" smtClean="0"/>
+              <a:rPr lang="en-US" altLang="zh-CN" dirty="0"/>
               <a:t>||</a:t>
             </a:r>
             <a:r>
-              <a:rPr lang="zh-CN" altLang="en-US" dirty="0" smtClean="0"/>
+              <a:rPr lang="zh-CN" altLang="en-US" dirty="0"/>
               <a:t>高</a:t>
             </a:r>
-            <a:endParaRPr lang="zh-CN" altLang="en-US" dirty="0"/>
           </a:p>
         </p:txBody>
       </p:sp>
@@ -12562,13 +12293,6 @@
   <p:clrMapOvr>
     <a:masterClrMapping/>
   </p:clrMapOvr>
-  <p:timing>
-    <p:tnLst>
-      <p:par>
-        <p:cTn id="1" dur="indefinite" restart="never" nodeType="tmRoot"/>
-      </p:par>
-    </p:tnLst>
-  </p:timing>
 </p:sld>
 </file>
 
@@ -12617,12 +12341,8 @@
               <a:t>2. </a:t>
             </a:r>
             <a:r>
-              <a:rPr lang="zh-CN" altLang="en-US" sz="3200" dirty="0" smtClean="0"/>
-              <a:t>如果</a:t>
-            </a:r>
-            <a:r>
               <a:rPr lang="zh-CN" altLang="en-US" sz="3200" dirty="0"/>
-              <a:t>一棵树有</a:t>
+              <a:t>如果一棵树有</a:t>
             </a:r>
             <a:r>
               <a:rPr lang="en-US" altLang="zh-CN" sz="3200" dirty="0"/>
@@ -12686,13 +12406,8 @@
             </a:r>
             <a:r>
               <a:rPr lang="zh-CN" altLang="en-US" sz="3200" dirty="0"/>
-              <a:t>的结点？写出推导过程</a:t>
-            </a:r>
-            <a:r>
-              <a:rPr lang="zh-CN" altLang="en-US" sz="3200" dirty="0" smtClean="0"/>
-              <a:t>。</a:t>
-            </a:r>
-            <a:endParaRPr lang="zh-CN" altLang="en-US" sz="3200" dirty="0"/>
+              <a:t>的结点？写出推导过程。</a:t>
+            </a:r>
           </a:p>
         </p:txBody>
       </p:sp>
@@ -12795,7 +12510,7 @@
                         <m:sSubPr>
                           <m:ctrlPr>
                             <a:rPr lang="en-US" altLang="zh-CN" i="1">
-                              <a:latin typeface="Cambria Math"/>
+                              <a:latin typeface="Cambria Math" panose="02040503050406030204" pitchFamily="18" charset="0"/>
                             </a:rPr>
                           </m:ctrlPr>
                         </m:sSubPr>
@@ -12826,7 +12541,7 @@
                         <m:sSubPr>
                           <m:ctrlPr>
                             <a:rPr lang="en-US" altLang="zh-CN" i="1">
-                              <a:latin typeface="Cambria Math"/>
+                              <a:latin typeface="Cambria Math" panose="02040503050406030204" pitchFamily="18" charset="0"/>
                             </a:rPr>
                           </m:ctrlPr>
                         </m:sSubPr>
@@ -12857,7 +12572,7 @@
                         <m:sSubPr>
                           <m:ctrlPr>
                             <a:rPr lang="en-US" altLang="zh-CN" i="1">
-                              <a:latin typeface="Cambria Math"/>
+                              <a:latin typeface="Cambria Math" panose="02040503050406030204" pitchFamily="18" charset="0"/>
                             </a:rPr>
                           </m:ctrlPr>
                         </m:sSubPr>
@@ -12888,7 +12603,7 @@
                         <m:sSubPr>
                           <m:ctrlPr>
                             <a:rPr lang="en-US" altLang="zh-CN" i="1">
-                              <a:latin typeface="Cambria Math"/>
+                              <a:latin typeface="Cambria Math" panose="02040503050406030204" pitchFamily="18" charset="0"/>
                             </a:rPr>
                           </m:ctrlPr>
                         </m:sSubPr>
@@ -12919,7 +12634,7 @@
                         <m:sSubPr>
                           <m:ctrlPr>
                             <a:rPr lang="en-US" altLang="zh-CN" i="1">
-                              <a:latin typeface="Cambria Math"/>
+                              <a:latin typeface="Cambria Math" panose="02040503050406030204" pitchFamily="18" charset="0"/>
                             </a:rPr>
                           </m:ctrlPr>
                         </m:sSubPr>
@@ -12950,7 +12665,7 @@
                         <m:sSubPr>
                           <m:ctrlPr>
                             <a:rPr lang="en-US" altLang="zh-CN" i="1">
-                              <a:latin typeface="Cambria Math"/>
+                              <a:latin typeface="Cambria Math" panose="02040503050406030204" pitchFamily="18" charset="0"/>
                             </a:rPr>
                           </m:ctrlPr>
                         </m:sSubPr>
@@ -12981,7 +12696,7 @@
                         <m:sSubPr>
                           <m:ctrlPr>
                             <a:rPr lang="en-US" altLang="zh-CN" i="1">
-                              <a:latin typeface="Cambria Math"/>
+                              <a:latin typeface="Cambria Math" panose="02040503050406030204" pitchFamily="18" charset="0"/>
                             </a:rPr>
                           </m:ctrlPr>
                         </m:sSubPr>
@@ -13012,7 +12727,7 @@
                         <m:sSubPr>
                           <m:ctrlPr>
                             <a:rPr lang="en-US" altLang="zh-CN" i="1">
-                              <a:latin typeface="Cambria Math"/>
+                              <a:latin typeface="Cambria Math" panose="02040503050406030204" pitchFamily="18" charset="0"/>
                             </a:rPr>
                           </m:ctrlPr>
                         </m:sSubPr>
@@ -13049,7 +12764,7 @@
                         <m:sSubPr>
                           <m:ctrlPr>
                             <a:rPr lang="en-US" altLang="zh-CN" i="1">
-                              <a:latin typeface="Cambria Math"/>
+                              <a:latin typeface="Cambria Math" panose="02040503050406030204" pitchFamily="18" charset="0"/>
                             </a:rPr>
                           </m:ctrlPr>
                         </m:sSubPr>
@@ -13169,7 +12884,7 @@
                         <m:sSubPr>
                           <m:ctrlPr>
                             <a:rPr lang="en-US" altLang="zh-CN" i="1">
-                              <a:latin typeface="Cambria Math"/>
+                              <a:latin typeface="Cambria Math" panose="02040503050406030204" pitchFamily="18" charset="0"/>
                             </a:rPr>
                           </m:ctrlPr>
                         </m:sSubPr>
@@ -13200,7 +12915,7 @@
                         <m:sSubPr>
                           <m:ctrlPr>
                             <a:rPr lang="en-US" altLang="zh-CN" i="1">
-                              <a:latin typeface="Cambria Math"/>
+                              <a:latin typeface="Cambria Math" panose="02040503050406030204" pitchFamily="18" charset="0"/>
                             </a:rPr>
                           </m:ctrlPr>
                         </m:sSubPr>
@@ -13231,7 +12946,7 @@
                         <m:sSubPr>
                           <m:ctrlPr>
                             <a:rPr lang="en-US" altLang="zh-CN" i="1">
-                              <a:latin typeface="Cambria Math"/>
+                              <a:latin typeface="Cambria Math" panose="02040503050406030204" pitchFamily="18" charset="0"/>
                             </a:rPr>
                           </m:ctrlPr>
                         </m:sSubPr>
@@ -13262,7 +12977,7 @@
                         <m:sSubPr>
                           <m:ctrlPr>
                             <a:rPr lang="en-US" altLang="zh-CN" i="1">
-                              <a:latin typeface="Cambria Math"/>
+                              <a:latin typeface="Cambria Math" panose="02040503050406030204" pitchFamily="18" charset="0"/>
                             </a:rPr>
                           </m:ctrlPr>
                         </m:sSubPr>
@@ -13293,7 +13008,7 @@
                         <m:dPr>
                           <m:ctrlPr>
                             <a:rPr lang="en-US" altLang="zh-CN" i="1">
-                              <a:latin typeface="Cambria Math"/>
+                              <a:latin typeface="Cambria Math" panose="02040503050406030204" pitchFamily="18" charset="0"/>
                             </a:rPr>
                           </m:ctrlPr>
                         </m:dPr>
@@ -13316,7 +13031,7 @@
                         <m:sSubPr>
                           <m:ctrlPr>
                             <a:rPr lang="en-US" altLang="zh-CN" i="1">
-                              <a:latin typeface="Cambria Math"/>
+                              <a:latin typeface="Cambria Math" panose="02040503050406030204" pitchFamily="18" charset="0"/>
                             </a:rPr>
                           </m:ctrlPr>
                         </m:sSubPr>
@@ -13400,13 +13115,6 @@
   <p:clrMapOvr>
     <a:masterClrMapping/>
   </p:clrMapOvr>
-  <p:timing>
-    <p:tnLst>
-      <p:par>
-        <p:cTn id="1" dur="indefinite" restart="never" nodeType="tmRoot"/>
-      </p:par>
-    </p:tnLst>
-  </p:timing>
 </p:sld>
 </file>
 
@@ -13446,19 +13154,11 @@
           <a:p>
             <a:r>
               <a:rPr lang="en-US" altLang="zh-CN" dirty="0"/>
-              <a:t>3</a:t>
-            </a:r>
-            <a:r>
-              <a:rPr lang="en-US" altLang="zh-CN" dirty="0" smtClean="0"/>
-              <a:t>.</a:t>
-            </a:r>
-            <a:r>
-              <a:rPr lang="zh-CN" altLang="en-US" dirty="0" smtClean="0"/>
-              <a:t>分别</a:t>
+              <a:t>3.</a:t>
             </a:r>
             <a:r>
               <a:rPr lang="zh-CN" altLang="en-US" dirty="0"/>
-              <a:t>找出满足以下条件的所有二叉树</a:t>
+              <a:t>分别找出满足以下条件的所有二叉树</a:t>
             </a:r>
           </a:p>
         </p:txBody>
@@ -13481,60 +13181,48 @@
           <a:lstStyle/>
           <a:p>
             <a:r>
-              <a:rPr lang="en-US" altLang="zh-CN" dirty="0" smtClean="0"/>
+              <a:rPr lang="en-US" altLang="zh-CN" dirty="0"/>
               <a:t>1</a:t>
             </a:r>
             <a:r>
               <a:rPr lang="zh-CN" altLang="en-US" dirty="0"/>
-              <a:t>）二叉树的前序序列与中序序列</a:t>
-            </a:r>
-            <a:r>
-              <a:rPr lang="zh-CN" altLang="en-US" dirty="0" smtClean="0"/>
-              <a:t>相同</a:t>
-            </a:r>
-            <a:endParaRPr lang="en-US" altLang="zh-CN" dirty="0" smtClean="0"/>
-          </a:p>
-          <a:p>
+              <a:t>）二叉树的前序序列与中序序列相同</a:t>
+            </a:r>
             <a:endParaRPr lang="en-US" altLang="zh-CN" dirty="0"/>
           </a:p>
           <a:p>
-            <a:endParaRPr lang="en-US" altLang="zh-CN" dirty="0" smtClean="0"/>
-          </a:p>
-          <a:p>
-            <a:r>
-              <a:rPr lang="en-US" altLang="zh-CN" dirty="0" smtClean="0"/>
+            <a:endParaRPr lang="en-US" altLang="zh-CN" dirty="0"/>
+          </a:p>
+          <a:p>
+            <a:endParaRPr lang="en-US" altLang="zh-CN" dirty="0"/>
+          </a:p>
+          <a:p>
+            <a:r>
+              <a:rPr lang="en-US" altLang="zh-CN" dirty="0"/>
               <a:t>2</a:t>
             </a:r>
             <a:r>
               <a:rPr lang="zh-CN" altLang="en-US" dirty="0"/>
-              <a:t>）二叉树的中序序列与后序序列</a:t>
-            </a:r>
-            <a:r>
-              <a:rPr lang="zh-CN" altLang="en-US" dirty="0" smtClean="0"/>
-              <a:t>相同</a:t>
-            </a:r>
-            <a:endParaRPr lang="en-US" altLang="zh-CN" dirty="0" smtClean="0"/>
-          </a:p>
-          <a:p>
+              <a:t>）二叉树的中序序列与后序序列相同</a:t>
+            </a:r>
             <a:endParaRPr lang="en-US" altLang="zh-CN" dirty="0"/>
           </a:p>
           <a:p>
-            <a:endParaRPr lang="en-US" altLang="zh-CN" dirty="0" smtClean="0"/>
-          </a:p>
-          <a:p>
-            <a:r>
-              <a:rPr lang="en-US" altLang="zh-CN" dirty="0" smtClean="0"/>
+            <a:endParaRPr lang="en-US" altLang="zh-CN" dirty="0"/>
+          </a:p>
+          <a:p>
+            <a:endParaRPr lang="en-US" altLang="zh-CN" dirty="0"/>
+          </a:p>
+          <a:p>
+            <a:r>
+              <a:rPr lang="en-US" altLang="zh-CN" dirty="0"/>
               <a:t>3</a:t>
             </a:r>
             <a:r>
               <a:rPr lang="zh-CN" altLang="en-US" dirty="0"/>
-              <a:t>）二叉树的前序序列与后序序列</a:t>
-            </a:r>
-            <a:r>
-              <a:rPr lang="zh-CN" altLang="en-US" dirty="0" smtClean="0"/>
-              <a:t>相同</a:t>
-            </a:r>
-            <a:endParaRPr lang="en-US" altLang="zh-CN" dirty="0" smtClean="0"/>
+              <a:t>）二叉树的前序序列与后序序列相同</a:t>
+            </a:r>
+            <a:endParaRPr lang="en-US" altLang="zh-CN" dirty="0"/>
           </a:p>
         </p:txBody>
       </p:sp>
@@ -13643,23 +13331,7 @@
             </a:r>
             <a:r>
               <a:rPr lang="zh-CN" altLang="en-US" dirty="0"/>
-              <a:t>：所有节点都</a:t>
-            </a:r>
-            <a:r>
-              <a:rPr lang="zh-CN" altLang="en-US" dirty="0" smtClean="0"/>
-              <a:t>没有左</a:t>
-            </a:r>
-            <a:r>
-              <a:rPr lang="zh-CN" altLang="en-US" dirty="0"/>
-              <a:t>节点</a:t>
-            </a:r>
-            <a:r>
-              <a:rPr lang="zh-CN" altLang="en-US" dirty="0" smtClean="0"/>
-              <a:t>、</a:t>
-            </a:r>
-            <a:r>
-              <a:rPr lang="zh-CN" altLang="en-US" dirty="0"/>
-              <a:t>只有根节点、空树</a:t>
+              <a:t>：所有节点都没有左节点、只有根节点、空树</a:t>
             </a:r>
           </a:p>
         </p:txBody>
@@ -13769,15 +13441,7 @@
             </a:r>
             <a:r>
               <a:rPr lang="zh-CN" altLang="en-US" dirty="0"/>
-              <a:t>：所有节点都</a:t>
-            </a:r>
-            <a:r>
-              <a:rPr lang="zh-CN" altLang="en-US" dirty="0" smtClean="0"/>
-              <a:t>没有右节点、</a:t>
-            </a:r>
-            <a:r>
-              <a:rPr lang="zh-CN" altLang="en-US" dirty="0"/>
-              <a:t>只有根节点、空树</a:t>
+              <a:t>：所有节点都没有右节点、只有根节点、空树</a:t>
             </a:r>
           </a:p>
         </p:txBody>
@@ -13902,13 +13566,6 @@
   <p:clrMapOvr>
     <a:masterClrMapping/>
   </p:clrMapOvr>
-  <p:timing>
-    <p:tnLst>
-      <p:par>
-        <p:cTn id="1" dur="indefinite" restart="never" nodeType="tmRoot"/>
-      </p:par>
-    </p:tnLst>
-  </p:timing>
 </p:sld>
 </file>
 
@@ -13948,25 +13605,12 @@
           <a:p>
             <a:r>
               <a:rPr lang="en-US" altLang="zh-CN" dirty="0"/>
-              <a:t>4</a:t>
-            </a:r>
-            <a:r>
-              <a:rPr lang="en-US" altLang="zh-CN" dirty="0" smtClean="0"/>
-              <a:t>.</a:t>
-            </a:r>
-            <a:r>
-              <a:rPr lang="zh-CN" altLang="en-US" dirty="0" smtClean="0"/>
-              <a:t>若</a:t>
+              <a:t>4.</a:t>
             </a:r>
             <a:r>
               <a:rPr lang="zh-CN" altLang="en-US" dirty="0"/>
-              <a:t>用二叉链表作为二叉树的存储表示，试对以下问题编写递归算法</a:t>
-            </a:r>
-            <a:r>
-              <a:rPr lang="zh-CN" altLang="en-US" dirty="0" smtClean="0"/>
-              <a:t>。</a:t>
-            </a:r>
-            <a:endParaRPr lang="zh-CN" altLang="en-US" dirty="0"/>
+              <a:t>若用二叉链表作为二叉树的存储表示，试对以下问题编写递归算法。</a:t>
+            </a:r>
           </a:p>
         </p:txBody>
       </p:sp>
@@ -13986,18 +13630,14 @@
           <a:lstStyle/>
           <a:p>
             <a:r>
-              <a:rPr lang="en-US" altLang="zh-CN" dirty="0" smtClean="0"/>
+              <a:rPr lang="en-US" altLang="zh-CN" dirty="0"/>
               <a:t>1</a:t>
             </a:r>
             <a:r>
               <a:rPr lang="zh-CN" altLang="en-US" dirty="0"/>
-              <a:t>）统计二叉树中叶结点的个数</a:t>
-            </a:r>
-            <a:r>
-              <a:rPr lang="zh-CN" altLang="en-US" dirty="0" smtClean="0"/>
-              <a:t>。</a:t>
-            </a:r>
-            <a:endParaRPr lang="en-US" altLang="zh-CN" dirty="0" smtClean="0"/>
+              <a:t>）统计二叉树中叶结点的个数。</a:t>
+            </a:r>
+            <a:endParaRPr lang="en-US" altLang="zh-CN" dirty="0"/>
           </a:p>
           <a:p>
             <a:pPr marL="0" indent="0">
@@ -14109,7 +13749,7 @@
               <a:buNone/>
             </a:pPr>
             <a:r>
-              <a:rPr lang="en-US" altLang="zh-CN" sz="2000" b="1" dirty="0" smtClean="0">
+              <a:rPr lang="en-US" altLang="zh-CN" sz="2000" b="1" dirty="0">
                 <a:solidFill>
                   <a:srgbClr val="7F0055"/>
                 </a:solidFill>
@@ -14119,16 +13759,6 @@
               <a:t>    if</a:t>
             </a:r>
             <a:r>
-              <a:rPr lang="en-US" altLang="zh-CN" sz="2000" b="1" dirty="0" smtClean="0">
-                <a:solidFill>
-                  <a:srgbClr val="000000"/>
-                </a:solidFill>
-                <a:latin typeface="YaHei Consolas Hybrid"/>
-                <a:ea typeface="YaHei Consolas Hybrid"/>
-              </a:rPr>
-              <a:t> </a:t>
-            </a:r>
-            <a:r>
               <a:rPr lang="en-US" altLang="zh-CN" sz="2000" b="1" dirty="0">
                 <a:solidFill>
                   <a:srgbClr val="000000"/>
@@ -14136,7 +13766,7 @@
                 <a:latin typeface="YaHei Consolas Hybrid"/>
                 <a:ea typeface="YaHei Consolas Hybrid"/>
               </a:rPr>
-              <a:t>(root == </a:t>
+              <a:t> (root == </a:t>
             </a:r>
             <a:r>
               <a:rPr lang="en-US" altLang="zh-CN" sz="2000" b="1" dirty="0">
@@ -14164,7 +13794,7 @@
               <a:buNone/>
             </a:pPr>
             <a:r>
-              <a:rPr lang="en-US" altLang="zh-CN" sz="2000" b="1" dirty="0" smtClean="0">
+              <a:rPr lang="en-US" altLang="zh-CN" sz="2000" b="1" dirty="0">
                 <a:solidFill>
                   <a:srgbClr val="7F0055"/>
                 </a:solidFill>
@@ -14174,16 +13804,6 @@
               <a:t>        return</a:t>
             </a:r>
             <a:r>
-              <a:rPr lang="en-US" altLang="zh-CN" sz="2000" b="1" dirty="0" smtClean="0">
-                <a:solidFill>
-                  <a:srgbClr val="000000"/>
-                </a:solidFill>
-                <a:latin typeface="YaHei Consolas Hybrid"/>
-                <a:ea typeface="YaHei Consolas Hybrid"/>
-              </a:rPr>
-              <a:t> </a:t>
-            </a:r>
-            <a:r>
               <a:rPr lang="en-US" altLang="zh-CN" sz="2000" b="1" dirty="0">
                 <a:solidFill>
                   <a:srgbClr val="000000"/>
@@ -14191,7 +13811,7 @@
                 <a:latin typeface="YaHei Consolas Hybrid"/>
                 <a:ea typeface="YaHei Consolas Hybrid"/>
               </a:rPr>
-              <a:t>0;</a:t>
+              <a:t> 0;</a:t>
             </a:r>
           </a:p>
           <a:p>
@@ -14199,7 +13819,7 @@
               <a:buNone/>
             </a:pPr>
             <a:r>
-              <a:rPr lang="en-US" altLang="zh-CN" sz="2000" b="1" dirty="0" smtClean="0">
+              <a:rPr lang="en-US" altLang="zh-CN" sz="2000" b="1" dirty="0">
                 <a:solidFill>
                   <a:srgbClr val="7F0055"/>
                 </a:solidFill>
@@ -14209,16 +13829,6 @@
               <a:t>    if</a:t>
             </a:r>
             <a:r>
-              <a:rPr lang="en-US" altLang="zh-CN" sz="2000" b="1" dirty="0" smtClean="0">
-                <a:solidFill>
-                  <a:srgbClr val="000000"/>
-                </a:solidFill>
-                <a:latin typeface="YaHei Consolas Hybrid"/>
-                <a:ea typeface="YaHei Consolas Hybrid"/>
-              </a:rPr>
-              <a:t> </a:t>
-            </a:r>
-            <a:r>
               <a:rPr lang="en-US" altLang="zh-CN" sz="2000" b="1" dirty="0">
                 <a:solidFill>
                   <a:srgbClr val="000000"/>
@@ -14226,7 +13836,7 @@
                 <a:latin typeface="YaHei Consolas Hybrid"/>
                 <a:ea typeface="YaHei Consolas Hybrid"/>
               </a:rPr>
-              <a:t>(</a:t>
+              <a:t> (</a:t>
             </a:r>
             <a:r>
               <a:rPr lang="en-US" altLang="zh-CN" sz="2000" b="1" dirty="0" err="1">
@@ -14334,7 +13944,7 @@
               <a:buNone/>
             </a:pPr>
             <a:r>
-              <a:rPr lang="en-US" altLang="zh-CN" sz="2000" b="1" dirty="0" smtClean="0">
+              <a:rPr lang="en-US" altLang="zh-CN" sz="2000" b="1" dirty="0">
                 <a:solidFill>
                   <a:srgbClr val="7F0055"/>
                 </a:solidFill>
@@ -14344,16 +13954,6 @@
               <a:t>        return</a:t>
             </a:r>
             <a:r>
-              <a:rPr lang="en-US" altLang="zh-CN" sz="2000" b="1" dirty="0" smtClean="0">
-                <a:solidFill>
-                  <a:srgbClr val="000000"/>
-                </a:solidFill>
-                <a:latin typeface="YaHei Consolas Hybrid"/>
-                <a:ea typeface="YaHei Consolas Hybrid"/>
-              </a:rPr>
-              <a:t> </a:t>
-            </a:r>
-            <a:r>
               <a:rPr lang="en-US" altLang="zh-CN" sz="2000" b="1" dirty="0">
                 <a:solidFill>
                   <a:srgbClr val="000000"/>
@@ -14361,7 +13961,7 @@
                 <a:latin typeface="YaHei Consolas Hybrid"/>
                 <a:ea typeface="YaHei Consolas Hybrid"/>
               </a:rPr>
-              <a:t>1;</a:t>
+              <a:t> 1;</a:t>
             </a:r>
           </a:p>
           <a:p>
@@ -14369,7 +13969,7 @@
               <a:buNone/>
             </a:pPr>
             <a:r>
-              <a:rPr lang="en-US" altLang="zh-CN" sz="2000" b="1" dirty="0" smtClean="0">
+              <a:rPr lang="en-US" altLang="zh-CN" sz="2000" b="1" dirty="0">
                 <a:solidFill>
                   <a:srgbClr val="7F0055"/>
                 </a:solidFill>
@@ -14379,7 +13979,7 @@
               <a:t>    return</a:t>
             </a:r>
             <a:r>
-              <a:rPr lang="en-US" altLang="zh-CN" sz="2000" b="1" dirty="0" smtClean="0">
+              <a:rPr lang="en-US" altLang="zh-CN" sz="2000" b="1" dirty="0">
                 <a:solidFill>
                   <a:srgbClr val="000000"/>
                 </a:solidFill>
@@ -14494,7 +14094,7 @@
               <a:buNone/>
             </a:pPr>
             <a:r>
-              <a:rPr lang="en-US" altLang="zh-CN" sz="2000" dirty="0" smtClean="0">
+              <a:rPr lang="en-US" altLang="zh-CN" sz="2000" dirty="0">
                 <a:solidFill>
                   <a:srgbClr val="000000"/>
                 </a:solidFill>
@@ -14508,7 +14108,7 @@
             <a:pPr marL="0" indent="0">
               <a:buNone/>
             </a:pPr>
-            <a:endParaRPr lang="en-US" altLang="zh-CN" sz="2000" dirty="0" smtClean="0">
+            <a:endParaRPr lang="en-US" altLang="zh-CN" sz="2000" dirty="0">
               <a:solidFill>
                 <a:srgbClr val="000000"/>
               </a:solidFill>
@@ -14527,13 +14127,6 @@
   <p:clrMapOvr>
     <a:masterClrMapping/>
   </p:clrMapOvr>
-  <p:timing>
-    <p:tnLst>
-      <p:par>
-        <p:cTn id="1" dur="indefinite" restart="never" nodeType="tmRoot"/>
-      </p:par>
-    </p:tnLst>
-  </p:timing>
 </p:sld>
 </file>
 
@@ -14598,13 +14191,9 @@
             </a:r>
             <a:r>
               <a:rPr lang="zh-CN" altLang="en-US" dirty="0"/>
-              <a:t>）以二叉树为参数，交换每个结点的左子女和右</a:t>
-            </a:r>
-            <a:r>
-              <a:rPr lang="zh-CN" altLang="en-US" dirty="0" smtClean="0"/>
-              <a:t>子女</a:t>
-            </a:r>
-            <a:endParaRPr lang="en-US" altLang="zh-CN" dirty="0" smtClean="0"/>
+              <a:t>）以二叉树为参数，交换每个结点的左子女和右子女</a:t>
+            </a:r>
+            <a:endParaRPr lang="en-US" altLang="zh-CN" dirty="0"/>
           </a:p>
           <a:p>
             <a:pPr marL="0" indent="0">
@@ -14716,7 +14305,7 @@
               <a:buNone/>
             </a:pPr>
             <a:r>
-              <a:rPr lang="en-US" altLang="zh-CN" sz="3100" b="1" dirty="0" smtClean="0">
+              <a:rPr lang="en-US" altLang="zh-CN" sz="3100" b="1" dirty="0">
                 <a:solidFill>
                   <a:srgbClr val="7F0055"/>
                 </a:solidFill>
@@ -14726,16 +14315,6 @@
               <a:t>    if</a:t>
             </a:r>
             <a:r>
-              <a:rPr lang="en-US" altLang="zh-CN" sz="3100" b="1" dirty="0" smtClean="0">
-                <a:solidFill>
-                  <a:srgbClr val="000000"/>
-                </a:solidFill>
-                <a:latin typeface="YaHei Consolas Hybrid"/>
-                <a:ea typeface="YaHei Consolas Hybrid"/>
-              </a:rPr>
-              <a:t> </a:t>
-            </a:r>
-            <a:r>
               <a:rPr lang="en-US" altLang="zh-CN" sz="3100" b="1" dirty="0">
                 <a:solidFill>
                   <a:srgbClr val="000000"/>
@@ -14743,7 +14322,7 @@
                 <a:latin typeface="YaHei Consolas Hybrid"/>
                 <a:ea typeface="YaHei Consolas Hybrid"/>
               </a:rPr>
-              <a:t>(root == </a:t>
+              <a:t> (root == </a:t>
             </a:r>
             <a:r>
               <a:rPr lang="en-US" altLang="zh-CN" sz="3100" b="1" dirty="0">
@@ -14771,7 +14350,7 @@
               <a:buNone/>
             </a:pPr>
             <a:r>
-              <a:rPr lang="en-US" altLang="zh-CN" sz="3100" b="1" dirty="0" smtClean="0">
+              <a:rPr lang="en-US" altLang="zh-CN" sz="3100" b="1" dirty="0">
                 <a:solidFill>
                   <a:srgbClr val="7F0055"/>
                 </a:solidFill>
@@ -14796,7 +14375,7 @@
               <a:buNone/>
             </a:pPr>
             <a:r>
-              <a:rPr lang="en-US" altLang="zh-CN" sz="3100" dirty="0" smtClean="0">
+              <a:rPr lang="en-US" altLang="zh-CN" sz="3100" dirty="0">
                 <a:solidFill>
                   <a:srgbClr val="000000"/>
                 </a:solidFill>
@@ -14806,7 +14385,7 @@
               <a:t>    </a:t>
             </a:r>
             <a:r>
-              <a:rPr lang="en-US" altLang="zh-CN" sz="3100" dirty="0" err="1" smtClean="0">
+              <a:rPr lang="en-US" altLang="zh-CN" sz="3100" dirty="0" err="1">
                 <a:solidFill>
                   <a:srgbClr val="000000"/>
                 </a:solidFill>
@@ -14816,7 +14395,7 @@
               <a:t>BinaryNode</a:t>
             </a:r>
             <a:r>
-              <a:rPr lang="en-US" altLang="zh-CN" sz="3100" dirty="0" smtClean="0">
+              <a:rPr lang="en-US" altLang="zh-CN" sz="3100" dirty="0">
                 <a:solidFill>
                   <a:srgbClr val="000000"/>
                 </a:solidFill>
@@ -14881,7 +14460,7 @@
               <a:buNone/>
             </a:pPr>
             <a:r>
-              <a:rPr lang="en-US" altLang="zh-CN" sz="3100" dirty="0" smtClean="0">
+              <a:rPr lang="en-US" altLang="zh-CN" sz="3100" dirty="0">
                 <a:solidFill>
                   <a:srgbClr val="000000"/>
                 </a:solidFill>
@@ -14889,46 +14468,6 @@
                 <a:ea typeface="YaHei Consolas Hybrid"/>
               </a:rPr>
               <a:t>    </a:t>
-            </a:r>
-            <a:r>
-              <a:rPr lang="en-US" altLang="zh-CN" sz="3100" dirty="0" err="1" smtClean="0">
-                <a:solidFill>
-                  <a:srgbClr val="000000"/>
-                </a:solidFill>
-                <a:latin typeface="YaHei Consolas Hybrid"/>
-                <a:ea typeface="YaHei Consolas Hybrid"/>
-              </a:rPr>
-              <a:t>root.</a:t>
-            </a:r>
-            <a:r>
-              <a:rPr lang="en-US" altLang="zh-CN" sz="3100" dirty="0" err="1" smtClean="0">
-                <a:solidFill>
-                  <a:srgbClr val="0000C0"/>
-                </a:solidFill>
-                <a:latin typeface="YaHei Consolas Hybrid"/>
-                <a:ea typeface="YaHei Consolas Hybrid"/>
-              </a:rPr>
-              <a:t>left</a:t>
-            </a:r>
-            <a:r>
-              <a:rPr lang="en-US" altLang="zh-CN" sz="3100" dirty="0" smtClean="0">
-                <a:solidFill>
-                  <a:srgbClr val="000000"/>
-                </a:solidFill>
-                <a:latin typeface="YaHei Consolas Hybrid"/>
-                <a:ea typeface="YaHei Consolas Hybrid"/>
-              </a:rPr>
-              <a:t> </a:t>
-            </a:r>
-            <a:r>
-              <a:rPr lang="en-US" altLang="zh-CN" sz="3100" dirty="0">
-                <a:solidFill>
-                  <a:srgbClr val="000000"/>
-                </a:solidFill>
-                <a:latin typeface="YaHei Consolas Hybrid"/>
-                <a:ea typeface="YaHei Consolas Hybrid"/>
-              </a:rPr>
-              <a:t>= </a:t>
             </a:r>
             <a:r>
               <a:rPr lang="en-US" altLang="zh-CN" sz="3100" dirty="0" err="1">
@@ -14948,6 +14487,36 @@
                 <a:latin typeface="YaHei Consolas Hybrid"/>
                 <a:ea typeface="YaHei Consolas Hybrid"/>
               </a:rPr>
+              <a:t>left</a:t>
+            </a:r>
+            <a:r>
+              <a:rPr lang="en-US" altLang="zh-CN" sz="3100" dirty="0">
+                <a:solidFill>
+                  <a:srgbClr val="000000"/>
+                </a:solidFill>
+                <a:latin typeface="YaHei Consolas Hybrid"/>
+                <a:ea typeface="YaHei Consolas Hybrid"/>
+              </a:rPr>
+              <a:t> = </a:t>
+            </a:r>
+            <a:r>
+              <a:rPr lang="en-US" altLang="zh-CN" sz="3100" dirty="0" err="1">
+                <a:solidFill>
+                  <a:srgbClr val="000000"/>
+                </a:solidFill>
+                <a:latin typeface="YaHei Consolas Hybrid"/>
+                <a:ea typeface="YaHei Consolas Hybrid"/>
+              </a:rPr>
+              <a:t>root.</a:t>
+            </a:r>
+            <a:r>
+              <a:rPr lang="en-US" altLang="zh-CN" sz="3100" dirty="0" err="1">
+                <a:solidFill>
+                  <a:srgbClr val="0000C0"/>
+                </a:solidFill>
+                <a:latin typeface="YaHei Consolas Hybrid"/>
+                <a:ea typeface="YaHei Consolas Hybrid"/>
+              </a:rPr>
               <a:t>right</a:t>
             </a:r>
             <a:r>
@@ -14966,7 +14535,7 @@
               <a:buNone/>
             </a:pPr>
             <a:r>
-              <a:rPr lang="en-US" altLang="zh-CN" sz="3100" dirty="0" smtClean="0">
+              <a:rPr lang="en-US" altLang="zh-CN" sz="3100" dirty="0">
                 <a:solidFill>
                   <a:srgbClr val="000000"/>
                 </a:solidFill>
@@ -14976,7 +14545,7 @@
               <a:t>    </a:t>
             </a:r>
             <a:r>
-              <a:rPr lang="en-US" altLang="zh-CN" sz="3100" dirty="0" err="1" smtClean="0">
+              <a:rPr lang="en-US" altLang="zh-CN" sz="3100" dirty="0" err="1">
                 <a:solidFill>
                   <a:srgbClr val="000000"/>
                 </a:solidFill>
@@ -14986,7 +14555,7 @@
               <a:t>root.</a:t>
             </a:r>
             <a:r>
-              <a:rPr lang="en-US" altLang="zh-CN" sz="3100" dirty="0" err="1" smtClean="0">
+              <a:rPr lang="en-US" altLang="zh-CN" sz="3100" dirty="0" err="1">
                 <a:solidFill>
                   <a:srgbClr val="0000C0"/>
                 </a:solidFill>
@@ -14996,16 +14565,6 @@
               <a:t>right</a:t>
             </a:r>
             <a:r>
-              <a:rPr lang="en-US" altLang="zh-CN" sz="3100" dirty="0" smtClean="0">
-                <a:solidFill>
-                  <a:srgbClr val="000000"/>
-                </a:solidFill>
-                <a:latin typeface="YaHei Consolas Hybrid"/>
-                <a:ea typeface="YaHei Consolas Hybrid"/>
-              </a:rPr>
-              <a:t> </a:t>
-            </a:r>
-            <a:r>
               <a:rPr lang="en-US" altLang="zh-CN" sz="3100" dirty="0">
                 <a:solidFill>
                   <a:srgbClr val="000000"/>
@@ -15013,7 +14572,7 @@
                 <a:latin typeface="YaHei Consolas Hybrid"/>
                 <a:ea typeface="YaHei Consolas Hybrid"/>
               </a:rPr>
-              <a:t>= </a:t>
+              <a:t> = </a:t>
             </a:r>
             <a:r>
               <a:rPr lang="en-US" altLang="zh-CN" sz="3100" dirty="0" err="1">
@@ -15041,7 +14600,7 @@
               <a:buNone/>
             </a:pPr>
             <a:r>
-              <a:rPr lang="en-US" altLang="zh-CN" sz="3100" i="1" dirty="0" smtClean="0">
+              <a:rPr lang="en-US" altLang="zh-CN" sz="3100" i="1" dirty="0">
                 <a:solidFill>
                   <a:srgbClr val="000000"/>
                 </a:solidFill>
@@ -15051,7 +14610,7 @@
               <a:t>    </a:t>
             </a:r>
             <a:r>
-              <a:rPr lang="en-US" altLang="zh-CN" sz="3100" i="1" dirty="0" err="1" smtClean="0">
+              <a:rPr lang="en-US" altLang="zh-CN" sz="3100" i="1" dirty="0" err="1">
                 <a:solidFill>
                   <a:srgbClr val="000000"/>
                 </a:solidFill>
@@ -15061,7 +14620,7 @@
               <a:t>switchLR</a:t>
             </a:r>
             <a:r>
-              <a:rPr lang="en-US" altLang="zh-CN" sz="3100" i="1" dirty="0" smtClean="0">
+              <a:rPr lang="en-US" altLang="zh-CN" sz="3100" i="1" dirty="0">
                 <a:solidFill>
                   <a:srgbClr val="000000"/>
                 </a:solidFill>
@@ -15071,7 +14630,7 @@
               <a:t>(</a:t>
             </a:r>
             <a:r>
-              <a:rPr lang="en-US" altLang="zh-CN" sz="3100" i="1" dirty="0" err="1" smtClean="0">
+              <a:rPr lang="en-US" altLang="zh-CN" sz="3100" i="1" dirty="0" err="1">
                 <a:solidFill>
                   <a:srgbClr val="000000"/>
                 </a:solidFill>
@@ -15081,7 +14640,7 @@
               <a:t>root.</a:t>
             </a:r>
             <a:r>
-              <a:rPr lang="en-US" altLang="zh-CN" sz="3100" i="1" dirty="0" err="1" smtClean="0">
+              <a:rPr lang="en-US" altLang="zh-CN" sz="3100" i="1" dirty="0" err="1">
                 <a:solidFill>
                   <a:srgbClr val="0000C0"/>
                 </a:solidFill>
@@ -15106,7 +14665,7 @@
               <a:buNone/>
             </a:pPr>
             <a:r>
-              <a:rPr lang="en-US" altLang="zh-CN" sz="3100" i="1" dirty="0" smtClean="0">
+              <a:rPr lang="en-US" altLang="zh-CN" sz="3100" i="1" dirty="0">
                 <a:solidFill>
                   <a:srgbClr val="000000"/>
                 </a:solidFill>
@@ -15116,7 +14675,7 @@
               <a:t>    </a:t>
             </a:r>
             <a:r>
-              <a:rPr lang="en-US" altLang="zh-CN" sz="3100" i="1" dirty="0" err="1" smtClean="0">
+              <a:rPr lang="en-US" altLang="zh-CN" sz="3100" i="1" dirty="0" err="1">
                 <a:solidFill>
                   <a:srgbClr val="000000"/>
                 </a:solidFill>
@@ -15126,7 +14685,7 @@
               <a:t>switchLR</a:t>
             </a:r>
             <a:r>
-              <a:rPr lang="en-US" altLang="zh-CN" sz="3100" i="1" dirty="0" smtClean="0">
+              <a:rPr lang="en-US" altLang="zh-CN" sz="3100" i="1" dirty="0">
                 <a:solidFill>
                   <a:srgbClr val="000000"/>
                 </a:solidFill>
@@ -15136,7 +14695,7 @@
               <a:t>(</a:t>
             </a:r>
             <a:r>
-              <a:rPr lang="en-US" altLang="zh-CN" sz="3100" i="1" dirty="0" err="1" smtClean="0">
+              <a:rPr lang="en-US" altLang="zh-CN" sz="3100" i="1" dirty="0" err="1">
                 <a:solidFill>
                   <a:srgbClr val="000000"/>
                 </a:solidFill>
@@ -15146,7 +14705,7 @@
               <a:t>root.</a:t>
             </a:r>
             <a:r>
-              <a:rPr lang="en-US" altLang="zh-CN" sz="3100" i="1" dirty="0" err="1" smtClean="0">
+              <a:rPr lang="en-US" altLang="zh-CN" sz="3100" i="1" dirty="0" err="1">
                 <a:solidFill>
                   <a:srgbClr val="0000C0"/>
                 </a:solidFill>
@@ -15171,7 +14730,7 @@
               <a:buNone/>
             </a:pPr>
             <a:r>
-              <a:rPr lang="en-US" altLang="zh-CN" sz="3100" dirty="0" smtClean="0">
+              <a:rPr lang="en-US" altLang="zh-CN" sz="3100" dirty="0">
                 <a:solidFill>
                   <a:srgbClr val="000000"/>
                 </a:solidFill>
@@ -15180,13 +14739,6 @@
               </a:rPr>
               <a:t>}</a:t>
             </a:r>
-            <a:endParaRPr lang="en-US" altLang="zh-CN" sz="3100" dirty="0" smtClean="0">
-              <a:solidFill>
-                <a:srgbClr val="000000"/>
-              </a:solidFill>
-              <a:latin typeface="YaHei Consolas Hybrid"/>
-              <a:ea typeface="YaHei Consolas Hybrid"/>
-            </a:endParaRPr>
           </a:p>
         </p:txBody>
       </p:sp>
@@ -15200,13 +14752,6 @@
   <p:clrMapOvr>
     <a:masterClrMapping/>
   </p:clrMapOvr>
-  <p:timing>
-    <p:tnLst>
-      <p:par>
-        <p:cTn id="1" dur="indefinite" restart="never" nodeType="tmRoot"/>
-      </p:par>
-    </p:tnLst>
-  </p:timing>
 </p:sld>
 </file>
 
@@ -15246,45 +14791,28 @@
           <a:p>
             <a:r>
               <a:rPr lang="en-US" altLang="zh-CN" dirty="0"/>
-              <a:t>5</a:t>
-            </a:r>
-            <a:r>
-              <a:rPr lang="en-US" altLang="zh-CN" dirty="0" smtClean="0"/>
-              <a:t>.</a:t>
-            </a:r>
-            <a:r>
-              <a:rPr lang="zh-CN" altLang="en-US" dirty="0" smtClean="0"/>
+              <a:t>5.</a:t>
+            </a:r>
+            <a:r>
+              <a:rPr lang="zh-CN" altLang="en-US" dirty="0"/>
               <a:t>已知先序</a:t>
             </a:r>
             <a:r>
-              <a:rPr lang="en-US" altLang="zh-CN" dirty="0" smtClean="0"/>
+              <a:rPr lang="en-US" altLang="zh-CN" dirty="0"/>
               <a:t>ABECDFGHIJ</a:t>
             </a:r>
             <a:r>
               <a:rPr lang="zh-CN" altLang="en-US" dirty="0"/>
-              <a:t>，</a:t>
-            </a:r>
-            <a:r>
-              <a:rPr lang="zh-CN" altLang="en-US" dirty="0" smtClean="0"/>
-              <a:t>中序</a:t>
-            </a:r>
-            <a:r>
-              <a:rPr lang="en-US" altLang="zh-CN" dirty="0" smtClean="0"/>
+              <a:t>，中序</a:t>
+            </a:r>
+            <a:r>
+              <a:rPr lang="en-US" altLang="zh-CN" dirty="0"/>
               <a:t>EBCDAFHIGJ</a:t>
             </a:r>
             <a:r>
-              <a:rPr lang="zh-CN" altLang="en-US" dirty="0" smtClean="0"/>
-              <a:t>，试</a:t>
-            </a:r>
-            <a:r>
               <a:rPr lang="zh-CN" altLang="en-US" dirty="0"/>
-              <a:t>画</a:t>
-            </a:r>
-            <a:r>
-              <a:rPr lang="zh-CN" altLang="en-US" dirty="0" smtClean="0"/>
-              <a:t>出二叉树。</a:t>
-            </a:r>
-            <a:endParaRPr lang="zh-CN" altLang="en-US" dirty="0"/>
+              <a:t>，试画出二叉树。</a:t>
+            </a:r>
           </a:p>
         </p:txBody>
       </p:sp>
@@ -15427,60 +14955,6 @@
           <a:p>
             <a:pPr algn="ctr"/>
             <a:r>
-              <a:rPr lang="en-US" altLang="zh-CN" dirty="0" smtClean="0">
-                <a:solidFill>
-                  <a:srgbClr val="FF0000"/>
-                </a:solidFill>
-              </a:rPr>
-              <a:t>B</a:t>
-            </a:r>
-            <a:r>
-              <a:rPr lang="en-US" altLang="zh-CN" dirty="0" smtClean="0"/>
-              <a:t>ECD</a:t>
-            </a:r>
-            <a:endParaRPr lang="zh-CN" altLang="en-US" dirty="0"/>
-          </a:p>
-        </p:txBody>
-      </p:sp>
-      <p:sp>
-        <p:nvSpPr>
-          <p:cNvPr id="10" name="圆角矩形 9"/>
-          <p:cNvSpPr/>
-          <p:nvPr/>
-        </p:nvSpPr>
-        <p:spPr>
-          <a:xfrm>
-            <a:off x="1403648" y="2780928"/>
-            <a:ext cx="864096" cy="432048"/>
-          </a:xfrm>
-          <a:prstGeom prst="roundRect">
-            <a:avLst/>
-          </a:prstGeom>
-        </p:spPr>
-        <p:style>
-          <a:lnRef idx="1">
-            <a:schemeClr val="accent3"/>
-          </a:lnRef>
-          <a:fillRef idx="2">
-            <a:schemeClr val="accent3"/>
-          </a:fillRef>
-          <a:effectRef idx="1">
-            <a:schemeClr val="accent3"/>
-          </a:effectRef>
-          <a:fontRef idx="minor">
-            <a:schemeClr val="dk1"/>
-          </a:fontRef>
-        </p:style>
-        <p:txBody>
-          <a:bodyPr rtlCol="0" anchor="ctr"/>
-          <a:lstStyle/>
-          <a:p>
-            <a:pPr algn="ctr"/>
-            <a:r>
-              <a:rPr lang="en-US" altLang="zh-CN" dirty="0"/>
-              <a:t>E</a:t>
-            </a:r>
-            <a:r>
               <a:rPr lang="en-US" altLang="zh-CN" dirty="0">
                 <a:solidFill>
                   <a:srgbClr val="FF0000"/>
@@ -15490,6 +14964,60 @@
             </a:r>
             <a:r>
               <a:rPr lang="en-US" altLang="zh-CN" dirty="0"/>
+              <a:t>ECD</a:t>
+            </a:r>
+            <a:endParaRPr lang="zh-CN" altLang="en-US" dirty="0"/>
+          </a:p>
+        </p:txBody>
+      </p:sp>
+      <p:sp>
+        <p:nvSpPr>
+          <p:cNvPr id="10" name="圆角矩形 9"/>
+          <p:cNvSpPr/>
+          <p:nvPr/>
+        </p:nvSpPr>
+        <p:spPr>
+          <a:xfrm>
+            <a:off x="1403648" y="2780928"/>
+            <a:ext cx="864096" cy="432048"/>
+          </a:xfrm>
+          <a:prstGeom prst="roundRect">
+            <a:avLst/>
+          </a:prstGeom>
+        </p:spPr>
+        <p:style>
+          <a:lnRef idx="1">
+            <a:schemeClr val="accent3"/>
+          </a:lnRef>
+          <a:fillRef idx="2">
+            <a:schemeClr val="accent3"/>
+          </a:fillRef>
+          <a:effectRef idx="1">
+            <a:schemeClr val="accent3"/>
+          </a:effectRef>
+          <a:fontRef idx="minor">
+            <a:schemeClr val="dk1"/>
+          </a:fontRef>
+        </p:style>
+        <p:txBody>
+          <a:bodyPr rtlCol="0" anchor="ctr"/>
+          <a:lstStyle/>
+          <a:p>
+            <a:pPr algn="ctr"/>
+            <a:r>
+              <a:rPr lang="en-US" altLang="zh-CN" dirty="0"/>
+              <a:t>E</a:t>
+            </a:r>
+            <a:r>
+              <a:rPr lang="en-US" altLang="zh-CN" dirty="0">
+                <a:solidFill>
+                  <a:srgbClr val="FF0000"/>
+                </a:solidFill>
+              </a:rPr>
+              <a:t>B</a:t>
+            </a:r>
+            <a:r>
+              <a:rPr lang="en-US" altLang="zh-CN" dirty="0"/>
               <a:t>CD</a:t>
             </a:r>
             <a:endParaRPr lang="zh-CN" altLang="en-US" dirty="0"/>
@@ -15631,7 +15159,7 @@
           <a:p>
             <a:pPr algn="ctr"/>
             <a:r>
-              <a:rPr lang="en-US" altLang="zh-CN" dirty="0" smtClean="0">
+              <a:rPr lang="en-US" altLang="zh-CN" dirty="0">
                 <a:solidFill>
                   <a:srgbClr val="FF0000"/>
                 </a:solidFill>
@@ -15676,210 +15204,6 @@
           <a:lstStyle/>
           <a:p>
             <a:pPr algn="ctr"/>
-            <a:r>
-              <a:rPr lang="en-US" altLang="zh-CN" dirty="0" smtClean="0">
-                <a:solidFill>
-                  <a:srgbClr val="FF0000"/>
-                </a:solidFill>
-              </a:rPr>
-              <a:t>G</a:t>
-            </a:r>
-            <a:r>
-              <a:rPr lang="en-US" altLang="zh-CN" dirty="0" smtClean="0"/>
-              <a:t>HIJ</a:t>
-            </a:r>
-            <a:endParaRPr lang="zh-CN" altLang="en-US" dirty="0"/>
-          </a:p>
-        </p:txBody>
-      </p:sp>
-      <p:sp>
-        <p:nvSpPr>
-          <p:cNvPr id="15" name="圆角矩形 14"/>
-          <p:cNvSpPr/>
-          <p:nvPr/>
-        </p:nvSpPr>
-        <p:spPr>
-          <a:xfrm>
-            <a:off x="1403648" y="3861048"/>
-            <a:ext cx="648072" cy="432048"/>
-          </a:xfrm>
-          <a:prstGeom prst="roundRect">
-            <a:avLst/>
-          </a:prstGeom>
-        </p:spPr>
-        <p:style>
-          <a:lnRef idx="1">
-            <a:schemeClr val="accent1"/>
-          </a:lnRef>
-          <a:fillRef idx="2">
-            <a:schemeClr val="accent1"/>
-          </a:fillRef>
-          <a:effectRef idx="1">
-            <a:schemeClr val="accent1"/>
-          </a:effectRef>
-          <a:fontRef idx="minor">
-            <a:schemeClr val="dk1"/>
-          </a:fontRef>
-        </p:style>
-        <p:txBody>
-          <a:bodyPr rtlCol="0" anchor="ctr"/>
-          <a:lstStyle/>
-          <a:p>
-            <a:pPr algn="ctr"/>
-            <a:r>
-              <a:rPr lang="en-US" altLang="zh-CN" dirty="0" smtClean="0">
-                <a:solidFill>
-                  <a:srgbClr val="FF0000"/>
-                </a:solidFill>
-              </a:rPr>
-              <a:t>C</a:t>
-            </a:r>
-            <a:r>
-              <a:rPr lang="en-US" altLang="zh-CN" dirty="0" smtClean="0"/>
-              <a:t>D</a:t>
-            </a:r>
-            <a:endParaRPr lang="zh-CN" altLang="en-US" dirty="0"/>
-          </a:p>
-        </p:txBody>
-      </p:sp>
-      <p:sp>
-        <p:nvSpPr>
-          <p:cNvPr id="18" name="圆角矩形 17"/>
-          <p:cNvSpPr/>
-          <p:nvPr/>
-        </p:nvSpPr>
-        <p:spPr>
-          <a:xfrm>
-            <a:off x="539552" y="3861048"/>
-            <a:ext cx="432048" cy="432048"/>
-          </a:xfrm>
-          <a:prstGeom prst="roundRect">
-            <a:avLst/>
-          </a:prstGeom>
-        </p:spPr>
-        <p:style>
-          <a:lnRef idx="1">
-            <a:schemeClr val="accent3"/>
-          </a:lnRef>
-          <a:fillRef idx="2">
-            <a:schemeClr val="accent3"/>
-          </a:fillRef>
-          <a:effectRef idx="1">
-            <a:schemeClr val="accent3"/>
-          </a:effectRef>
-          <a:fontRef idx="minor">
-            <a:schemeClr val="dk1"/>
-          </a:fontRef>
-        </p:style>
-        <p:txBody>
-          <a:bodyPr rtlCol="0" anchor="ctr"/>
-          <a:lstStyle/>
-          <a:p>
-            <a:pPr algn="ctr"/>
-            <a:r>
-              <a:rPr lang="en-US" altLang="zh-CN" dirty="0" smtClean="0">
-                <a:solidFill>
-                  <a:schemeClr val="tx1"/>
-                </a:solidFill>
-              </a:rPr>
-              <a:t>E</a:t>
-            </a:r>
-            <a:endParaRPr lang="zh-CN" altLang="en-US" dirty="0">
-              <a:solidFill>
-                <a:schemeClr val="tx1"/>
-              </a:solidFill>
-            </a:endParaRPr>
-          </a:p>
-        </p:txBody>
-      </p:sp>
-      <p:sp>
-        <p:nvSpPr>
-          <p:cNvPr id="20" name="圆角矩形 19"/>
-          <p:cNvSpPr/>
-          <p:nvPr/>
-        </p:nvSpPr>
-        <p:spPr>
-          <a:xfrm>
-            <a:off x="2123728" y="3861048"/>
-            <a:ext cx="648072" cy="432048"/>
-          </a:xfrm>
-          <a:prstGeom prst="roundRect">
-            <a:avLst/>
-          </a:prstGeom>
-        </p:spPr>
-        <p:style>
-          <a:lnRef idx="1">
-            <a:schemeClr val="accent3"/>
-          </a:lnRef>
-          <a:fillRef idx="2">
-            <a:schemeClr val="accent3"/>
-          </a:fillRef>
-          <a:effectRef idx="1">
-            <a:schemeClr val="accent3"/>
-          </a:effectRef>
-          <a:fontRef idx="minor">
-            <a:schemeClr val="dk1"/>
-          </a:fontRef>
-        </p:style>
-        <p:txBody>
-          <a:bodyPr rtlCol="0" anchor="ctr"/>
-          <a:lstStyle/>
-          <a:p>
-            <a:pPr algn="ctr"/>
-            <a:r>
-              <a:rPr lang="en-US" altLang="zh-CN" dirty="0" smtClean="0">
-                <a:solidFill>
-                  <a:srgbClr val="FF0000"/>
-                </a:solidFill>
-              </a:rPr>
-              <a:t>C</a:t>
-            </a:r>
-            <a:r>
-              <a:rPr lang="en-US" altLang="zh-CN" dirty="0" smtClean="0"/>
-              <a:t>D</a:t>
-            </a:r>
-            <a:endParaRPr lang="zh-CN" altLang="en-US" dirty="0"/>
-          </a:p>
-        </p:txBody>
-      </p:sp>
-      <p:sp>
-        <p:nvSpPr>
-          <p:cNvPr id="21" name="圆角矩形 20"/>
-          <p:cNvSpPr/>
-          <p:nvPr/>
-        </p:nvSpPr>
-        <p:spPr>
-          <a:xfrm>
-            <a:off x="4572000" y="3861048"/>
-            <a:ext cx="720080" cy="432048"/>
-          </a:xfrm>
-          <a:prstGeom prst="roundRect">
-            <a:avLst/>
-          </a:prstGeom>
-        </p:spPr>
-        <p:style>
-          <a:lnRef idx="1">
-            <a:schemeClr val="accent3"/>
-          </a:lnRef>
-          <a:fillRef idx="2">
-            <a:schemeClr val="accent3"/>
-          </a:fillRef>
-          <a:effectRef idx="1">
-            <a:schemeClr val="accent3"/>
-          </a:effectRef>
-          <a:fontRef idx="minor">
-            <a:schemeClr val="dk1"/>
-          </a:fontRef>
-        </p:style>
-        <p:txBody>
-          <a:bodyPr rtlCol="0" anchor="ctr"/>
-          <a:lstStyle/>
-          <a:p>
-            <a:pPr algn="ctr"/>
-            <a:r>
-              <a:rPr lang="en-US" altLang="zh-CN" dirty="0"/>
-              <a:t>HI</a:t>
-            </a:r>
             <a:r>
               <a:rPr lang="en-US" altLang="zh-CN" dirty="0">
                 <a:solidFill>
@@ -15890,6 +15214,210 @@
             </a:r>
             <a:r>
               <a:rPr lang="en-US" altLang="zh-CN" dirty="0"/>
+              <a:t>HIJ</a:t>
+            </a:r>
+            <a:endParaRPr lang="zh-CN" altLang="en-US" dirty="0"/>
+          </a:p>
+        </p:txBody>
+      </p:sp>
+      <p:sp>
+        <p:nvSpPr>
+          <p:cNvPr id="15" name="圆角矩形 14"/>
+          <p:cNvSpPr/>
+          <p:nvPr/>
+        </p:nvSpPr>
+        <p:spPr>
+          <a:xfrm>
+            <a:off x="1403648" y="3861048"/>
+            <a:ext cx="648072" cy="432048"/>
+          </a:xfrm>
+          <a:prstGeom prst="roundRect">
+            <a:avLst/>
+          </a:prstGeom>
+        </p:spPr>
+        <p:style>
+          <a:lnRef idx="1">
+            <a:schemeClr val="accent1"/>
+          </a:lnRef>
+          <a:fillRef idx="2">
+            <a:schemeClr val="accent1"/>
+          </a:fillRef>
+          <a:effectRef idx="1">
+            <a:schemeClr val="accent1"/>
+          </a:effectRef>
+          <a:fontRef idx="minor">
+            <a:schemeClr val="dk1"/>
+          </a:fontRef>
+        </p:style>
+        <p:txBody>
+          <a:bodyPr rtlCol="0" anchor="ctr"/>
+          <a:lstStyle/>
+          <a:p>
+            <a:pPr algn="ctr"/>
+            <a:r>
+              <a:rPr lang="en-US" altLang="zh-CN" dirty="0">
+                <a:solidFill>
+                  <a:srgbClr val="FF0000"/>
+                </a:solidFill>
+              </a:rPr>
+              <a:t>C</a:t>
+            </a:r>
+            <a:r>
+              <a:rPr lang="en-US" altLang="zh-CN" dirty="0"/>
+              <a:t>D</a:t>
+            </a:r>
+            <a:endParaRPr lang="zh-CN" altLang="en-US" dirty="0"/>
+          </a:p>
+        </p:txBody>
+      </p:sp>
+      <p:sp>
+        <p:nvSpPr>
+          <p:cNvPr id="18" name="圆角矩形 17"/>
+          <p:cNvSpPr/>
+          <p:nvPr/>
+        </p:nvSpPr>
+        <p:spPr>
+          <a:xfrm>
+            <a:off x="539552" y="3861048"/>
+            <a:ext cx="432048" cy="432048"/>
+          </a:xfrm>
+          <a:prstGeom prst="roundRect">
+            <a:avLst/>
+          </a:prstGeom>
+        </p:spPr>
+        <p:style>
+          <a:lnRef idx="1">
+            <a:schemeClr val="accent3"/>
+          </a:lnRef>
+          <a:fillRef idx="2">
+            <a:schemeClr val="accent3"/>
+          </a:fillRef>
+          <a:effectRef idx="1">
+            <a:schemeClr val="accent3"/>
+          </a:effectRef>
+          <a:fontRef idx="minor">
+            <a:schemeClr val="dk1"/>
+          </a:fontRef>
+        </p:style>
+        <p:txBody>
+          <a:bodyPr rtlCol="0" anchor="ctr"/>
+          <a:lstStyle/>
+          <a:p>
+            <a:pPr algn="ctr"/>
+            <a:r>
+              <a:rPr lang="en-US" altLang="zh-CN" dirty="0">
+                <a:solidFill>
+                  <a:schemeClr val="tx1"/>
+                </a:solidFill>
+              </a:rPr>
+              <a:t>E</a:t>
+            </a:r>
+            <a:endParaRPr lang="zh-CN" altLang="en-US" dirty="0">
+              <a:solidFill>
+                <a:schemeClr val="tx1"/>
+              </a:solidFill>
+            </a:endParaRPr>
+          </a:p>
+        </p:txBody>
+      </p:sp>
+      <p:sp>
+        <p:nvSpPr>
+          <p:cNvPr id="20" name="圆角矩形 19"/>
+          <p:cNvSpPr/>
+          <p:nvPr/>
+        </p:nvSpPr>
+        <p:spPr>
+          <a:xfrm>
+            <a:off x="2123728" y="3861048"/>
+            <a:ext cx="648072" cy="432048"/>
+          </a:xfrm>
+          <a:prstGeom prst="roundRect">
+            <a:avLst/>
+          </a:prstGeom>
+        </p:spPr>
+        <p:style>
+          <a:lnRef idx="1">
+            <a:schemeClr val="accent3"/>
+          </a:lnRef>
+          <a:fillRef idx="2">
+            <a:schemeClr val="accent3"/>
+          </a:fillRef>
+          <a:effectRef idx="1">
+            <a:schemeClr val="accent3"/>
+          </a:effectRef>
+          <a:fontRef idx="minor">
+            <a:schemeClr val="dk1"/>
+          </a:fontRef>
+        </p:style>
+        <p:txBody>
+          <a:bodyPr rtlCol="0" anchor="ctr"/>
+          <a:lstStyle/>
+          <a:p>
+            <a:pPr algn="ctr"/>
+            <a:r>
+              <a:rPr lang="en-US" altLang="zh-CN" dirty="0">
+                <a:solidFill>
+                  <a:srgbClr val="FF0000"/>
+                </a:solidFill>
+              </a:rPr>
+              <a:t>C</a:t>
+            </a:r>
+            <a:r>
+              <a:rPr lang="en-US" altLang="zh-CN" dirty="0"/>
+              <a:t>D</a:t>
+            </a:r>
+            <a:endParaRPr lang="zh-CN" altLang="en-US" dirty="0"/>
+          </a:p>
+        </p:txBody>
+      </p:sp>
+      <p:sp>
+        <p:nvSpPr>
+          <p:cNvPr id="21" name="圆角矩形 20"/>
+          <p:cNvSpPr/>
+          <p:nvPr/>
+        </p:nvSpPr>
+        <p:spPr>
+          <a:xfrm>
+            <a:off x="4572000" y="3861048"/>
+            <a:ext cx="720080" cy="432048"/>
+          </a:xfrm>
+          <a:prstGeom prst="roundRect">
+            <a:avLst/>
+          </a:prstGeom>
+        </p:spPr>
+        <p:style>
+          <a:lnRef idx="1">
+            <a:schemeClr val="accent3"/>
+          </a:lnRef>
+          <a:fillRef idx="2">
+            <a:schemeClr val="accent3"/>
+          </a:fillRef>
+          <a:effectRef idx="1">
+            <a:schemeClr val="accent3"/>
+          </a:effectRef>
+          <a:fontRef idx="minor">
+            <a:schemeClr val="dk1"/>
+          </a:fontRef>
+        </p:style>
+        <p:txBody>
+          <a:bodyPr rtlCol="0" anchor="ctr"/>
+          <a:lstStyle/>
+          <a:p>
+            <a:pPr algn="ctr"/>
+            <a:r>
+              <a:rPr lang="en-US" altLang="zh-CN" dirty="0"/>
+              <a:t>HI</a:t>
+            </a:r>
+            <a:r>
+              <a:rPr lang="en-US" altLang="zh-CN" dirty="0">
+                <a:solidFill>
+                  <a:srgbClr val="FF0000"/>
+                </a:solidFill>
+              </a:rPr>
+              <a:t>G</a:t>
+            </a:r>
+            <a:r>
+              <a:rPr lang="en-US" altLang="zh-CN" dirty="0"/>
               <a:t>J</a:t>
             </a:r>
             <a:endParaRPr lang="zh-CN" altLang="en-US" dirty="0"/>
@@ -15931,7 +15459,7 @@
           <a:p>
             <a:pPr algn="ctr"/>
             <a:r>
-              <a:rPr lang="en-US" altLang="zh-CN" dirty="0" smtClean="0">
+              <a:rPr lang="en-US" altLang="zh-CN" dirty="0">
                 <a:solidFill>
                   <a:srgbClr val="FF0000"/>
                 </a:solidFill>
@@ -15977,7 +15505,7 @@
           <a:p>
             <a:pPr algn="ctr"/>
             <a:r>
-              <a:rPr lang="en-US" altLang="zh-CN" dirty="0" smtClean="0">
+              <a:rPr lang="en-US" altLang="zh-CN" dirty="0">
                 <a:solidFill>
                   <a:schemeClr val="tx1"/>
                 </a:solidFill>
@@ -16027,7 +15555,7 @@
           <a:p>
             <a:pPr algn="ctr"/>
             <a:r>
-              <a:rPr lang="en-US" altLang="zh-CN" dirty="0" smtClean="0">
+              <a:rPr lang="en-US" altLang="zh-CN" dirty="0">
                 <a:solidFill>
                   <a:srgbClr val="FF0000"/>
                 </a:solidFill>
@@ -16035,7 +15563,7 @@
               <a:t>H</a:t>
             </a:r>
             <a:r>
-              <a:rPr lang="en-US" altLang="zh-CN" dirty="0" smtClean="0">
+              <a:rPr lang="en-US" altLang="zh-CN" dirty="0">
                 <a:solidFill>
                   <a:schemeClr val="tx1"/>
                 </a:solidFill>
@@ -16085,7 +15613,7 @@
           <a:p>
             <a:pPr algn="ctr"/>
             <a:r>
-              <a:rPr lang="en-US" altLang="zh-CN" dirty="0" smtClean="0">
+              <a:rPr lang="en-US" altLang="zh-CN" dirty="0">
                 <a:solidFill>
                   <a:srgbClr val="FF0000"/>
                 </a:solidFill>
@@ -16093,7 +15621,7 @@
               <a:t>H</a:t>
             </a:r>
             <a:r>
-              <a:rPr lang="en-US" altLang="zh-CN" dirty="0" smtClean="0">
+              <a:rPr lang="en-US" altLang="zh-CN" dirty="0">
                 <a:solidFill>
                   <a:schemeClr val="tx1"/>
                 </a:solidFill>
@@ -16143,7 +15671,7 @@
           <a:p>
             <a:pPr algn="ctr"/>
             <a:r>
-              <a:rPr lang="en-US" altLang="zh-CN" dirty="0" smtClean="0">
+              <a:rPr lang="en-US" altLang="zh-CN" dirty="0">
                 <a:solidFill>
                   <a:srgbClr val="FF0000"/>
                 </a:solidFill>
@@ -16189,7 +15717,7 @@
           <a:p>
             <a:pPr algn="ctr"/>
             <a:r>
-              <a:rPr lang="en-US" altLang="zh-CN" dirty="0" smtClean="0">
+              <a:rPr lang="en-US" altLang="zh-CN" dirty="0">
                 <a:solidFill>
                   <a:schemeClr val="tx1"/>
                 </a:solidFill>
@@ -16239,7 +15767,7 @@
           <a:p>
             <a:pPr algn="ctr"/>
             <a:r>
-              <a:rPr lang="en-US" altLang="zh-CN" dirty="0" smtClean="0">
+              <a:rPr lang="en-US" altLang="zh-CN" dirty="0">
                 <a:solidFill>
                   <a:srgbClr val="FF0000"/>
                 </a:solidFill>
@@ -16285,7 +15813,7 @@
           <a:p>
             <a:pPr algn="ctr"/>
             <a:r>
-              <a:rPr lang="en-US" altLang="zh-CN" dirty="0" smtClean="0">
+              <a:rPr lang="en-US" altLang="zh-CN" dirty="0">
                 <a:solidFill>
                   <a:schemeClr val="tx1"/>
                 </a:solidFill>
@@ -16709,7 +16237,7 @@
           <a:p>
             <a:pPr algn="ctr"/>
             <a:r>
-              <a:rPr lang="en-US" altLang="zh-CN" dirty="0" smtClean="0">
+              <a:rPr lang="en-US" altLang="zh-CN" dirty="0">
                 <a:solidFill>
                   <a:schemeClr val="tx1"/>
                 </a:solidFill>
@@ -16759,7 +16287,7 @@
           <a:p>
             <a:pPr algn="ctr"/>
             <a:r>
-              <a:rPr lang="en-US" altLang="zh-CN" dirty="0" smtClean="0">
+              <a:rPr lang="en-US" altLang="zh-CN" dirty="0">
                 <a:solidFill>
                   <a:schemeClr val="tx1"/>
                 </a:solidFill>
@@ -16809,7 +16337,7 @@
           <a:p>
             <a:pPr algn="ctr"/>
             <a:r>
-              <a:rPr lang="en-US" altLang="zh-CN" dirty="0" smtClean="0">
+              <a:rPr lang="en-US" altLang="zh-CN" dirty="0">
                 <a:solidFill>
                   <a:schemeClr val="tx1"/>
                 </a:solidFill>
@@ -16859,7 +16387,7 @@
           <a:p>
             <a:pPr algn="ctr"/>
             <a:r>
-              <a:rPr lang="en-US" altLang="zh-CN" dirty="0" smtClean="0">
+              <a:rPr lang="en-US" altLang="zh-CN" dirty="0">
                 <a:solidFill>
                   <a:schemeClr val="tx1"/>
                 </a:solidFill>
@@ -16909,7 +16437,7 @@
           <a:p>
             <a:pPr algn="ctr"/>
             <a:r>
-              <a:rPr lang="en-US" altLang="zh-CN" dirty="0" smtClean="0">
+              <a:rPr lang="en-US" altLang="zh-CN" dirty="0">
                 <a:solidFill>
                   <a:schemeClr val="tx1"/>
                 </a:solidFill>
@@ -16959,7 +16487,7 @@
           <a:p>
             <a:pPr algn="ctr"/>
             <a:r>
-              <a:rPr lang="en-US" altLang="zh-CN" dirty="0" smtClean="0">
+              <a:rPr lang="en-US" altLang="zh-CN" dirty="0">
                 <a:solidFill>
                   <a:schemeClr val="tx1"/>
                 </a:solidFill>
@@ -17009,7 +16537,7 @@
           <a:p>
             <a:pPr algn="ctr"/>
             <a:r>
-              <a:rPr lang="en-US" altLang="zh-CN" dirty="0" smtClean="0">
+              <a:rPr lang="en-US" altLang="zh-CN" dirty="0">
                 <a:solidFill>
                   <a:schemeClr val="tx1"/>
                 </a:solidFill>
@@ -17059,7 +16587,7 @@
           <a:p>
             <a:pPr algn="ctr"/>
             <a:r>
-              <a:rPr lang="en-US" altLang="zh-CN" dirty="0" smtClean="0">
+              <a:rPr lang="en-US" altLang="zh-CN" dirty="0">
                 <a:solidFill>
                   <a:schemeClr val="tx1"/>
                 </a:solidFill>
@@ -17109,7 +16637,7 @@
           <a:p>
             <a:pPr algn="ctr"/>
             <a:r>
-              <a:rPr lang="en-US" altLang="zh-CN" dirty="0" smtClean="0">
+              <a:rPr lang="en-US" altLang="zh-CN" dirty="0">
                 <a:solidFill>
                   <a:schemeClr val="tx1"/>
                 </a:solidFill>
@@ -17458,13 +16986,6 @@
   <p:clrMapOvr>
     <a:masterClrMapping/>
   </p:clrMapOvr>
-  <p:timing>
-    <p:tnLst>
-      <p:par>
-        <p:cTn id="1" dur="indefinite" restart="never" nodeType="tmRoot"/>
-      </p:par>
-    </p:tnLst>
-  </p:timing>
 </p:sld>
 </file>
 
@@ -17504,19 +17025,11 @@
           <a:p>
             <a:r>
               <a:rPr lang="en-US" altLang="zh-CN" sz="2800" dirty="0"/>
-              <a:t>6</a:t>
-            </a:r>
-            <a:r>
-              <a:rPr lang="en-US" altLang="zh-CN" sz="2800" dirty="0" smtClean="0"/>
-              <a:t>.</a:t>
-            </a:r>
-            <a:r>
-              <a:rPr lang="zh-CN" altLang="en-US" sz="2800" dirty="0" smtClean="0"/>
-              <a:t>编写</a:t>
+              <a:t>6.</a:t>
             </a:r>
             <a:r>
               <a:rPr lang="zh-CN" altLang="en-US" sz="2800" dirty="0"/>
-              <a:t>一个</a:t>
+              <a:t>编写一个</a:t>
             </a:r>
             <a:r>
               <a:rPr lang="en-US" altLang="zh-CN" sz="2800" dirty="0"/>
@@ -17524,37 +17037,8 @@
             </a:r>
             <a:r>
               <a:rPr lang="zh-CN" altLang="en-US" sz="2800" dirty="0"/>
-              <a:t>函数</a:t>
-            </a:r>
-            <a:r>
-              <a:rPr lang="zh-CN" altLang="en-US" sz="2800" dirty="0" smtClean="0"/>
-              <a:t>，输入</a:t>
-            </a:r>
-            <a:r>
-              <a:rPr lang="zh-CN" altLang="en-US" sz="2800" dirty="0"/>
-              <a:t>后缀表达式</a:t>
-            </a:r>
-            <a:r>
-              <a:rPr lang="zh-CN" altLang="en-US" sz="2800" dirty="0" smtClean="0"/>
-              <a:t>，构造</a:t>
-            </a:r>
-            <a:r>
-              <a:rPr lang="zh-CN" altLang="en-US" sz="2800" dirty="0"/>
-              <a:t>其</a:t>
-            </a:r>
-            <a:r>
-              <a:rPr lang="zh-CN" altLang="en-US" sz="2800" dirty="0" smtClean="0"/>
-              <a:t>二叉树表示</a:t>
-            </a:r>
-            <a:r>
-              <a:rPr lang="zh-CN" altLang="en-US" sz="2800" dirty="0"/>
-              <a:t>。设每个操作符有一个或两个操作数</a:t>
-            </a:r>
-            <a:r>
-              <a:rPr lang="zh-CN" altLang="en-US" sz="2800" dirty="0" smtClean="0"/>
-              <a:t>。</a:t>
-            </a:r>
-            <a:endParaRPr lang="zh-CN" altLang="en-US" sz="2800" dirty="0"/>
+              <a:t>函数，输入后缀表达式，构造其二叉树表示。设每个操作符有一个或两个操作数。</a:t>
+            </a:r>
           </a:p>
         </p:txBody>
       </p:sp>
@@ -17578,10 +17062,10 @@
               <a:buChar char="l"/>
             </a:pPr>
             <a:r>
-              <a:rPr lang="zh-CN" altLang="en-US" dirty="0" smtClean="0"/>
+              <a:rPr lang="zh-CN" altLang="en-US" dirty="0"/>
               <a:t>遍历表达式</a:t>
             </a:r>
-            <a:endParaRPr lang="en-US" altLang="zh-CN" dirty="0" smtClean="0"/>
+            <a:endParaRPr lang="en-US" altLang="zh-CN" dirty="0"/>
           </a:p>
           <a:p>
             <a:pPr lvl="1">
@@ -17589,18 +17073,9 @@
               <a:buChar char="ü"/>
             </a:pPr>
             <a:r>
-              <a:rPr lang="zh-CN" altLang="en-US" dirty="0" smtClean="0"/>
-              <a:t>若</a:t>
-            </a:r>
-            <a:r>
               <a:rPr lang="zh-CN" altLang="en-US" dirty="0"/>
-              <a:t>为操作数</a:t>
-            </a:r>
-            <a:r>
-              <a:rPr lang="zh-CN" altLang="en-US" dirty="0" smtClean="0"/>
-              <a:t>，将其构造成节点后入栈；</a:t>
-            </a:r>
-            <a:endParaRPr lang="zh-CN" altLang="en-US" dirty="0"/>
+              <a:t>若为操作数，将其构造成节点后入栈；</a:t>
+            </a:r>
           </a:p>
           <a:p>
             <a:pPr lvl="1">
@@ -17608,38 +17083,18 @@
               <a:buChar char="ü"/>
             </a:pPr>
             <a:r>
-              <a:rPr lang="zh-CN" altLang="en-US" dirty="0" smtClean="0"/>
-              <a:t>若</a:t>
-            </a:r>
-            <a:r>
               <a:rPr lang="zh-CN" altLang="en-US" dirty="0"/>
-              <a:t>为一元</a:t>
-            </a:r>
-            <a:r>
-              <a:rPr lang="zh-CN" altLang="en-US" dirty="0" smtClean="0"/>
-              <a:t>操作符，弹</a:t>
+              <a:t>若为一元操作符，弹出一个节点作为操作符的右</a:t>
+            </a:r>
+            <a:r>
+              <a:rPr lang="en-US" altLang="zh-CN" dirty="0"/>
+              <a:t>child</a:t>
             </a:r>
             <a:r>
               <a:rPr lang="zh-CN" altLang="en-US" dirty="0"/>
-              <a:t>出一</a:t>
-            </a:r>
-            <a:r>
-              <a:rPr lang="zh-CN" altLang="en-US" dirty="0" smtClean="0"/>
-              <a:t>个节点作为操作符的右</a:t>
-            </a:r>
-            <a:r>
-              <a:rPr lang="en-US" altLang="zh-CN" dirty="0" smtClean="0"/>
-              <a:t>child</a:t>
-            </a:r>
-            <a:r>
-              <a:rPr lang="zh-CN" altLang="en-US" dirty="0" smtClean="0"/>
-              <a:t>构造新节点，将新节点入栈</a:t>
-            </a:r>
-            <a:r>
-              <a:rPr lang="zh-CN" altLang="en-US" dirty="0"/>
-              <a:t>；</a:t>
-            </a:r>
-            <a:endParaRPr lang="en-US" altLang="zh-CN" dirty="0" smtClean="0"/>
+              <a:t>构造新节点，将新节点入栈；</a:t>
+            </a:r>
+            <a:endParaRPr lang="en-US" altLang="zh-CN" dirty="0"/>
           </a:p>
           <a:p>
             <a:pPr lvl="1">
@@ -17647,19 +17102,11 @@
               <a:buChar char="ü"/>
             </a:pPr>
             <a:r>
-              <a:rPr lang="zh-CN" altLang="en-US" dirty="0" smtClean="0"/>
-              <a:t>若</a:t>
-            </a:r>
-            <a:r>
               <a:rPr lang="zh-CN" altLang="en-US" dirty="0"/>
-              <a:t>为二元</a:t>
-            </a:r>
-            <a:r>
-              <a:rPr lang="zh-CN" altLang="en-US" dirty="0" smtClean="0"/>
-              <a:t>操作数，弹出两个节点分别作为操作符的</a:t>
-            </a:r>
-            <a:r>
-              <a:rPr lang="zh-CN" altLang="en-US" dirty="0" smtClean="0">
+              <a:t>若为二元操作数，弹出两个节点分别作为操作符的</a:t>
+            </a:r>
+            <a:r>
+              <a:rPr lang="zh-CN" altLang="en-US" dirty="0">
                 <a:solidFill>
                   <a:srgbClr val="FF0000"/>
                 </a:solidFill>
@@ -17667,7 +17114,7 @@
               <a:t>右</a:t>
             </a:r>
             <a:r>
-              <a:rPr lang="zh-CN" altLang="en-US" dirty="0" smtClean="0">
+              <a:rPr lang="zh-CN" altLang="en-US" dirty="0">
                 <a:solidFill>
                   <a:srgbClr val="00B050"/>
                 </a:solidFill>
@@ -17675,18 +17122,14 @@
               <a:t>左</a:t>
             </a:r>
             <a:r>
-              <a:rPr lang="en-US" altLang="zh-CN" dirty="0" smtClean="0"/>
+              <a:rPr lang="en-US" altLang="zh-CN" dirty="0"/>
               <a:t>child</a:t>
             </a:r>
             <a:r>
-              <a:rPr lang="zh-CN" altLang="en-US" dirty="0" smtClean="0"/>
-              <a:t>构造新的节点，将新节点入栈</a:t>
-            </a:r>
-            <a:r>
-              <a:rPr lang="zh-CN" altLang="en-US" dirty="0" smtClean="0"/>
-              <a:t>。</a:t>
-            </a:r>
-            <a:endParaRPr lang="en-US" altLang="zh-CN" dirty="0" smtClean="0"/>
+              <a:rPr lang="zh-CN" altLang="en-US" dirty="0"/>
+              <a:t>构造新的节点，将新节点入栈。</a:t>
+            </a:r>
+            <a:endParaRPr lang="en-US" altLang="zh-CN" dirty="0"/>
           </a:p>
         </p:txBody>
       </p:sp>
@@ -17700,13 +17143,6 @@
   <p:clrMapOvr>
     <a:masterClrMapping/>
   </p:clrMapOvr>
-  <p:timing>
-    <p:tnLst>
-      <p:par>
-        <p:cTn id="1" dur="indefinite" restart="never" nodeType="tmRoot"/>
-      </p:par>
-    </p:tnLst>
-  </p:timing>
 </p:sld>
 </file>
 
@@ -17750,12 +17186,8 @@
           <a:lstStyle/>
           <a:p>
             <a:r>
-              <a:rPr lang="en-US" altLang="zh-CN" sz="1600" dirty="0" smtClean="0"/>
-              <a:t>public </a:t>
-            </a:r>
-            <a:r>
               <a:rPr lang="en-US" altLang="zh-CN" sz="1600" dirty="0"/>
-              <a:t>static </a:t>
+              <a:t>public static </a:t>
             </a:r>
             <a:r>
               <a:rPr lang="en-US" altLang="zh-CN" sz="1600" dirty="0" err="1"/>
@@ -17776,26 +17208,14 @@
           </a:p>
           <a:p>
             <a:r>
-              <a:rPr lang="en-US" altLang="zh-CN" sz="1600" dirty="0" smtClean="0"/>
-              <a:t>	Stack </a:t>
-            </a:r>
-            <a:r>
               <a:rPr lang="en-US" altLang="zh-CN" sz="1600" dirty="0"/>
-              <a:t>stack = new </a:t>
-            </a:r>
-            <a:r>
-              <a:rPr lang="en-US" altLang="zh-CN" sz="1600" dirty="0" smtClean="0"/>
-              <a:t>Stack ();</a:t>
-            </a:r>
-          </a:p>
-          <a:p>
-            <a:r>
-              <a:rPr lang="en-US" altLang="zh-CN" sz="1600" dirty="0" smtClean="0"/>
-              <a:t>	expression </a:t>
-            </a:r>
+              <a:t>	Stack stack = new Stack ();</a:t>
+            </a:r>
+          </a:p>
+          <a:p>
             <a:r>
               <a:rPr lang="en-US" altLang="zh-CN" sz="1600" dirty="0"/>
-              <a:t>= </a:t>
+              <a:t>	expression = </a:t>
             </a:r>
             <a:r>
               <a:rPr lang="en-US" altLang="zh-CN" sz="1600" dirty="0" err="1"/>
@@ -17808,8 +17228,66 @@
           </a:p>
           <a:p>
             <a:r>
-              <a:rPr lang="en-US" altLang="zh-CN" sz="1600" dirty="0" smtClean="0"/>
-              <a:t>	for </a:t>
+              <a:rPr lang="en-US" altLang="zh-CN" sz="1600" dirty="0"/>
+              <a:t>	for (</a:t>
+            </a:r>
+            <a:r>
+              <a:rPr lang="en-US" altLang="zh-CN" sz="1600" dirty="0" err="1"/>
+              <a:t>int</a:t>
+            </a:r>
+            <a:r>
+              <a:rPr lang="en-US" altLang="zh-CN" sz="1600" dirty="0"/>
+              <a:t> </a:t>
+            </a:r>
+            <a:r>
+              <a:rPr lang="en-US" altLang="zh-CN" sz="1600" dirty="0" err="1"/>
+              <a:t>i</a:t>
+            </a:r>
+            <a:r>
+              <a:rPr lang="en-US" altLang="zh-CN" sz="1600" dirty="0"/>
+              <a:t> = 0; </a:t>
+            </a:r>
+            <a:r>
+              <a:rPr lang="en-US" altLang="zh-CN" sz="1600" dirty="0" err="1"/>
+              <a:t>i</a:t>
+            </a:r>
+            <a:r>
+              <a:rPr lang="en-US" altLang="zh-CN" sz="1600" dirty="0"/>
+              <a:t> &lt; </a:t>
+            </a:r>
+            <a:r>
+              <a:rPr lang="en-US" altLang="zh-CN" sz="1600" dirty="0" err="1"/>
+              <a:t>expression.length</a:t>
+            </a:r>
+            <a:r>
+              <a:rPr lang="en-US" altLang="zh-CN" sz="1600" dirty="0"/>
+              <a:t>(); ++</a:t>
+            </a:r>
+            <a:r>
+              <a:rPr lang="en-US" altLang="zh-CN" sz="1600" dirty="0" err="1"/>
+              <a:t>i</a:t>
+            </a:r>
+            <a:r>
+              <a:rPr lang="en-US" altLang="zh-CN" sz="1600" dirty="0"/>
+              <a:t>) {</a:t>
+            </a:r>
+          </a:p>
+          <a:p>
+            <a:r>
+              <a:rPr lang="en-US" altLang="zh-CN" sz="1600" dirty="0"/>
+              <a:t>		char </a:t>
+            </a:r>
+            <a:r>
+              <a:rPr lang="en-US" altLang="zh-CN" sz="1600" dirty="0" err="1"/>
+              <a:t>ch</a:t>
+            </a:r>
+            <a:r>
+              <a:rPr lang="en-US" altLang="zh-CN" sz="1600" dirty="0"/>
+              <a:t> = </a:t>
+            </a:r>
+            <a:r>
+              <a:rPr lang="en-US" altLang="zh-CN" sz="1600" dirty="0" err="1"/>
+              <a:t>expression.charAt</a:t>
             </a:r>
             <a:r>
               <a:rPr lang="en-US" altLang="zh-CN" sz="1600" dirty="0"/>
@@ -17817,39 +17295,21 @@
             </a:r>
             <a:r>
               <a:rPr lang="en-US" altLang="zh-CN" sz="1600" dirty="0" err="1"/>
-              <a:t>int</a:t>
+              <a:t>i</a:t>
             </a:r>
             <a:r>
               <a:rPr lang="en-US" altLang="zh-CN" sz="1600" dirty="0"/>
-              <a:t> </a:t>
+              <a:t>);</a:t>
+            </a:r>
+          </a:p>
+          <a:p>
+            <a:r>
+              <a:rPr lang="en-US" altLang="zh-CN" sz="1600" dirty="0"/>
+              <a:t>		switch (</a:t>
             </a:r>
             <a:r>
               <a:rPr lang="en-US" altLang="zh-CN" sz="1600" dirty="0" err="1"/>
-              <a:t>i</a:t>
-            </a:r>
-            <a:r>
-              <a:rPr lang="en-US" altLang="zh-CN" sz="1600" dirty="0"/>
-              <a:t> = 0; </a:t>
-            </a:r>
-            <a:r>
-              <a:rPr lang="en-US" altLang="zh-CN" sz="1600" dirty="0" err="1"/>
-              <a:t>i</a:t>
-            </a:r>
-            <a:r>
-              <a:rPr lang="en-US" altLang="zh-CN" sz="1600" dirty="0"/>
-              <a:t> &lt; </a:t>
-            </a:r>
-            <a:r>
-              <a:rPr lang="en-US" altLang="zh-CN" sz="1600" dirty="0" err="1"/>
-              <a:t>expression.length</a:t>
-            </a:r>
-            <a:r>
-              <a:rPr lang="en-US" altLang="zh-CN" sz="1600" dirty="0"/>
-              <a:t>(); ++</a:t>
-            </a:r>
-            <a:r>
-              <a:rPr lang="en-US" altLang="zh-CN" sz="1600" dirty="0" err="1"/>
-              <a:t>i</a:t>
+              <a:t>ch</a:t>
             </a:r>
             <a:r>
               <a:rPr lang="en-US" altLang="zh-CN" sz="1600" dirty="0"/>
@@ -17858,8 +17318,90 @@
           </a:p>
           <a:p>
             <a:r>
-              <a:rPr lang="en-US" altLang="zh-CN" sz="1600" dirty="0" smtClean="0"/>
-              <a:t>		char </a:t>
+              <a:rPr lang="en-US" altLang="zh-CN" sz="1600" dirty="0"/>
+              <a:t>		case '+': case '-': case '*': case '/': case '^':</a:t>
+            </a:r>
+          </a:p>
+          <a:p>
+            <a:r>
+              <a:rPr lang="en-US" altLang="zh-CN" sz="1600" dirty="0"/>
+              <a:t>			</a:t>
+            </a:r>
+            <a:r>
+              <a:rPr lang="en-US" altLang="zh-CN" sz="1600" dirty="0" err="1"/>
+              <a:t>BinaryNode</a:t>
+            </a:r>
+            <a:r>
+              <a:rPr lang="en-US" altLang="zh-CN" sz="1600" dirty="0"/>
+              <a:t> right = (</a:t>
+            </a:r>
+            <a:r>
+              <a:rPr lang="en-US" altLang="zh-CN" sz="1600" dirty="0" err="1"/>
+              <a:t>BinaryNode</a:t>
+            </a:r>
+            <a:r>
+              <a:rPr lang="en-US" altLang="zh-CN" sz="1600" dirty="0"/>
+              <a:t>) </a:t>
+            </a:r>
+            <a:r>
+              <a:rPr lang="en-US" altLang="zh-CN" sz="1600" dirty="0" err="1"/>
+              <a:t>stack.pop</a:t>
+            </a:r>
+            <a:r>
+              <a:rPr lang="en-US" altLang="zh-CN" sz="1600" dirty="0"/>
+              <a:t>();</a:t>
+            </a:r>
+          </a:p>
+          <a:p>
+            <a:r>
+              <a:rPr lang="en-US" altLang="zh-CN" sz="1600" dirty="0"/>
+              <a:t>			</a:t>
+            </a:r>
+            <a:r>
+              <a:rPr lang="en-US" altLang="zh-CN" sz="1600" dirty="0" err="1"/>
+              <a:t>BinaryNode</a:t>
+            </a:r>
+            <a:r>
+              <a:rPr lang="en-US" altLang="zh-CN" sz="1600" dirty="0"/>
+              <a:t> left = (</a:t>
+            </a:r>
+            <a:r>
+              <a:rPr lang="en-US" altLang="zh-CN" sz="1600" dirty="0" err="1"/>
+              <a:t>BinaryNode</a:t>
+            </a:r>
+            <a:r>
+              <a:rPr lang="en-US" altLang="zh-CN" sz="1600" dirty="0"/>
+              <a:t>) </a:t>
+            </a:r>
+            <a:r>
+              <a:rPr lang="en-US" altLang="zh-CN" sz="1600" dirty="0" err="1"/>
+              <a:t>stack.pop</a:t>
+            </a:r>
+            <a:r>
+              <a:rPr lang="en-US" altLang="zh-CN" sz="1600" dirty="0"/>
+              <a:t>();</a:t>
+            </a:r>
+          </a:p>
+          <a:p>
+            <a:r>
+              <a:rPr lang="en-US" altLang="zh-CN" sz="1600" dirty="0"/>
+              <a:t>			</a:t>
+            </a:r>
+            <a:r>
+              <a:rPr lang="en-US" altLang="zh-CN" sz="1600" dirty="0" err="1"/>
+              <a:t>stack.push</a:t>
+            </a:r>
+            <a:r>
+              <a:rPr lang="en-US" altLang="zh-CN" sz="1600" dirty="0"/>
+              <a:t>(new </a:t>
+            </a:r>
+            <a:r>
+              <a:rPr lang="en-US" altLang="zh-CN" sz="1600" dirty="0" err="1"/>
+              <a:t>BinaryNode</a:t>
+            </a:r>
+            <a:r>
+              <a:rPr lang="en-US" altLang="zh-CN" sz="1600" dirty="0"/>
+              <a:t>(</a:t>
             </a:r>
             <a:r>
               <a:rPr lang="en-US" altLang="zh-CN" sz="1600" dirty="0" err="1"/>
@@ -17867,11 +17409,67 @@
             </a:r>
             <a:r>
               <a:rPr lang="en-US" altLang="zh-CN" sz="1600" dirty="0"/>
-              <a:t> = </a:t>
+              <a:t>, left, right));</a:t>
+            </a:r>
+          </a:p>
+          <a:p>
+            <a:r>
+              <a:rPr lang="en-US" altLang="zh-CN" sz="1600" dirty="0"/>
+              <a:t>			break;</a:t>
+            </a:r>
+          </a:p>
+          <a:p>
+            <a:r>
+              <a:rPr lang="en-US" altLang="zh-CN" sz="1600" dirty="0"/>
+              <a:t>		case '~':</a:t>
+            </a:r>
+          </a:p>
+          <a:p>
+            <a:r>
+              <a:rPr lang="en-US" altLang="zh-CN" sz="1600" dirty="0"/>
+              <a:t>			</a:t>
             </a:r>
             <a:r>
               <a:rPr lang="en-US" altLang="zh-CN" sz="1600" dirty="0" err="1"/>
-              <a:t>expression.charAt</a:t>
+              <a:t>BinaryNode</a:t>
+            </a:r>
+            <a:r>
+              <a:rPr lang="en-US" altLang="zh-CN" sz="1600" dirty="0"/>
+              <a:t> node = (</a:t>
+            </a:r>
+            <a:r>
+              <a:rPr lang="en-US" altLang="zh-CN" sz="1600" dirty="0" err="1"/>
+              <a:t>BinaryNode</a:t>
+            </a:r>
+            <a:r>
+              <a:rPr lang="en-US" altLang="zh-CN" sz="1600" dirty="0"/>
+              <a:t>) </a:t>
+            </a:r>
+            <a:r>
+              <a:rPr lang="en-US" altLang="zh-CN" sz="1600" dirty="0" err="1"/>
+              <a:t>stack.pop</a:t>
+            </a:r>
+            <a:r>
+              <a:rPr lang="en-US" altLang="zh-CN" sz="1600" dirty="0"/>
+              <a:t>();</a:t>
+            </a:r>
+          </a:p>
+          <a:p>
+            <a:r>
+              <a:rPr lang="en-US" altLang="zh-CN" sz="1600" dirty="0"/>
+              <a:t>			</a:t>
+            </a:r>
+            <a:r>
+              <a:rPr lang="en-US" altLang="zh-CN" sz="1600" dirty="0" err="1"/>
+              <a:t>stack.push</a:t>
+            </a:r>
+            <a:r>
+              <a:rPr lang="en-US" altLang="zh-CN" sz="1600" dirty="0"/>
+              <a:t>(new </a:t>
+            </a:r>
+            <a:r>
+              <a:rPr lang="en-US" altLang="zh-CN" sz="1600" dirty="0" err="1"/>
+              <a:t>BinaryNode</a:t>
             </a:r>
             <a:r>
               <a:rPr lang="en-US" altLang="zh-CN" sz="1600" dirty="0"/>
@@ -17879,17 +17477,41 @@
             </a:r>
             <a:r>
               <a:rPr lang="en-US" altLang="zh-CN" sz="1600" dirty="0" err="1"/>
-              <a:t>i</a:t>
+              <a:t>ch</a:t>
             </a:r>
             <a:r>
               <a:rPr lang="en-US" altLang="zh-CN" sz="1600" dirty="0"/>
-              <a:t>);</a:t>
-            </a:r>
-          </a:p>
-          <a:p>
-            <a:r>
-              <a:rPr lang="en-US" altLang="zh-CN" sz="1600" dirty="0" smtClean="0"/>
-              <a:t>		switch </a:t>
+              <a:t>, null, node));</a:t>
+            </a:r>
+          </a:p>
+          <a:p>
+            <a:r>
+              <a:rPr lang="en-US" altLang="zh-CN" sz="1600" dirty="0"/>
+              <a:t>			break;</a:t>
+            </a:r>
+          </a:p>
+          <a:p>
+            <a:r>
+              <a:rPr lang="en-US" altLang="zh-CN" sz="1600" dirty="0"/>
+              <a:t>		default:</a:t>
+            </a:r>
+          </a:p>
+          <a:p>
+            <a:r>
+              <a:rPr lang="en-US" altLang="zh-CN" sz="1600" dirty="0"/>
+              <a:t>			</a:t>
+            </a:r>
+            <a:r>
+              <a:rPr lang="en-US" altLang="zh-CN" sz="1600" dirty="0" err="1"/>
+              <a:t>stack.push</a:t>
+            </a:r>
+            <a:r>
+              <a:rPr lang="en-US" altLang="zh-CN" sz="1600" dirty="0"/>
+              <a:t>(new </a:t>
+            </a:r>
+            <a:r>
+              <a:rPr lang="en-US" altLang="zh-CN" sz="1600" dirty="0" err="1"/>
+              <a:t>BinaryNode</a:t>
             </a:r>
             <a:r>
               <a:rPr lang="en-US" altLang="zh-CN" sz="1600" dirty="0"/>
@@ -17901,35 +17523,31 @@
             </a:r>
             <a:r>
               <a:rPr lang="en-US" altLang="zh-CN" sz="1600" dirty="0"/>
-              <a:t>) {</a:t>
-            </a:r>
-          </a:p>
-          <a:p>
-            <a:r>
-              <a:rPr lang="en-US" altLang="zh-CN" sz="1600" dirty="0" smtClean="0"/>
-              <a:t>		case '+': case '-': case '*': case '/': case </a:t>
-            </a:r>
+              <a:t>, null, null));</a:t>
+            </a:r>
+          </a:p>
+          <a:p>
             <a:r>
               <a:rPr lang="en-US" altLang="zh-CN" sz="1600" dirty="0"/>
-              <a:t>'^':</a:t>
-            </a:r>
-          </a:p>
-          <a:p>
-            <a:r>
-              <a:rPr lang="en-US" altLang="zh-CN" sz="1600" dirty="0" smtClean="0"/>
-              <a:t>			</a:t>
-            </a:r>
-            <a:r>
-              <a:rPr lang="en-US" altLang="zh-CN" sz="1600" dirty="0" err="1" smtClean="0"/>
-              <a:t>BinaryNode</a:t>
-            </a:r>
-            <a:r>
-              <a:rPr lang="en-US" altLang="zh-CN" sz="1600" dirty="0" smtClean="0"/>
-              <a:t> </a:t>
-            </a:r>
+              <a:t>			break;</a:t>
+            </a:r>
+          </a:p>
+          <a:p>
             <a:r>
               <a:rPr lang="en-US" altLang="zh-CN" sz="1600" dirty="0"/>
-              <a:t>right = (</a:t>
+              <a:t>		}</a:t>
+            </a:r>
+          </a:p>
+          <a:p>
+            <a:r>
+              <a:rPr lang="en-US" altLang="zh-CN" sz="1600" dirty="0"/>
+              <a:t>	}</a:t>
+            </a:r>
+          </a:p>
+          <a:p>
+            <a:r>
+              <a:rPr lang="en-US" altLang="zh-CN" sz="1600" dirty="0"/>
+              <a:t>	return (</a:t>
             </a:r>
             <a:r>
               <a:rPr lang="en-US" altLang="zh-CN" sz="1600" dirty="0" err="1"/>
@@ -17950,254 +17568,7 @@
           </a:p>
           <a:p>
             <a:r>
-              <a:rPr lang="en-US" altLang="zh-CN" sz="1600" dirty="0" smtClean="0"/>
-              <a:t>			</a:t>
-            </a:r>
-            <a:r>
-              <a:rPr lang="en-US" altLang="zh-CN" sz="1600" dirty="0" err="1" smtClean="0"/>
-              <a:t>BinaryNode</a:t>
-            </a:r>
-            <a:r>
-              <a:rPr lang="en-US" altLang="zh-CN" sz="1600" dirty="0" smtClean="0"/>
-              <a:t> </a:t>
-            </a:r>
-            <a:r>
               <a:rPr lang="en-US" altLang="zh-CN" sz="1600" dirty="0"/>
-              <a:t>left = (</a:t>
-            </a:r>
-            <a:r>
-              <a:rPr lang="en-US" altLang="zh-CN" sz="1600" dirty="0" err="1"/>
-              <a:t>BinaryNode</a:t>
-            </a:r>
-            <a:r>
-              <a:rPr lang="en-US" altLang="zh-CN" sz="1600" dirty="0"/>
-              <a:t>) </a:t>
-            </a:r>
-            <a:r>
-              <a:rPr lang="en-US" altLang="zh-CN" sz="1600" dirty="0" err="1"/>
-              <a:t>stack.pop</a:t>
-            </a:r>
-            <a:r>
-              <a:rPr lang="en-US" altLang="zh-CN" sz="1600" dirty="0"/>
-              <a:t>();</a:t>
-            </a:r>
-          </a:p>
-          <a:p>
-            <a:r>
-              <a:rPr lang="en-US" altLang="zh-CN" sz="1600" dirty="0" smtClean="0"/>
-              <a:t>			</a:t>
-            </a:r>
-            <a:r>
-              <a:rPr lang="en-US" altLang="zh-CN" sz="1600" dirty="0" err="1" smtClean="0"/>
-              <a:t>stack.push</a:t>
-            </a:r>
-            <a:r>
-              <a:rPr lang="en-US" altLang="zh-CN" sz="1600" dirty="0" smtClean="0"/>
-              <a:t>(new </a:t>
-            </a:r>
-            <a:r>
-              <a:rPr lang="en-US" altLang="zh-CN" sz="1600" dirty="0" err="1"/>
-              <a:t>BinaryNode</a:t>
-            </a:r>
-            <a:r>
-              <a:rPr lang="en-US" altLang="zh-CN" sz="1600" dirty="0"/>
-              <a:t>(</a:t>
-            </a:r>
-            <a:r>
-              <a:rPr lang="en-US" altLang="zh-CN" sz="1600" dirty="0" err="1"/>
-              <a:t>ch</a:t>
-            </a:r>
-            <a:r>
-              <a:rPr lang="en-US" altLang="zh-CN" sz="1600" dirty="0"/>
-              <a:t>, left, right));</a:t>
-            </a:r>
-          </a:p>
-          <a:p>
-            <a:r>
-              <a:rPr lang="en-US" altLang="zh-CN" sz="1600" dirty="0" smtClean="0"/>
-              <a:t>			break</a:t>
-            </a:r>
-            <a:r>
-              <a:rPr lang="en-US" altLang="zh-CN" sz="1600" dirty="0"/>
-              <a:t>;</a:t>
-            </a:r>
-          </a:p>
-          <a:p>
-            <a:r>
-              <a:rPr lang="en-US" altLang="zh-CN" sz="1600" dirty="0" smtClean="0"/>
-              <a:t>		case </a:t>
-            </a:r>
-            <a:r>
-              <a:rPr lang="en-US" altLang="zh-CN" sz="1600" dirty="0"/>
-              <a:t>'~':</a:t>
-            </a:r>
-          </a:p>
-          <a:p>
-            <a:r>
-              <a:rPr lang="en-US" altLang="zh-CN" sz="1600" dirty="0" smtClean="0"/>
-              <a:t>			</a:t>
-            </a:r>
-            <a:r>
-              <a:rPr lang="en-US" altLang="zh-CN" sz="1600" dirty="0" err="1" smtClean="0"/>
-              <a:t>BinaryNode</a:t>
-            </a:r>
-            <a:r>
-              <a:rPr lang="en-US" altLang="zh-CN" sz="1600" dirty="0" smtClean="0"/>
-              <a:t> </a:t>
-            </a:r>
-            <a:r>
-              <a:rPr lang="en-US" altLang="zh-CN" sz="1600" dirty="0"/>
-              <a:t>node = (</a:t>
-            </a:r>
-            <a:r>
-              <a:rPr lang="en-US" altLang="zh-CN" sz="1600" dirty="0" err="1"/>
-              <a:t>BinaryNode</a:t>
-            </a:r>
-            <a:r>
-              <a:rPr lang="en-US" altLang="zh-CN" sz="1600" dirty="0"/>
-              <a:t>) </a:t>
-            </a:r>
-            <a:r>
-              <a:rPr lang="en-US" altLang="zh-CN" sz="1600" dirty="0" err="1"/>
-              <a:t>stack.pop</a:t>
-            </a:r>
-            <a:r>
-              <a:rPr lang="en-US" altLang="zh-CN" sz="1600" dirty="0"/>
-              <a:t>();</a:t>
-            </a:r>
-          </a:p>
-          <a:p>
-            <a:r>
-              <a:rPr lang="en-US" altLang="zh-CN" sz="1600" dirty="0" smtClean="0"/>
-              <a:t>			</a:t>
-            </a:r>
-            <a:r>
-              <a:rPr lang="en-US" altLang="zh-CN" sz="1600" dirty="0" err="1" smtClean="0"/>
-              <a:t>stack.push</a:t>
-            </a:r>
-            <a:r>
-              <a:rPr lang="en-US" altLang="zh-CN" sz="1600" dirty="0" smtClean="0"/>
-              <a:t>(new </a:t>
-            </a:r>
-            <a:r>
-              <a:rPr lang="en-US" altLang="zh-CN" sz="1600" dirty="0" err="1"/>
-              <a:t>BinaryNode</a:t>
-            </a:r>
-            <a:r>
-              <a:rPr lang="en-US" altLang="zh-CN" sz="1600" dirty="0"/>
-              <a:t>(</a:t>
-            </a:r>
-            <a:r>
-              <a:rPr lang="en-US" altLang="zh-CN" sz="1600" dirty="0" err="1"/>
-              <a:t>ch</a:t>
-            </a:r>
-            <a:r>
-              <a:rPr lang="en-US" altLang="zh-CN" sz="1600" dirty="0"/>
-              <a:t>, null, node));</a:t>
-            </a:r>
-          </a:p>
-          <a:p>
-            <a:r>
-              <a:rPr lang="en-US" altLang="zh-CN" sz="1600" dirty="0" smtClean="0"/>
-              <a:t>			break</a:t>
-            </a:r>
-            <a:r>
-              <a:rPr lang="en-US" altLang="zh-CN" sz="1600" dirty="0"/>
-              <a:t>;</a:t>
-            </a:r>
-          </a:p>
-          <a:p>
-            <a:r>
-              <a:rPr lang="en-US" altLang="zh-CN" sz="1600" dirty="0" smtClean="0"/>
-              <a:t>		default</a:t>
-            </a:r>
-            <a:r>
-              <a:rPr lang="en-US" altLang="zh-CN" sz="1600" dirty="0"/>
-              <a:t>:</a:t>
-            </a:r>
-          </a:p>
-          <a:p>
-            <a:r>
-              <a:rPr lang="en-US" altLang="zh-CN" sz="1600" dirty="0" smtClean="0"/>
-              <a:t>			</a:t>
-            </a:r>
-            <a:r>
-              <a:rPr lang="en-US" altLang="zh-CN" sz="1600" dirty="0" err="1" smtClean="0"/>
-              <a:t>stack.push</a:t>
-            </a:r>
-            <a:r>
-              <a:rPr lang="en-US" altLang="zh-CN" sz="1600" dirty="0" smtClean="0"/>
-              <a:t>(new </a:t>
-            </a:r>
-            <a:r>
-              <a:rPr lang="en-US" altLang="zh-CN" sz="1600" dirty="0" err="1"/>
-              <a:t>BinaryNode</a:t>
-            </a:r>
-            <a:r>
-              <a:rPr lang="en-US" altLang="zh-CN" sz="1600" dirty="0"/>
-              <a:t>(</a:t>
-            </a:r>
-            <a:r>
-              <a:rPr lang="en-US" altLang="zh-CN" sz="1600" dirty="0" err="1"/>
-              <a:t>ch</a:t>
-            </a:r>
-            <a:r>
-              <a:rPr lang="en-US" altLang="zh-CN" sz="1600" dirty="0"/>
-              <a:t>, null, null));</a:t>
-            </a:r>
-          </a:p>
-          <a:p>
-            <a:r>
-              <a:rPr lang="en-US" altLang="zh-CN" sz="1600" dirty="0" smtClean="0"/>
-              <a:t>			break</a:t>
-            </a:r>
-            <a:r>
-              <a:rPr lang="en-US" altLang="zh-CN" sz="1600" dirty="0"/>
-              <a:t>;</a:t>
-            </a:r>
-          </a:p>
-          <a:p>
-            <a:r>
-              <a:rPr lang="en-US" altLang="zh-CN" sz="1600" dirty="0" smtClean="0"/>
-              <a:t>		}</a:t>
-            </a:r>
-            <a:endParaRPr lang="en-US" altLang="zh-CN" sz="1600" dirty="0"/>
-          </a:p>
-          <a:p>
-            <a:r>
-              <a:rPr lang="en-US" altLang="zh-CN" sz="1600" dirty="0" smtClean="0"/>
-              <a:t>	}</a:t>
-            </a:r>
-          </a:p>
-          <a:p>
-            <a:r>
-              <a:rPr lang="en-US" altLang="zh-CN" sz="1600" dirty="0" smtClean="0"/>
-              <a:t>	return </a:t>
-            </a:r>
-            <a:r>
-              <a:rPr lang="en-US" altLang="zh-CN" sz="1600" dirty="0"/>
-              <a:t>(</a:t>
-            </a:r>
-            <a:r>
-              <a:rPr lang="en-US" altLang="zh-CN" sz="1600" dirty="0" err="1"/>
-              <a:t>BinaryNode</a:t>
-            </a:r>
-            <a:r>
-              <a:rPr lang="en-US" altLang="zh-CN" sz="1600" dirty="0"/>
-              <a:t>) </a:t>
-            </a:r>
-            <a:r>
-              <a:rPr lang="en-US" altLang="zh-CN" sz="1600" dirty="0" err="1"/>
-              <a:t>stack.pop</a:t>
-            </a:r>
-            <a:r>
-              <a:rPr lang="en-US" altLang="zh-CN" sz="1600" dirty="0"/>
-              <a:t>();</a:t>
-            </a:r>
-          </a:p>
-          <a:p>
-            <a:r>
-              <a:rPr lang="en-US" altLang="zh-CN" sz="1600" dirty="0" smtClean="0"/>
               <a:t>}</a:t>
             </a:r>
             <a:endParaRPr lang="zh-CN" altLang="en-US" sz="1600" dirty="0"/>
@@ -18214,13 +17585,6 @@
   <p:clrMapOvr>
     <a:masterClrMapping/>
   </p:clrMapOvr>
-  <p:timing>
-    <p:tnLst>
-      <p:par>
-        <p:cTn id="1" dur="indefinite" restart="never" nodeType="tmRoot"/>
-      </p:par>
-    </p:tnLst>
-  </p:timing>
 </p:sld>
 </file>
 
@@ -18260,45 +17624,20 @@
           <a:p>
             <a:r>
               <a:rPr lang="en-US" altLang="zh-CN" sz="2800" dirty="0"/>
-              <a:t>7</a:t>
-            </a:r>
-            <a:r>
-              <a:rPr lang="en-US" altLang="zh-CN" sz="2800" dirty="0" smtClean="0"/>
-              <a:t>.</a:t>
-            </a:r>
-            <a:r>
-              <a:rPr lang="zh-CN" altLang="en-US" sz="2800" dirty="0" smtClean="0"/>
-              <a:t>给定</a:t>
+              <a:t>7.</a:t>
             </a:r>
             <a:r>
               <a:rPr lang="zh-CN" altLang="en-US" sz="2800" dirty="0"/>
-              <a:t>权值</a:t>
-            </a:r>
-            <a:r>
-              <a:rPr lang="en-US" altLang="zh-CN" sz="2800" dirty="0" smtClean="0"/>
+              <a:t>给定权值</a:t>
+            </a:r>
+            <a:r>
+              <a:rPr lang="en-US" altLang="zh-CN" sz="2800" dirty="0"/>
               <a:t>{15,03,14,02,06,09,16,17},</a:t>
             </a:r>
             <a:r>
-              <a:rPr lang="zh-CN" altLang="en-US" sz="2800" dirty="0" smtClean="0"/>
-              <a:t>构造</a:t>
-            </a:r>
-            <a:r>
               <a:rPr lang="zh-CN" altLang="en-US" sz="2800" dirty="0"/>
-              <a:t>相应的霍夫曼树，并计算它的</a:t>
-            </a:r>
-            <a:r>
-              <a:rPr lang="zh-CN" altLang="en-US" sz="2800" dirty="0" smtClean="0"/>
-              <a:t>带权外</a:t>
-            </a:r>
-            <a:r>
-              <a:rPr lang="zh-CN" altLang="en-US" sz="2800" dirty="0"/>
-              <a:t>路径长度</a:t>
-            </a:r>
-            <a:r>
-              <a:rPr lang="zh-CN" altLang="en-US" sz="2800" dirty="0" smtClean="0"/>
-              <a:t>。</a:t>
-            </a:r>
-            <a:endParaRPr lang="zh-CN" altLang="en-US" sz="2800" dirty="0"/>
+              <a:t>构造相应的霍夫曼树，并计算它的带权外路径长度。</a:t>
+            </a:r>
           </a:p>
         </p:txBody>
       </p:sp>
@@ -18337,7 +17676,7 @@
           <a:p>
             <a:pPr algn="ctr"/>
             <a:r>
-              <a:rPr lang="en-US" altLang="zh-CN" dirty="0" smtClean="0"/>
+              <a:rPr lang="en-US" altLang="zh-CN" dirty="0"/>
               <a:t>2</a:t>
             </a:r>
             <a:endParaRPr lang="zh-CN" altLang="en-US" dirty="0"/>
@@ -18379,7 +17718,7 @@
           <a:p>
             <a:pPr algn="ctr"/>
             <a:r>
-              <a:rPr lang="en-US" altLang="zh-CN" dirty="0" smtClean="0"/>
+              <a:rPr lang="en-US" altLang="zh-CN" dirty="0"/>
               <a:t>3</a:t>
             </a:r>
             <a:endParaRPr lang="zh-CN" altLang="en-US" dirty="0"/>
@@ -18421,7 +17760,7 @@
           <a:p>
             <a:pPr algn="ctr"/>
             <a:r>
-              <a:rPr lang="en-US" altLang="zh-CN" dirty="0" smtClean="0"/>
+              <a:rPr lang="en-US" altLang="zh-CN" dirty="0"/>
               <a:t>5</a:t>
             </a:r>
             <a:endParaRPr lang="zh-CN" altLang="en-US" dirty="0"/>
@@ -18463,7 +17802,7 @@
           <a:p>
             <a:pPr algn="ctr"/>
             <a:r>
-              <a:rPr lang="en-US" altLang="zh-CN" dirty="0" smtClean="0"/>
+              <a:rPr lang="en-US" altLang="zh-CN" dirty="0"/>
               <a:t>6</a:t>
             </a:r>
             <a:endParaRPr lang="zh-CN" altLang="en-US" dirty="0"/>
@@ -18505,7 +17844,7 @@
           <a:p>
             <a:pPr algn="ctr"/>
             <a:r>
-              <a:rPr lang="en-US" altLang="zh-CN" dirty="0" smtClean="0"/>
+              <a:rPr lang="en-US" altLang="zh-CN" dirty="0"/>
               <a:t>11</a:t>
             </a:r>
             <a:endParaRPr lang="zh-CN" altLang="en-US" dirty="0"/>
@@ -18547,7 +17886,7 @@
           <a:p>
             <a:pPr algn="ctr"/>
             <a:r>
-              <a:rPr lang="en-US" altLang="zh-CN" dirty="0" smtClean="0"/>
+              <a:rPr lang="en-US" altLang="zh-CN" dirty="0"/>
               <a:t>9</a:t>
             </a:r>
             <a:endParaRPr lang="zh-CN" altLang="en-US" dirty="0"/>
@@ -18589,7 +17928,7 @@
           <a:p>
             <a:pPr algn="ctr"/>
             <a:r>
-              <a:rPr lang="en-US" altLang="zh-CN" dirty="0" smtClean="0"/>
+              <a:rPr lang="en-US" altLang="zh-CN" dirty="0"/>
               <a:t>20</a:t>
             </a:r>
             <a:endParaRPr lang="zh-CN" altLang="en-US" dirty="0"/>
@@ -18631,7 +17970,7 @@
           <a:p>
             <a:pPr algn="ctr"/>
             <a:r>
-              <a:rPr lang="en-US" altLang="zh-CN" dirty="0" smtClean="0"/>
+              <a:rPr lang="en-US" altLang="zh-CN" dirty="0"/>
               <a:t>14</a:t>
             </a:r>
             <a:endParaRPr lang="zh-CN" altLang="en-US" dirty="0"/>
@@ -18673,7 +18012,7 @@
           <a:p>
             <a:pPr algn="ctr"/>
             <a:r>
-              <a:rPr lang="en-US" altLang="zh-CN" dirty="0" smtClean="0"/>
+              <a:rPr lang="en-US" altLang="zh-CN" dirty="0"/>
               <a:t>15</a:t>
             </a:r>
             <a:endParaRPr lang="zh-CN" altLang="en-US" dirty="0"/>
@@ -18715,7 +18054,7 @@
           <a:p>
             <a:pPr algn="ctr"/>
             <a:r>
-              <a:rPr lang="en-US" altLang="zh-CN" dirty="0" smtClean="0"/>
+              <a:rPr lang="en-US" altLang="zh-CN" dirty="0"/>
               <a:t>29</a:t>
             </a:r>
             <a:endParaRPr lang="zh-CN" altLang="en-US" dirty="0"/>
@@ -18757,7 +18096,7 @@
           <a:p>
             <a:pPr algn="ctr"/>
             <a:r>
-              <a:rPr lang="en-US" altLang="zh-CN" dirty="0" smtClean="0"/>
+              <a:rPr lang="en-US" altLang="zh-CN" dirty="0"/>
               <a:t>16</a:t>
             </a:r>
             <a:endParaRPr lang="zh-CN" altLang="en-US" dirty="0"/>
@@ -18799,7 +18138,7 @@
           <a:p>
             <a:pPr algn="ctr"/>
             <a:r>
-              <a:rPr lang="en-US" altLang="zh-CN" dirty="0" smtClean="0"/>
+              <a:rPr lang="en-US" altLang="zh-CN" dirty="0"/>
               <a:t>17</a:t>
             </a:r>
             <a:endParaRPr lang="zh-CN" altLang="en-US" dirty="0"/>
@@ -18841,7 +18180,7 @@
           <a:p>
             <a:pPr algn="ctr"/>
             <a:r>
-              <a:rPr lang="en-US" altLang="zh-CN" dirty="0" smtClean="0"/>
+              <a:rPr lang="en-US" altLang="zh-CN" dirty="0"/>
               <a:t>33</a:t>
             </a:r>
             <a:endParaRPr lang="zh-CN" altLang="en-US" dirty="0"/>
@@ -18883,7 +18222,7 @@
           <a:p>
             <a:pPr algn="ctr"/>
             <a:r>
-              <a:rPr lang="en-US" altLang="zh-CN" dirty="0" smtClean="0"/>
+              <a:rPr lang="en-US" altLang="zh-CN" dirty="0"/>
               <a:t>49</a:t>
             </a:r>
             <a:endParaRPr lang="zh-CN" altLang="en-US" dirty="0"/>
@@ -18925,7 +18264,7 @@
           <a:p>
             <a:pPr algn="ctr"/>
             <a:r>
-              <a:rPr lang="en-US" altLang="zh-CN" dirty="0" smtClean="0"/>
+              <a:rPr lang="en-US" altLang="zh-CN" dirty="0"/>
               <a:t>82</a:t>
             </a:r>
             <a:endParaRPr lang="zh-CN" altLang="en-US" dirty="0"/>
@@ -19510,12 +18849,8 @@
           <a:lstStyle/>
           <a:p>
             <a:r>
-              <a:rPr lang="en-US" altLang="zh-CN" dirty="0" smtClean="0"/>
-              <a:t>5 </a:t>
-            </a:r>
-            <a:r>
-              <a:rPr lang="en-US" altLang="zh-CN" dirty="0"/>
-              <a:t>6 9 14 15 16 17</a:t>
+              <a:rPr lang="en-US" altLang="zh-CN" dirty="0"/>
+              <a:t>5 6 9 14 15 16 17</a:t>
             </a:r>
             <a:endParaRPr lang="zh-CN" altLang="en-US" dirty="0"/>
           </a:p>
@@ -19555,7 +18890,7 @@
           <a:lstStyle/>
           <a:p>
             <a:r>
-              <a:rPr lang="en-US" altLang="zh-CN" dirty="0" smtClean="0"/>
+              <a:rPr lang="en-US" altLang="zh-CN" dirty="0"/>
               <a:t>2 + 3 -&gt; 5</a:t>
             </a:r>
             <a:endParaRPr lang="zh-CN" altLang="en-US" dirty="0"/>
@@ -19597,11 +18932,7 @@
           <a:p>
             <a:r>
               <a:rPr lang="en-US" altLang="zh-CN" dirty="0"/>
-              <a:t>5</a:t>
-            </a:r>
-            <a:r>
-              <a:rPr lang="en-US" altLang="zh-CN" dirty="0" smtClean="0"/>
-              <a:t> + 6 -&gt; 11</a:t>
+              <a:t>5 + 6 -&gt; 11</a:t>
             </a:r>
             <a:endParaRPr lang="zh-CN" altLang="en-US" dirty="0"/>
           </a:p>
@@ -19641,12 +18972,8 @@
           <a:lstStyle/>
           <a:p>
             <a:r>
-              <a:rPr lang="en-US" altLang="zh-CN" dirty="0" smtClean="0"/>
-              <a:t>9 11 </a:t>
-            </a:r>
-            <a:r>
-              <a:rPr lang="en-US" altLang="zh-CN" dirty="0"/>
-              <a:t>14 15 16 17</a:t>
+              <a:rPr lang="en-US" altLang="zh-CN" dirty="0"/>
+              <a:t>9 11 14 15 16 17</a:t>
             </a:r>
             <a:endParaRPr lang="zh-CN" altLang="en-US" dirty="0"/>
           </a:p>
@@ -19686,7 +19013,7 @@
           <a:lstStyle/>
           <a:p>
             <a:r>
-              <a:rPr lang="en-US" altLang="zh-CN" dirty="0" smtClean="0"/>
+              <a:rPr lang="en-US" altLang="zh-CN" dirty="0"/>
               <a:t>9 + 11 -&gt; 20</a:t>
             </a:r>
             <a:endParaRPr lang="zh-CN" altLang="en-US" dirty="0"/>
@@ -19727,16 +19054,8 @@
           <a:lstStyle/>
           <a:p>
             <a:r>
-              <a:rPr lang="en-US" altLang="zh-CN" dirty="0" smtClean="0"/>
-              <a:t>14 </a:t>
-            </a:r>
-            <a:r>
-              <a:rPr lang="en-US" altLang="zh-CN" dirty="0"/>
-              <a:t>15 16 </a:t>
-            </a:r>
-            <a:r>
-              <a:rPr lang="en-US" altLang="zh-CN" dirty="0" smtClean="0"/>
-              <a:t>17 20</a:t>
+              <a:rPr lang="en-US" altLang="zh-CN" dirty="0"/>
+              <a:t>14 15 16 17 20</a:t>
             </a:r>
             <a:endParaRPr lang="zh-CN" altLang="en-US" dirty="0"/>
           </a:p>
@@ -19776,7 +19095,7 @@
           <a:lstStyle/>
           <a:p>
             <a:r>
-              <a:rPr lang="en-US" altLang="zh-CN" dirty="0" smtClean="0"/>
+              <a:rPr lang="en-US" altLang="zh-CN" dirty="0"/>
               <a:t>14 + 15 -&gt; 29</a:t>
             </a:r>
             <a:endParaRPr lang="zh-CN" altLang="en-US" dirty="0"/>
@@ -19817,7 +19136,7 @@
           <a:lstStyle/>
           <a:p>
             <a:r>
-              <a:rPr lang="en-US" altLang="zh-CN" dirty="0" smtClean="0"/>
+              <a:rPr lang="en-US" altLang="zh-CN" dirty="0"/>
               <a:t>16 17 20 29</a:t>
             </a:r>
             <a:endParaRPr lang="zh-CN" altLang="en-US" dirty="0"/>
@@ -19858,7 +19177,7 @@
           <a:lstStyle/>
           <a:p>
             <a:r>
-              <a:rPr lang="en-US" altLang="zh-CN" dirty="0" smtClean="0"/>
+              <a:rPr lang="en-US" altLang="zh-CN" dirty="0"/>
               <a:t>16 + 17 -&gt; 33</a:t>
             </a:r>
             <a:endParaRPr lang="zh-CN" altLang="en-US" dirty="0"/>
@@ -19899,7 +19218,7 @@
           <a:lstStyle/>
           <a:p>
             <a:r>
-              <a:rPr lang="en-US" altLang="zh-CN" dirty="0" smtClean="0"/>
+              <a:rPr lang="en-US" altLang="zh-CN" dirty="0"/>
               <a:t>20 29 33</a:t>
             </a:r>
             <a:endParaRPr lang="zh-CN" altLang="en-US" dirty="0"/>
@@ -19940,7 +19259,7 @@
           <a:lstStyle/>
           <a:p>
             <a:r>
-              <a:rPr lang="en-US" altLang="zh-CN" dirty="0" smtClean="0"/>
+              <a:rPr lang="en-US" altLang="zh-CN" dirty="0"/>
               <a:t>20 + 29 -&gt; 49</a:t>
             </a:r>
             <a:endParaRPr lang="zh-CN" altLang="en-US" dirty="0"/>
@@ -19981,7 +19300,7 @@
           <a:lstStyle/>
           <a:p>
             <a:r>
-              <a:rPr lang="en-US" altLang="zh-CN" dirty="0" smtClean="0"/>
+              <a:rPr lang="en-US" altLang="zh-CN" dirty="0"/>
               <a:t>33 49</a:t>
             </a:r>
             <a:endParaRPr lang="zh-CN" altLang="en-US" dirty="0"/>
@@ -20022,16 +19341,12 @@
           <a:lstStyle/>
           <a:p>
             <a:r>
-              <a:rPr lang="zh-CN" altLang="en-US" dirty="0" smtClean="0"/>
+              <a:rPr lang="zh-CN" altLang="en-US" dirty="0"/>
               <a:t>带权外路径长度：</a:t>
             </a:r>
             <a:r>
-              <a:rPr lang="en-US" altLang="zh-CN" dirty="0" smtClean="0"/>
-              <a:t>2 </a:t>
-            </a:r>
-            <a:r>
-              <a:rPr lang="en-US" altLang="zh-CN" dirty="0"/>
-              <a:t>* 5 + 3 * 5 + 6 * 4 + 9 * 3 + 14 * 3 + 15 </a:t>
+              <a:rPr lang="en-US" altLang="zh-CN" dirty="0"/>
+              <a:t>2 * 5 + 3 * 5 + 6 * 4 + 9 * 3 + 14 * 3 + 15 </a:t>
             </a:r>
             <a:r>
               <a:rPr lang="zh-CN" altLang="en-US" dirty="0"/>
@@ -20071,13 +19386,6 @@
   <p:clrMapOvr>
     <a:masterClrMapping/>
   </p:clrMapOvr>
-  <p:timing>
-    <p:tnLst>
-      <p:par>
-        <p:cTn id="1" dur="indefinite" restart="never" nodeType="tmRoot"/>
-      </p:par>
-    </p:tnLst>
-  </p:timing>
 </p:sld>
 </file>
 
@@ -20116,28 +19424,20 @@
           <a:lstStyle/>
           <a:p>
             <a:r>
-              <a:rPr lang="en-US" altLang="zh-CN" sz="2800" dirty="0" smtClean="0"/>
+              <a:rPr lang="en-US" altLang="zh-CN" sz="2800" dirty="0"/>
               <a:t>8.c1,c2,c3,c4,c5,c6,c7,c8</a:t>
             </a:r>
             <a:r>
               <a:rPr lang="zh-CN" altLang="en-US" sz="2800" dirty="0"/>
-              <a:t>这八个字母的出现频率</a:t>
-            </a:r>
-            <a:r>
-              <a:rPr lang="zh-CN" altLang="en-US" sz="2800" dirty="0" smtClean="0"/>
-              <a:t>分别</a:t>
-            </a:r>
-            <a:r>
-              <a:rPr lang="en-US" altLang="zh-CN" sz="2800" dirty="0" smtClean="0"/>
+              <a:t>这八个字母的出现频率分别</a:t>
+            </a:r>
+            <a:r>
+              <a:rPr lang="en-US" altLang="zh-CN" sz="2800" dirty="0"/>
               <a:t>{5,25,3,6,10,11,36,4}</a:t>
             </a:r>
             <a:r>
-              <a:rPr lang="zh-CN" altLang="en-US" sz="2800" dirty="0" smtClean="0"/>
-              <a:t>为</a:t>
-            </a:r>
-            <a:r>
               <a:rPr lang="zh-CN" altLang="en-US" sz="2800" dirty="0"/>
-              <a:t>这八个字母设计不等长的</a:t>
+              <a:t>为这八个字母设计不等长的</a:t>
             </a:r>
             <a:r>
               <a:rPr lang="en-US" altLang="zh-CN" sz="2800" dirty="0"/>
@@ -20148,24 +19448,12 @@
               <a:t>编码</a:t>
             </a:r>
             <a:r>
-              <a:rPr lang="en-US" altLang="zh-CN" sz="2800" dirty="0" smtClean="0"/>
+              <a:rPr lang="en-US" altLang="zh-CN" sz="2800" dirty="0"/>
               <a:t>,</a:t>
             </a:r>
             <a:r>
-              <a:rPr lang="zh-CN" altLang="en-US" sz="2800" dirty="0" smtClean="0"/>
-              <a:t>并给出</a:t>
-            </a:r>
-            <a:r>
               <a:rPr lang="zh-CN" altLang="en-US" sz="2800" dirty="0"/>
-              <a:t>该电文的总码</a:t>
-            </a:r>
-            <a:r>
-              <a:rPr lang="zh-CN" altLang="en-US" sz="2800" dirty="0" smtClean="0"/>
-              <a:t>数</a:t>
-            </a:r>
-            <a:r>
-              <a:rPr lang="zh-CN" altLang="en-US" sz="2800" dirty="0"/>
-              <a:t>。</a:t>
+              <a:t>并给出该电文的总码数。</a:t>
             </a:r>
           </a:p>
         </p:txBody>
@@ -20204,7 +19492,7 @@
           <a:lstStyle/>
           <a:p>
             <a:r>
-              <a:rPr lang="en-US" altLang="zh-CN" dirty="0" smtClean="0"/>
+              <a:rPr lang="en-US" altLang="zh-CN" dirty="0"/>
               <a:t>3 4 5 6 10 11 25 36</a:t>
             </a:r>
             <a:endParaRPr lang="zh-CN" altLang="en-US" dirty="0"/>
@@ -20245,7 +19533,7 @@
           <a:lstStyle/>
           <a:p>
             <a:r>
-              <a:rPr lang="en-US" altLang="zh-CN" dirty="0" smtClean="0"/>
+              <a:rPr lang="en-US" altLang="zh-CN" dirty="0"/>
               <a:t>3 + 4 -&gt; 7</a:t>
             </a:r>
             <a:endParaRPr lang="zh-CN" altLang="en-US" dirty="0"/>
@@ -20286,7 +19574,7 @@
           <a:lstStyle/>
           <a:p>
             <a:r>
-              <a:rPr lang="en-US" altLang="zh-CN" dirty="0" smtClean="0"/>
+              <a:rPr lang="en-US" altLang="zh-CN" dirty="0"/>
               <a:t>5 6 7 10 11 25 36</a:t>
             </a:r>
             <a:endParaRPr lang="zh-CN" altLang="en-US" dirty="0"/>
@@ -20328,11 +19616,7 @@
           <a:p>
             <a:r>
               <a:rPr lang="en-US" altLang="zh-CN" dirty="0"/>
-              <a:t>5</a:t>
-            </a:r>
-            <a:r>
-              <a:rPr lang="en-US" altLang="zh-CN" dirty="0" smtClean="0"/>
-              <a:t> + 6 -&gt; 11</a:t>
+              <a:t>5 + 6 -&gt; 11</a:t>
             </a:r>
             <a:endParaRPr lang="zh-CN" altLang="en-US" dirty="0"/>
           </a:p>
@@ -20372,99 +19656,9 @@
           <a:lstStyle/>
           <a:p>
             <a:r>
-              <a:rPr lang="en-US" altLang="zh-CN" dirty="0" smtClean="0"/>
+              <a:rPr lang="en-US" altLang="zh-CN" dirty="0"/>
               <a:t>7 10 </a:t>
             </a:r>
-            <a:r>
-              <a:rPr lang="en-US" altLang="zh-CN" dirty="0" smtClean="0">
-                <a:solidFill>
-                  <a:schemeClr val="tx1"/>
-                </a:solidFill>
-              </a:rPr>
-              <a:t>11</a:t>
-            </a:r>
-            <a:r>
-              <a:rPr lang="en-US" altLang="zh-CN" dirty="0" smtClean="0"/>
-              <a:t> 11 25 36</a:t>
-            </a:r>
-            <a:endParaRPr lang="zh-CN" altLang="en-US" dirty="0"/>
-          </a:p>
-        </p:txBody>
-      </p:sp>
-      <p:sp>
-        <p:nvSpPr>
-          <p:cNvPr id="10" name="圆角矩形 9"/>
-          <p:cNvSpPr/>
-          <p:nvPr/>
-        </p:nvSpPr>
-        <p:spPr>
-          <a:xfrm>
-            <a:off x="778078" y="3140968"/>
-            <a:ext cx="1467163" cy="288032"/>
-          </a:xfrm>
-          <a:prstGeom prst="roundRect">
-            <a:avLst/>
-          </a:prstGeom>
-        </p:spPr>
-        <p:style>
-          <a:lnRef idx="2">
-            <a:schemeClr val="accent6"/>
-          </a:lnRef>
-          <a:fillRef idx="1">
-            <a:schemeClr val="lt1"/>
-          </a:fillRef>
-          <a:effectRef idx="0">
-            <a:schemeClr val="accent6"/>
-          </a:effectRef>
-          <a:fontRef idx="minor">
-            <a:schemeClr val="dk1"/>
-          </a:fontRef>
-        </p:style>
-        <p:txBody>
-          <a:bodyPr rtlCol="0" anchor="ctr"/>
-          <a:lstStyle/>
-          <a:p>
-            <a:r>
-              <a:rPr lang="en-US" altLang="zh-CN" dirty="0" smtClean="0"/>
-              <a:t>7 + 10 -&gt; 17</a:t>
-            </a:r>
-            <a:endParaRPr lang="zh-CN" altLang="en-US" dirty="0"/>
-          </a:p>
-        </p:txBody>
-      </p:sp>
-      <p:sp>
-        <p:nvSpPr>
-          <p:cNvPr id="11" name="圆角矩形 10"/>
-          <p:cNvSpPr/>
-          <p:nvPr/>
-        </p:nvSpPr>
-        <p:spPr>
-          <a:xfrm>
-            <a:off x="395536" y="3429000"/>
-            <a:ext cx="2232248" cy="288032"/>
-          </a:xfrm>
-          <a:prstGeom prst="roundRect">
-            <a:avLst/>
-          </a:prstGeom>
-        </p:spPr>
-        <p:style>
-          <a:lnRef idx="2">
-            <a:schemeClr val="accent1"/>
-          </a:lnRef>
-          <a:fillRef idx="1">
-            <a:schemeClr val="lt1"/>
-          </a:fillRef>
-          <a:effectRef idx="0">
-            <a:schemeClr val="accent1"/>
-          </a:effectRef>
-          <a:fontRef idx="minor">
-            <a:schemeClr val="dk1"/>
-          </a:fontRef>
-        </p:style>
-        <p:txBody>
-          <a:bodyPr rtlCol="0" anchor="ctr"/>
-          <a:lstStyle/>
-          <a:p>
             <a:r>
               <a:rPr lang="en-US" altLang="zh-CN" dirty="0">
                 <a:solidFill>
@@ -20474,8 +19668,8 @@
               <a:t>11</a:t>
             </a:r>
             <a:r>
-              <a:rPr lang="en-US" altLang="zh-CN" dirty="0" smtClean="0"/>
-              <a:t> 11 17 25 36</a:t>
+              <a:rPr lang="en-US" altLang="zh-CN" dirty="0"/>
+              <a:t> 11 25 36</a:t>
             </a:r>
             <a:endParaRPr lang="zh-CN" altLang="en-US" dirty="0"/>
           </a:p>
@@ -20483,14 +19677,14 @@
       </p:sp>
       <p:sp>
         <p:nvSpPr>
-          <p:cNvPr id="12" name="圆角矩形 11"/>
+          <p:cNvPr id="10" name="圆角矩形 9"/>
           <p:cNvSpPr/>
           <p:nvPr/>
         </p:nvSpPr>
         <p:spPr>
           <a:xfrm>
-            <a:off x="694819" y="3789040"/>
-            <a:ext cx="1633682" cy="288032"/>
+            <a:off x="778078" y="3140968"/>
+            <a:ext cx="1467163" cy="288032"/>
           </a:xfrm>
           <a:prstGeom prst="roundRect">
             <a:avLst/>
@@ -20505,6 +19699,47 @@
           </a:fillRef>
           <a:effectRef idx="0">
             <a:schemeClr val="accent6"/>
+          </a:effectRef>
+          <a:fontRef idx="minor">
+            <a:schemeClr val="dk1"/>
+          </a:fontRef>
+        </p:style>
+        <p:txBody>
+          <a:bodyPr rtlCol="0" anchor="ctr"/>
+          <a:lstStyle/>
+          <a:p>
+            <a:r>
+              <a:rPr lang="en-US" altLang="zh-CN" dirty="0"/>
+              <a:t>7 + 10 -&gt; 17</a:t>
+            </a:r>
+            <a:endParaRPr lang="zh-CN" altLang="en-US" dirty="0"/>
+          </a:p>
+        </p:txBody>
+      </p:sp>
+      <p:sp>
+        <p:nvSpPr>
+          <p:cNvPr id="11" name="圆角矩形 10"/>
+          <p:cNvSpPr/>
+          <p:nvPr/>
+        </p:nvSpPr>
+        <p:spPr>
+          <a:xfrm>
+            <a:off x="395536" y="3429000"/>
+            <a:ext cx="2232248" cy="288032"/>
+          </a:xfrm>
+          <a:prstGeom prst="roundRect">
+            <a:avLst/>
+          </a:prstGeom>
+        </p:spPr>
+        <p:style>
+          <a:lnRef idx="2">
+            <a:schemeClr val="accent1"/>
+          </a:lnRef>
+          <a:fillRef idx="1">
+            <a:schemeClr val="lt1"/>
+          </a:fillRef>
+          <a:effectRef idx="0">
+            <a:schemeClr val="accent1"/>
           </a:effectRef>
           <a:fontRef idx="minor">
             <a:schemeClr val="dk1"/>
@@ -20523,7 +19758,56 @@
               <a:t>11</a:t>
             </a:r>
             <a:r>
-              <a:rPr lang="en-US" altLang="zh-CN" dirty="0" smtClean="0"/>
+              <a:rPr lang="en-US" altLang="zh-CN" dirty="0"/>
+              <a:t> 11 17 25 36</a:t>
+            </a:r>
+            <a:endParaRPr lang="zh-CN" altLang="en-US" dirty="0"/>
+          </a:p>
+        </p:txBody>
+      </p:sp>
+      <p:sp>
+        <p:nvSpPr>
+          <p:cNvPr id="12" name="圆角矩形 11"/>
+          <p:cNvSpPr/>
+          <p:nvPr/>
+        </p:nvSpPr>
+        <p:spPr>
+          <a:xfrm>
+            <a:off x="694819" y="3789040"/>
+            <a:ext cx="1633682" cy="288032"/>
+          </a:xfrm>
+          <a:prstGeom prst="roundRect">
+            <a:avLst/>
+          </a:prstGeom>
+        </p:spPr>
+        <p:style>
+          <a:lnRef idx="2">
+            <a:schemeClr val="accent6"/>
+          </a:lnRef>
+          <a:fillRef idx="1">
+            <a:schemeClr val="lt1"/>
+          </a:fillRef>
+          <a:effectRef idx="0">
+            <a:schemeClr val="accent6"/>
+          </a:effectRef>
+          <a:fontRef idx="minor">
+            <a:schemeClr val="dk1"/>
+          </a:fontRef>
+        </p:style>
+        <p:txBody>
+          <a:bodyPr rtlCol="0" anchor="ctr"/>
+          <a:lstStyle/>
+          <a:p>
+            <a:r>
+              <a:rPr lang="en-US" altLang="zh-CN" dirty="0">
+                <a:solidFill>
+                  <a:schemeClr val="tx1"/>
+                </a:solidFill>
+              </a:rPr>
+              <a:t>11</a:t>
+            </a:r>
+            <a:r>
+              <a:rPr lang="en-US" altLang="zh-CN" dirty="0"/>
               <a:t> + 11 -&gt; 22</a:t>
             </a:r>
             <a:endParaRPr lang="zh-CN" altLang="en-US" dirty="0"/>
@@ -20564,7 +19848,7 @@
           <a:lstStyle/>
           <a:p>
             <a:r>
-              <a:rPr lang="en-US" altLang="zh-CN" dirty="0" smtClean="0"/>
+              <a:rPr lang="en-US" altLang="zh-CN" dirty="0"/>
               <a:t>17 22 25 36</a:t>
             </a:r>
             <a:endParaRPr lang="zh-CN" altLang="en-US" dirty="0"/>
@@ -20605,7 +19889,7 @@
           <a:lstStyle/>
           <a:p>
             <a:r>
-              <a:rPr lang="en-US" altLang="zh-CN" dirty="0" smtClean="0"/>
+              <a:rPr lang="en-US" altLang="zh-CN" dirty="0"/>
               <a:t>17 + 22 -&gt; 39</a:t>
             </a:r>
             <a:endParaRPr lang="zh-CN" altLang="en-US" dirty="0"/>
@@ -20646,7 +19930,7 @@
           <a:lstStyle/>
           <a:p>
             <a:r>
-              <a:rPr lang="en-US" altLang="zh-CN" dirty="0" smtClean="0"/>
+              <a:rPr lang="en-US" altLang="zh-CN" dirty="0"/>
               <a:t>25 36 39</a:t>
             </a:r>
             <a:endParaRPr lang="zh-CN" altLang="en-US" dirty="0"/>
@@ -20687,7 +19971,7 @@
           <a:lstStyle/>
           <a:p>
             <a:r>
-              <a:rPr lang="en-US" altLang="zh-CN" dirty="0" smtClean="0"/>
+              <a:rPr lang="en-US" altLang="zh-CN" dirty="0"/>
               <a:t>25+ 36-&gt; 61</a:t>
             </a:r>
             <a:endParaRPr lang="zh-CN" altLang="en-US" dirty="0"/>
@@ -20728,7 +20012,7 @@
           <a:lstStyle/>
           <a:p>
             <a:r>
-              <a:rPr lang="en-US" altLang="zh-CN" dirty="0" smtClean="0"/>
+              <a:rPr lang="en-US" altLang="zh-CN" dirty="0"/>
               <a:t>39 61</a:t>
             </a:r>
             <a:endParaRPr lang="zh-CN" altLang="en-US" dirty="0"/>
@@ -20770,7 +20054,7 @@
           <a:p>
             <a:pPr algn="ctr"/>
             <a:r>
-              <a:rPr lang="en-US" altLang="zh-CN" dirty="0" smtClean="0"/>
+              <a:rPr lang="en-US" altLang="zh-CN" dirty="0"/>
               <a:t>5</a:t>
             </a:r>
             <a:endParaRPr lang="zh-CN" altLang="en-US" dirty="0"/>
@@ -20812,7 +20096,7 @@
           <a:p>
             <a:pPr algn="ctr"/>
             <a:r>
-              <a:rPr lang="en-US" altLang="zh-CN" dirty="0" smtClean="0"/>
+              <a:rPr lang="en-US" altLang="zh-CN" dirty="0"/>
               <a:t>6</a:t>
             </a:r>
             <a:endParaRPr lang="zh-CN" altLang="en-US" dirty="0"/>
@@ -20854,7 +20138,7 @@
           <a:p>
             <a:pPr algn="ctr"/>
             <a:r>
-              <a:rPr lang="en-US" altLang="zh-CN" dirty="0" smtClean="0"/>
+              <a:rPr lang="en-US" altLang="zh-CN" dirty="0"/>
               <a:t>7</a:t>
             </a:r>
             <a:endParaRPr lang="zh-CN" altLang="en-US" dirty="0"/>
@@ -20896,7 +20180,7 @@
           <a:p>
             <a:pPr algn="ctr"/>
             <a:r>
-              <a:rPr lang="en-US" altLang="zh-CN" dirty="0" smtClean="0"/>
+              <a:rPr lang="en-US" altLang="zh-CN" dirty="0"/>
               <a:t>17</a:t>
             </a:r>
             <a:endParaRPr lang="zh-CN" altLang="en-US" dirty="0"/>
@@ -20938,7 +20222,7 @@
           <a:p>
             <a:pPr algn="ctr"/>
             <a:r>
-              <a:rPr lang="en-US" altLang="zh-CN" dirty="0" smtClean="0"/>
+              <a:rPr lang="en-US" altLang="zh-CN" dirty="0"/>
               <a:t>11</a:t>
             </a:r>
             <a:endParaRPr lang="zh-CN" altLang="en-US" dirty="0"/>
@@ -20980,7 +20264,7 @@
           <a:p>
             <a:pPr algn="ctr"/>
             <a:r>
-              <a:rPr lang="en-US" altLang="zh-CN" dirty="0" smtClean="0"/>
+              <a:rPr lang="en-US" altLang="zh-CN" dirty="0"/>
               <a:t>10</a:t>
             </a:r>
             <a:endParaRPr lang="zh-CN" altLang="en-US" dirty="0"/>
@@ -21022,7 +20306,7 @@
           <a:p>
             <a:pPr algn="ctr"/>
             <a:r>
-              <a:rPr lang="en-US" altLang="zh-CN" dirty="0" smtClean="0"/>
+              <a:rPr lang="en-US" altLang="zh-CN" dirty="0"/>
               <a:t>22</a:t>
             </a:r>
             <a:endParaRPr lang="zh-CN" altLang="en-US" dirty="0"/>
@@ -21064,7 +20348,7 @@
           <a:p>
             <a:pPr algn="ctr"/>
             <a:r>
-              <a:rPr lang="en-US" altLang="zh-CN" dirty="0" smtClean="0"/>
+              <a:rPr lang="en-US" altLang="zh-CN" dirty="0"/>
               <a:t>25</a:t>
             </a:r>
             <a:endParaRPr lang="zh-CN" altLang="en-US" dirty="0"/>
@@ -21106,7 +20390,7 @@
           <a:p>
             <a:pPr algn="ctr"/>
             <a:r>
-              <a:rPr lang="en-US" altLang="zh-CN" dirty="0" smtClean="0"/>
+              <a:rPr lang="en-US" altLang="zh-CN" dirty="0"/>
               <a:t>61</a:t>
             </a:r>
             <a:endParaRPr lang="zh-CN" altLang="en-US" dirty="0"/>
@@ -21148,7 +20432,7 @@
           <a:p>
             <a:pPr algn="ctr"/>
             <a:r>
-              <a:rPr lang="en-US" altLang="zh-CN" dirty="0" smtClean="0"/>
+              <a:rPr lang="en-US" altLang="zh-CN" dirty="0"/>
               <a:t>39</a:t>
             </a:r>
             <a:endParaRPr lang="zh-CN" altLang="en-US" dirty="0"/>
@@ -21190,7 +20474,7 @@
           <a:p>
             <a:pPr algn="ctr"/>
             <a:r>
-              <a:rPr lang="en-US" altLang="zh-CN" dirty="0" smtClean="0"/>
+              <a:rPr lang="en-US" altLang="zh-CN" dirty="0"/>
               <a:t>100</a:t>
             </a:r>
             <a:endParaRPr lang="zh-CN" altLang="en-US" dirty="0"/>
@@ -21232,7 +20516,7 @@
           <a:p>
             <a:pPr algn="ctr"/>
             <a:r>
-              <a:rPr lang="en-US" altLang="zh-CN" dirty="0" smtClean="0"/>
+              <a:rPr lang="en-US" altLang="zh-CN" dirty="0"/>
               <a:t>3</a:t>
             </a:r>
             <a:endParaRPr lang="zh-CN" altLang="en-US" dirty="0"/>
@@ -21274,7 +20558,7 @@
           <a:p>
             <a:pPr algn="ctr"/>
             <a:r>
-              <a:rPr lang="en-US" altLang="zh-CN" dirty="0" smtClean="0"/>
+              <a:rPr lang="en-US" altLang="zh-CN" dirty="0"/>
               <a:t>4</a:t>
             </a:r>
             <a:endParaRPr lang="zh-CN" altLang="en-US" dirty="0"/>
@@ -21316,7 +20600,7 @@
           <a:p>
             <a:pPr algn="ctr"/>
             <a:r>
-              <a:rPr lang="en-US" altLang="zh-CN" dirty="0" smtClean="0"/>
+              <a:rPr lang="en-US" altLang="zh-CN" dirty="0"/>
               <a:t>11</a:t>
             </a:r>
             <a:endParaRPr lang="zh-CN" altLang="en-US" dirty="0"/>
@@ -21358,7 +20642,7 @@
           <a:p>
             <a:pPr algn="ctr"/>
             <a:r>
-              <a:rPr lang="en-US" altLang="zh-CN" dirty="0" smtClean="0"/>
+              <a:rPr lang="en-US" altLang="zh-CN" dirty="0"/>
               <a:t>36</a:t>
             </a:r>
             <a:endParaRPr lang="zh-CN" altLang="en-US" dirty="0"/>
@@ -21904,7 +21188,7 @@
           <a:p>
             <a:pPr algn="ctr"/>
             <a:r>
-              <a:rPr lang="en-US" altLang="zh-CN" dirty="0" smtClean="0"/>
+              <a:rPr lang="en-US" altLang="zh-CN" dirty="0"/>
               <a:t>c1</a:t>
             </a:r>
             <a:endParaRPr lang="zh-CN" altLang="en-US" dirty="0"/>
@@ -21946,7 +21230,7 @@
           <a:p>
             <a:pPr algn="ctr"/>
             <a:r>
-              <a:rPr lang="en-US" altLang="zh-CN" dirty="0" smtClean="0"/>
+              <a:rPr lang="en-US" altLang="zh-CN" dirty="0"/>
               <a:t>c2</a:t>
             </a:r>
             <a:endParaRPr lang="zh-CN" altLang="en-US" dirty="0"/>
@@ -21988,7 +21272,7 @@
           <a:p>
             <a:pPr algn="ctr"/>
             <a:r>
-              <a:rPr lang="en-US" altLang="zh-CN" dirty="0" smtClean="0"/>
+              <a:rPr lang="en-US" altLang="zh-CN" dirty="0"/>
               <a:t>c3</a:t>
             </a:r>
             <a:endParaRPr lang="zh-CN" altLang="en-US" dirty="0"/>
@@ -22030,7 +21314,7 @@
           <a:p>
             <a:pPr algn="ctr"/>
             <a:r>
-              <a:rPr lang="en-US" altLang="zh-CN" dirty="0" smtClean="0"/>
+              <a:rPr lang="en-US" altLang="zh-CN" dirty="0"/>
               <a:t>c4</a:t>
             </a:r>
             <a:endParaRPr lang="zh-CN" altLang="en-US" dirty="0"/>
@@ -22072,7 +21356,7 @@
           <a:p>
             <a:pPr algn="ctr"/>
             <a:r>
-              <a:rPr lang="en-US" altLang="zh-CN" dirty="0" smtClean="0"/>
+              <a:rPr lang="en-US" altLang="zh-CN" dirty="0"/>
               <a:t>c5</a:t>
             </a:r>
             <a:endParaRPr lang="zh-CN" altLang="en-US" dirty="0"/>
@@ -22114,7 +21398,7 @@
           <a:p>
             <a:pPr algn="ctr"/>
             <a:r>
-              <a:rPr lang="en-US" altLang="zh-CN" dirty="0" smtClean="0"/>
+              <a:rPr lang="en-US" altLang="zh-CN" dirty="0"/>
               <a:t>c6</a:t>
             </a:r>
             <a:endParaRPr lang="zh-CN" altLang="en-US" dirty="0"/>
@@ -22156,7 +21440,7 @@
           <a:p>
             <a:pPr algn="ctr"/>
             <a:r>
-              <a:rPr lang="en-US" altLang="zh-CN" dirty="0" smtClean="0"/>
+              <a:rPr lang="en-US" altLang="zh-CN" dirty="0"/>
               <a:t>c7</a:t>
             </a:r>
             <a:endParaRPr lang="zh-CN" altLang="en-US" dirty="0"/>
@@ -22198,7 +21482,7 @@
           <a:p>
             <a:pPr algn="ctr"/>
             <a:r>
-              <a:rPr lang="en-US" altLang="zh-CN" dirty="0" smtClean="0"/>
+              <a:rPr lang="en-US" altLang="zh-CN" dirty="0"/>
               <a:t>c8</a:t>
             </a:r>
             <a:endParaRPr lang="zh-CN" altLang="en-US" dirty="0"/>
@@ -22228,7 +21512,7 @@
           <a:lstStyle/>
           <a:p>
             <a:r>
-              <a:rPr lang="en-US" altLang="zh-CN" dirty="0" smtClean="0"/>
+              <a:rPr lang="en-US" altLang="zh-CN" dirty="0"/>
               <a:t>0</a:t>
             </a:r>
             <a:endParaRPr lang="zh-CN" altLang="en-US" dirty="0"/>
@@ -22258,7 +21542,7 @@
           <a:lstStyle/>
           <a:p>
             <a:r>
-              <a:rPr lang="en-US" altLang="zh-CN" dirty="0" smtClean="0"/>
+              <a:rPr lang="en-US" altLang="zh-CN" dirty="0"/>
               <a:t>0</a:t>
             </a:r>
             <a:endParaRPr lang="zh-CN" altLang="en-US" dirty="0"/>
@@ -22288,7 +21572,7 @@
           <a:lstStyle/>
           <a:p>
             <a:r>
-              <a:rPr lang="en-US" altLang="zh-CN" dirty="0" smtClean="0"/>
+              <a:rPr lang="en-US" altLang="zh-CN" dirty="0"/>
               <a:t>0</a:t>
             </a:r>
             <a:endParaRPr lang="zh-CN" altLang="en-US" dirty="0"/>
@@ -22318,7 +21602,7 @@
           <a:lstStyle/>
           <a:p>
             <a:r>
-              <a:rPr lang="en-US" altLang="zh-CN" dirty="0" smtClean="0"/>
+              <a:rPr lang="en-US" altLang="zh-CN" dirty="0"/>
               <a:t>0</a:t>
             </a:r>
             <a:endParaRPr lang="zh-CN" altLang="en-US" dirty="0"/>
@@ -22348,7 +21632,7 @@
           <a:lstStyle/>
           <a:p>
             <a:r>
-              <a:rPr lang="en-US" altLang="zh-CN" dirty="0" smtClean="0"/>
+              <a:rPr lang="en-US" altLang="zh-CN" dirty="0"/>
               <a:t>0</a:t>
             </a:r>
             <a:endParaRPr lang="zh-CN" altLang="en-US" dirty="0"/>
@@ -22378,7 +21662,7 @@
           <a:lstStyle/>
           <a:p>
             <a:r>
-              <a:rPr lang="en-US" altLang="zh-CN" dirty="0" smtClean="0"/>
+              <a:rPr lang="en-US" altLang="zh-CN" dirty="0"/>
               <a:t>0</a:t>
             </a:r>
             <a:endParaRPr lang="zh-CN" altLang="en-US" dirty="0"/>
@@ -22408,7 +21692,7 @@
           <a:lstStyle/>
           <a:p>
             <a:r>
-              <a:rPr lang="en-US" altLang="zh-CN" dirty="0" smtClean="0"/>
+              <a:rPr lang="en-US" altLang="zh-CN" dirty="0"/>
               <a:t>0</a:t>
             </a:r>
             <a:endParaRPr lang="zh-CN" altLang="en-US" dirty="0"/>
@@ -22438,7 +21722,7 @@
           <a:lstStyle/>
           <a:p>
             <a:r>
-              <a:rPr lang="en-US" altLang="zh-CN" dirty="0" smtClean="0"/>
+              <a:rPr lang="en-US" altLang="zh-CN" dirty="0"/>
               <a:t>1</a:t>
             </a:r>
             <a:endParaRPr lang="zh-CN" altLang="en-US" dirty="0"/>
@@ -22468,7 +21752,7 @@
           <a:lstStyle/>
           <a:p>
             <a:r>
-              <a:rPr lang="en-US" altLang="zh-CN" dirty="0" smtClean="0"/>
+              <a:rPr lang="en-US" altLang="zh-CN" dirty="0"/>
               <a:t>1</a:t>
             </a:r>
             <a:endParaRPr lang="zh-CN" altLang="en-US" dirty="0"/>
@@ -22498,7 +21782,7 @@
           <a:lstStyle/>
           <a:p>
             <a:r>
-              <a:rPr lang="en-US" altLang="zh-CN" dirty="0" smtClean="0"/>
+              <a:rPr lang="en-US" altLang="zh-CN" dirty="0"/>
               <a:t>1</a:t>
             </a:r>
             <a:endParaRPr lang="zh-CN" altLang="en-US" dirty="0"/>
@@ -22528,7 +21812,7 @@
           <a:lstStyle/>
           <a:p>
             <a:r>
-              <a:rPr lang="en-US" altLang="zh-CN" dirty="0" smtClean="0"/>
+              <a:rPr lang="en-US" altLang="zh-CN" dirty="0"/>
               <a:t>1</a:t>
             </a:r>
             <a:endParaRPr lang="zh-CN" altLang="en-US" dirty="0"/>
@@ -22558,7 +21842,7 @@
           <a:lstStyle/>
           <a:p>
             <a:r>
-              <a:rPr lang="en-US" altLang="zh-CN" dirty="0" smtClean="0"/>
+              <a:rPr lang="en-US" altLang="zh-CN" dirty="0"/>
               <a:t>1</a:t>
             </a:r>
             <a:endParaRPr lang="zh-CN" altLang="en-US" dirty="0"/>
@@ -22588,7 +21872,7 @@
           <a:lstStyle/>
           <a:p>
             <a:r>
-              <a:rPr lang="en-US" altLang="zh-CN" dirty="0" smtClean="0"/>
+              <a:rPr lang="en-US" altLang="zh-CN" dirty="0"/>
               <a:t>1</a:t>
             </a:r>
             <a:endParaRPr lang="zh-CN" altLang="en-US" dirty="0"/>
@@ -22618,7 +21902,7 @@
           <a:lstStyle/>
           <a:p>
             <a:r>
-              <a:rPr lang="en-US" altLang="zh-CN" dirty="0" smtClean="0"/>
+              <a:rPr lang="en-US" altLang="zh-CN" dirty="0"/>
               <a:t>1</a:t>
             </a:r>
             <a:endParaRPr lang="zh-CN" altLang="en-US" dirty="0"/>
@@ -22660,7 +21944,7 @@
           <a:p>
             <a:pPr algn="ctr"/>
             <a:r>
-              <a:rPr lang="en-US" altLang="zh-CN" dirty="0" smtClean="0"/>
+              <a:rPr lang="en-US" altLang="zh-CN" dirty="0"/>
               <a:t>c1:0110   c2:10   c3:0010   c4:0111   c5:000   c6:010   c7:11   c8:0011</a:t>
             </a:r>
             <a:endParaRPr lang="zh-CN" altLang="en-US" dirty="0"/>
@@ -22701,7 +21985,7 @@
           <a:lstStyle/>
           <a:p>
             <a:r>
-              <a:rPr lang="zh-CN" altLang="en-US" dirty="0" smtClean="0"/>
+              <a:rPr lang="zh-CN" altLang="en-US" dirty="0"/>
               <a:t>总码数即带权外路径长度：</a:t>
             </a:r>
             <a:r>
@@ -22722,21 +22006,6 @@
   <p:clrMapOvr>
     <a:masterClrMapping/>
   </p:clrMapOvr>
-  <mc:AlternateContent xmlns:mc="http://schemas.openxmlformats.org/markup-compatibility/2006" xmlns:p14="http://schemas.microsoft.com/office/powerpoint/2010/main">
-    <mc:Choice Requires="p14">
-      <p:transition spd="slow" p14:dur="2000"/>
-    </mc:Choice>
-    <mc:Fallback xmlns="">
-      <p:transition spd="slow"/>
-    </mc:Fallback>
-  </mc:AlternateContent>
-  <p:timing>
-    <p:tnLst>
-      <p:par>
-        <p:cTn id="1" dur="indefinite" restart="never" nodeType="tmRoot"/>
-      </p:par>
-    </p:tnLst>
-  </p:timing>
 </p:sld>
 </file>
 
@@ -22794,150 +22063,74 @@
           <a:lstStyle/>
           <a:p>
             <a:r>
-              <a:rPr lang="zh-CN" altLang="en-US" dirty="0" smtClean="0"/>
+              <a:rPr lang="zh-CN" altLang="en-US" dirty="0"/>
               <a:t>设计思想</a:t>
             </a:r>
-            <a:endParaRPr lang="en-US" altLang="zh-CN" dirty="0" smtClean="0"/>
+            <a:endParaRPr lang="en-US" altLang="zh-CN" dirty="0"/>
           </a:p>
           <a:p>
             <a:r>
               <a:rPr lang="zh-CN" altLang="en-US" dirty="0"/>
-              <a:t>可以将这个问题看做是把</a:t>
-            </a:r>
-            <a:r>
-              <a:rPr lang="zh-CN" altLang="en-US" dirty="0" smtClean="0"/>
-              <a:t>数组</a:t>
-            </a:r>
-            <a:r>
-              <a:rPr lang="en-US" altLang="zh-CN" dirty="0" err="1" smtClean="0"/>
+              <a:t>可以将这个问题看做是把数组</a:t>
+            </a:r>
+            <a:r>
+              <a:rPr lang="en-US" altLang="zh-CN" dirty="0" err="1"/>
               <a:t>ab</a:t>
             </a:r>
             <a:r>
-              <a:rPr lang="zh-CN" altLang="en-US" dirty="0" smtClean="0"/>
+              <a:rPr lang="zh-CN" altLang="en-US" dirty="0"/>
               <a:t>转换成数组</a:t>
             </a:r>
             <a:r>
-              <a:rPr lang="en-US" altLang="zh-CN" dirty="0" err="1" smtClean="0"/>
+              <a:rPr lang="en-US" altLang="zh-CN" dirty="0" err="1"/>
               <a:t>ba</a:t>
             </a:r>
             <a:r>
-              <a:rPr lang="zh-CN" altLang="en-US" dirty="0" smtClean="0"/>
+              <a:rPr lang="zh-CN" altLang="en-US" dirty="0"/>
               <a:t>（</a:t>
             </a:r>
             <a:r>
-              <a:rPr lang="en-US" altLang="zh-CN" dirty="0" smtClean="0"/>
+              <a:rPr lang="en-US" altLang="zh-CN" dirty="0"/>
               <a:t>a</a:t>
             </a:r>
             <a:r>
-              <a:rPr lang="zh-CN" altLang="en-US" dirty="0" smtClean="0"/>
-              <a:t>代表</a:t>
-            </a:r>
-            <a:r>
               <a:rPr lang="zh-CN" altLang="en-US" dirty="0"/>
-              <a:t>数组的</a:t>
-            </a:r>
-            <a:r>
-              <a:rPr lang="zh-CN" altLang="en-US" dirty="0" smtClean="0"/>
-              <a:t>前</a:t>
-            </a:r>
-            <a:r>
-              <a:rPr lang="en-US" altLang="zh-CN" dirty="0" smtClean="0"/>
+              <a:t>代表数组的前</a:t>
+            </a:r>
+            <a:r>
+              <a:rPr lang="en-US" altLang="zh-CN" dirty="0"/>
               <a:t>p</a:t>
             </a:r>
             <a:r>
-              <a:rPr lang="zh-CN" altLang="en-US" dirty="0" smtClean="0"/>
-              <a:t>个</a:t>
-            </a:r>
-            <a:r>
               <a:rPr lang="zh-CN" altLang="en-US" dirty="0"/>
-              <a:t>元素</a:t>
-            </a:r>
-            <a:r>
-              <a:rPr lang="zh-CN" altLang="en-US" dirty="0" smtClean="0"/>
-              <a:t>，</a:t>
-            </a:r>
-            <a:r>
-              <a:rPr lang="en-US" altLang="zh-CN" dirty="0" smtClean="0"/>
+              <a:t>个元素，</a:t>
+            </a:r>
+            <a:r>
+              <a:rPr lang="en-US" altLang="zh-CN" dirty="0"/>
               <a:t>b</a:t>
             </a:r>
             <a:r>
-              <a:rPr lang="zh-CN" altLang="en-US" dirty="0" smtClean="0"/>
-              <a:t>代表</a:t>
-            </a:r>
-            <a:r>
               <a:rPr lang="zh-CN" altLang="en-US" dirty="0"/>
-              <a:t>数组中余下</a:t>
-            </a:r>
-            <a:r>
-              <a:rPr lang="zh-CN" altLang="en-US" dirty="0" smtClean="0"/>
-              <a:t>的</a:t>
-            </a:r>
-            <a:r>
-              <a:rPr lang="en-US" altLang="zh-CN" dirty="0" smtClean="0"/>
+              <a:t>代表数组中余下的</a:t>
+            </a:r>
+            <a:r>
+              <a:rPr lang="en-US" altLang="zh-CN" dirty="0"/>
               <a:t>n-p</a:t>
             </a:r>
             <a:r>
-              <a:rPr lang="zh-CN" altLang="en-US" dirty="0" smtClean="0"/>
+              <a:rPr lang="zh-CN" altLang="en-US" dirty="0"/>
               <a:t>个元素）。先将</a:t>
             </a:r>
             <a:r>
-              <a:rPr lang="en-US" altLang="zh-CN" dirty="0" smtClean="0"/>
+              <a:rPr lang="en-US" altLang="zh-CN" dirty="0"/>
               <a:t>a</a:t>
             </a:r>
             <a:r>
-              <a:rPr lang="zh-CN" altLang="en-US" dirty="0" smtClean="0"/>
-              <a:t>逆</a:t>
-            </a:r>
-            <a:r>
               <a:rPr lang="zh-CN" altLang="en-US" dirty="0"/>
-              <a:t>置</a:t>
-            </a:r>
-            <a:r>
-              <a:rPr lang="zh-CN" altLang="en-US" dirty="0" smtClean="0"/>
-              <a:t>得到</a:t>
-            </a:r>
-            <a:r>
-              <a:rPr lang="en-US" altLang="zh-CN" dirty="0" smtClean="0"/>
-              <a:t>a</a:t>
-            </a:r>
-            <a:r>
-              <a:rPr lang="en-US" altLang="zh-CN" baseline="30000" dirty="0" smtClean="0"/>
-              <a:t>-1</a:t>
-            </a:r>
-            <a:r>
-              <a:rPr lang="en-US" altLang="zh-CN" dirty="0" smtClean="0"/>
-              <a:t>b</a:t>
-            </a:r>
-            <a:r>
-              <a:rPr lang="zh-CN" altLang="en-US" dirty="0" smtClean="0"/>
-              <a:t>，</a:t>
-            </a:r>
-            <a:r>
-              <a:rPr lang="zh-CN" altLang="en-US" dirty="0"/>
-              <a:t>再</a:t>
-            </a:r>
-            <a:r>
-              <a:rPr lang="zh-CN" altLang="en-US" dirty="0" smtClean="0"/>
-              <a:t>将</a:t>
-            </a:r>
-            <a:r>
-              <a:rPr lang="en-US" altLang="zh-CN" dirty="0" smtClean="0"/>
-              <a:t>b</a:t>
-            </a:r>
-            <a:r>
-              <a:rPr lang="zh-CN" altLang="en-US" dirty="0" smtClean="0"/>
-              <a:t>逆</a:t>
-            </a:r>
-            <a:r>
-              <a:rPr lang="zh-CN" altLang="en-US" dirty="0"/>
-              <a:t>置</a:t>
-            </a:r>
-            <a:r>
-              <a:rPr lang="zh-CN" altLang="en-US" dirty="0" smtClean="0"/>
-              <a:t>得到</a:t>
-            </a:r>
-            <a:r>
-              <a:rPr lang="en-US" altLang="zh-CN" dirty="0" smtClean="0"/>
+              <a:t>逆置得到</a:t>
+            </a:r>
+            <a:r>
+              <a:rPr lang="en-US" altLang="zh-CN" dirty="0"/>
               <a:t>a</a:t>
             </a:r>
             <a:r>
@@ -22945,172 +22138,168 @@
               <a:t>-1</a:t>
             </a:r>
             <a:r>
-              <a:rPr lang="en-US" altLang="zh-CN" dirty="0" smtClean="0"/>
+              <a:rPr lang="en-US" altLang="zh-CN" dirty="0"/>
               <a:t>b</a:t>
+            </a:r>
+            <a:r>
+              <a:rPr lang="zh-CN" altLang="en-US" dirty="0"/>
+              <a:t>，再将</a:t>
+            </a:r>
+            <a:r>
+              <a:rPr lang="en-US" altLang="zh-CN" dirty="0"/>
+              <a:t>b</a:t>
+            </a:r>
+            <a:r>
+              <a:rPr lang="zh-CN" altLang="en-US" dirty="0"/>
+              <a:t>逆置得到</a:t>
+            </a:r>
+            <a:r>
+              <a:rPr lang="en-US" altLang="zh-CN" dirty="0"/>
+              <a:t>a</a:t>
             </a:r>
             <a:r>
               <a:rPr lang="en-US" altLang="zh-CN" baseline="30000" dirty="0"/>
               <a:t>-1</a:t>
             </a:r>
             <a:r>
-              <a:rPr lang="zh-CN" altLang="en-US" dirty="0" smtClean="0"/>
-              <a:t>，</a:t>
-            </a:r>
-            <a:r>
-              <a:rPr lang="zh-CN" altLang="en-US" dirty="0"/>
-              <a:t>最后将</a:t>
-            </a:r>
-            <a:r>
-              <a:rPr lang="zh-CN" altLang="en-US" dirty="0" smtClean="0"/>
-              <a:t>整个</a:t>
-            </a:r>
-            <a:r>
-              <a:rPr lang="en-US" altLang="zh-CN" dirty="0" smtClean="0"/>
-              <a:t>a</a:t>
+              <a:rPr lang="en-US" altLang="zh-CN" dirty="0"/>
+              <a:t>b</a:t>
             </a:r>
             <a:r>
               <a:rPr lang="en-US" altLang="zh-CN" baseline="30000" dirty="0"/>
               <a:t>-1</a:t>
             </a:r>
             <a:r>
-              <a:rPr lang="en-US" altLang="zh-CN" dirty="0" smtClean="0"/>
-              <a:t>b</a:t>
+              <a:rPr lang="zh-CN" altLang="en-US" dirty="0"/>
+              <a:t>，最后将整个</a:t>
+            </a:r>
+            <a:r>
+              <a:rPr lang="en-US" altLang="zh-CN" dirty="0"/>
+              <a:t>a</a:t>
             </a:r>
             <a:r>
               <a:rPr lang="en-US" altLang="zh-CN" baseline="30000" dirty="0"/>
               <a:t>-1</a:t>
             </a:r>
             <a:r>
-              <a:rPr lang="zh-CN" altLang="en-US" dirty="0" smtClean="0"/>
-              <a:t>逆</a:t>
-            </a:r>
-            <a:r>
-              <a:rPr lang="zh-CN" altLang="en-US" dirty="0"/>
-              <a:t>置得到</a:t>
-            </a:r>
-            <a:r>
-              <a:rPr lang="zh-CN" altLang="en-US" dirty="0" smtClean="0"/>
-              <a:t>（</a:t>
-            </a:r>
-            <a:r>
-              <a:rPr lang="en-US" altLang="zh-CN" dirty="0" smtClean="0"/>
-              <a:t>a</a:t>
+              <a:rPr lang="en-US" altLang="zh-CN" dirty="0"/>
+              <a:t>b</a:t>
             </a:r>
             <a:r>
               <a:rPr lang="en-US" altLang="zh-CN" baseline="30000" dirty="0"/>
               <a:t>-1</a:t>
             </a:r>
             <a:r>
-              <a:rPr lang="en-US" altLang="zh-CN" dirty="0" smtClean="0"/>
-              <a:t>b</a:t>
+              <a:rPr lang="zh-CN" altLang="en-US" dirty="0"/>
+              <a:t>逆置得到（</a:t>
+            </a:r>
+            <a:r>
+              <a:rPr lang="en-US" altLang="zh-CN" dirty="0"/>
+              <a:t>a</a:t>
             </a:r>
             <a:r>
               <a:rPr lang="en-US" altLang="zh-CN" baseline="30000" dirty="0"/>
               <a:t>-1</a:t>
             </a:r>
             <a:r>
-              <a:rPr lang="zh-CN" altLang="en-US" dirty="0" smtClean="0"/>
+              <a:rPr lang="en-US" altLang="zh-CN" dirty="0"/>
+              <a:t>b</a:t>
+            </a:r>
+            <a:r>
+              <a:rPr lang="en-US" altLang="zh-CN" baseline="30000" dirty="0"/>
+              <a:t>-1</a:t>
+            </a:r>
+            <a:r>
+              <a:rPr lang="zh-CN" altLang="en-US" dirty="0"/>
               <a:t>）</a:t>
             </a:r>
             <a:r>
               <a:rPr lang="en-US" altLang="zh-CN" baseline="30000" dirty="0"/>
-              <a:t>-</a:t>
-            </a:r>
-            <a:r>
-              <a:rPr lang="en-US" altLang="zh-CN" baseline="30000" dirty="0" smtClean="0"/>
-              <a:t>1</a:t>
-            </a:r>
-            <a:r>
-              <a:rPr lang="en-US" altLang="zh-CN" dirty="0" smtClean="0"/>
+              <a:t>-1</a:t>
+            </a:r>
+            <a:r>
+              <a:rPr lang="en-US" altLang="zh-CN" dirty="0"/>
               <a:t>=</a:t>
             </a:r>
             <a:r>
-              <a:rPr lang="en-US" altLang="zh-CN" dirty="0" err="1" smtClean="0"/>
+              <a:rPr lang="en-US" altLang="zh-CN" dirty="0" err="1"/>
               <a:t>ba</a:t>
             </a:r>
             <a:r>
-              <a:rPr lang="zh-CN" altLang="en-US" dirty="0" smtClean="0"/>
+              <a:rPr lang="zh-CN" altLang="en-US" dirty="0"/>
               <a:t>。</a:t>
             </a:r>
-            <a:endParaRPr lang="en-US" altLang="zh-CN" dirty="0" smtClean="0"/>
-          </a:p>
-          <a:p>
-            <a:r>
-              <a:rPr lang="zh-CN" altLang="en-US" dirty="0" smtClean="0">
+            <a:endParaRPr lang="en-US" altLang="zh-CN" dirty="0"/>
+          </a:p>
+          <a:p>
+            <a:r>
+              <a:rPr lang="zh-CN" altLang="en-US" dirty="0">
                 <a:effectLst/>
               </a:rPr>
               <a:t>或先逆置</a:t>
             </a:r>
             <a:r>
-              <a:rPr lang="en-US" altLang="zh-CN" dirty="0" err="1" smtClean="0">
+              <a:rPr lang="en-US" altLang="zh-CN" dirty="0" err="1">
                 <a:effectLst/>
               </a:rPr>
               <a:t>ab</a:t>
             </a:r>
             <a:r>
-              <a:rPr lang="zh-CN" altLang="en-US" dirty="0" smtClean="0">
+              <a:rPr lang="zh-CN" altLang="en-US" dirty="0">
                 <a:effectLst/>
               </a:rPr>
               <a:t>，得到</a:t>
             </a:r>
             <a:r>
-              <a:rPr lang="en-US" altLang="zh-CN" dirty="0" smtClean="0"/>
+              <a:rPr lang="en-US" altLang="zh-CN" dirty="0"/>
               <a:t>b</a:t>
             </a:r>
             <a:r>
-              <a:rPr lang="en-US" altLang="zh-CN" baseline="30000" dirty="0" smtClean="0"/>
+              <a:rPr lang="en-US" altLang="zh-CN" baseline="30000" dirty="0"/>
               <a:t>-1</a:t>
             </a:r>
             <a:r>
-              <a:rPr lang="en-US" altLang="zh-CN" dirty="0" smtClean="0"/>
+              <a:rPr lang="en-US" altLang="zh-CN" dirty="0"/>
               <a:t>a</a:t>
             </a:r>
             <a:r>
-              <a:rPr lang="en-US" altLang="zh-CN" baseline="30000" dirty="0" smtClean="0"/>
+              <a:rPr lang="en-US" altLang="zh-CN" baseline="30000" dirty="0"/>
               <a:t>-1</a:t>
             </a:r>
             <a:r>
-              <a:rPr lang="zh-CN" altLang="en-US" dirty="0" smtClean="0"/>
-              <a:t>，再分别</a:t>
-            </a:r>
-            <a:r>
               <a:rPr lang="zh-CN" altLang="en-US" dirty="0"/>
-              <a:t>逆</a:t>
-            </a:r>
-            <a:r>
-              <a:rPr lang="zh-CN" altLang="en-US" dirty="0" smtClean="0"/>
-              <a:t>置</a:t>
-            </a:r>
-            <a:r>
-              <a:rPr lang="en-US" altLang="zh-CN" dirty="0" smtClean="0"/>
+              <a:t>，再分别逆置</a:t>
+            </a:r>
+            <a:r>
+              <a:rPr lang="en-US" altLang="zh-CN" dirty="0"/>
               <a:t>b</a:t>
             </a:r>
             <a:r>
-              <a:rPr lang="en-US" altLang="zh-CN" baseline="30000" dirty="0" smtClean="0"/>
+              <a:rPr lang="en-US" altLang="zh-CN" baseline="30000" dirty="0"/>
               <a:t>-1</a:t>
             </a:r>
             <a:r>
-              <a:rPr lang="zh-CN" altLang="en-US" dirty="0" smtClean="0"/>
+              <a:rPr lang="zh-CN" altLang="en-US" dirty="0"/>
               <a:t>和</a:t>
             </a:r>
             <a:r>
-              <a:rPr lang="en-US" altLang="zh-CN" dirty="0" smtClean="0"/>
+              <a:rPr lang="en-US" altLang="zh-CN" dirty="0"/>
               <a:t>a</a:t>
             </a:r>
             <a:r>
-              <a:rPr lang="en-US" altLang="zh-CN" baseline="30000" dirty="0" smtClean="0"/>
+              <a:rPr lang="en-US" altLang="zh-CN" baseline="30000" dirty="0"/>
               <a:t>-1</a:t>
             </a:r>
             <a:r>
-              <a:rPr lang="zh-CN" altLang="en-US" dirty="0" smtClean="0"/>
+              <a:rPr lang="zh-CN" altLang="en-US" dirty="0"/>
               <a:t>，得到</a:t>
             </a:r>
             <a:r>
-              <a:rPr lang="en-US" altLang="zh-CN" dirty="0" err="1" smtClean="0"/>
+              <a:rPr lang="en-US" altLang="zh-CN" dirty="0" err="1"/>
               <a:t>ba</a:t>
             </a:r>
             <a:r>
-              <a:rPr lang="zh-CN" altLang="en-US" dirty="0" smtClean="0"/>
+              <a:rPr lang="zh-CN" altLang="en-US" dirty="0"/>
               <a:t>。</a:t>
             </a:r>
             <a:endParaRPr lang="zh-CN" altLang="en-US" dirty="0">
@@ -23129,13 +22318,6 @@
   <p:clrMapOvr>
     <a:masterClrMapping/>
   </p:clrMapOvr>
-  <p:timing>
-    <p:tnLst>
-      <p:par>
-        <p:cTn id="1" dur="indefinite" restart="never" nodeType="tmRoot"/>
-      </p:par>
-    </p:tnLst>
-  </p:timing>
 </p:sld>
 </file>
 
@@ -23200,16 +22382,8 @@
           <a:p>
             <a:pPr lvl="1"/>
             <a:r>
-              <a:rPr lang="pt-BR" altLang="zh-CN" dirty="0" smtClean="0"/>
-              <a:t>Reverse(R,0,p-1</a:t>
-            </a:r>
-            <a:r>
               <a:rPr lang="pt-BR" altLang="zh-CN" dirty="0"/>
-              <a:t>); </a:t>
-            </a:r>
-            <a:r>
-              <a:rPr lang="pt-BR" altLang="zh-CN" dirty="0"/>
-              <a:t> </a:t>
+              <a:t>Reverse(R,0,p-1);  </a:t>
             </a:r>
           </a:p>
           <a:p>
@@ -23218,7 +22392,6 @@
               <a:rPr lang="pt-BR" altLang="zh-CN" dirty="0"/>
               <a:t>Reverse(R,p,n-1); </a:t>
             </a:r>
-            <a:endParaRPr lang="pt-BR" altLang="zh-CN" dirty="0"/>
           </a:p>
           <a:p>
             <a:pPr lvl="1"/>
@@ -23232,7 +22405,6 @@
               <a:rPr lang="pt-BR" altLang="zh-CN" dirty="0"/>
               <a:t>}  </a:t>
             </a:r>
-            <a:endParaRPr lang="pt-BR" altLang="zh-CN" dirty="0" smtClean="0"/>
           </a:p>
           <a:p>
             <a:endParaRPr lang="pt-BR" altLang="zh-CN" dirty="0"/>
@@ -23266,7 +22438,6 @@
               <a:rPr lang="en-US" altLang="zh-CN" dirty="0"/>
               <a:t> to) { </a:t>
             </a:r>
-            <a:endParaRPr lang="en-US" altLang="zh-CN" dirty="0"/>
           </a:p>
           <a:p>
             <a:pPr lvl="1"/>
@@ -23286,17 +22457,12 @@
               <a:rPr lang="en-US" altLang="zh-CN" dirty="0"/>
               <a:t>;  </a:t>
             </a:r>
-            <a:endParaRPr lang="en-US" altLang="zh-CN" dirty="0"/>
           </a:p>
           <a:p>
             <a:pPr lvl="1"/>
             <a:r>
               <a:rPr lang="en-US" altLang="zh-CN" dirty="0"/>
-              <a:t>for(i = 0; i &lt; (to-from+1)/2; i</a:t>
-            </a:r>
-            <a:r>
-              <a:rPr lang="en-US" altLang="zh-CN" dirty="0" smtClean="0"/>
-              <a:t>++)</a:t>
+              <a:t>for(i = 0; i &lt; (to-from+1)/2; i++)</a:t>
             </a:r>
           </a:p>
           <a:p>
@@ -23309,18 +22475,14 @@
           <a:p>
             <a:pPr lvl="2"/>
             <a:r>
-              <a:rPr lang="pt-BR" altLang="zh-CN" dirty="0" smtClean="0"/>
-              <a:t>temp</a:t>
-            </a:r>
-            <a:r>
               <a:rPr lang="pt-BR" altLang="zh-CN" dirty="0"/>
-              <a:t> = R[from+i]; R[from+i] = R[to-i]; R[to-i] = temp; }  </a:t>
+              <a:t>temp = R[from+i]; R[from+i] = R[to-i]; R[to-i] = temp; }  </a:t>
             </a:r>
           </a:p>
           <a:p>
             <a:pPr lvl="1"/>
             <a:r>
-              <a:rPr lang="pt-BR" altLang="zh-CN" dirty="0" smtClean="0"/>
+              <a:rPr lang="pt-BR" altLang="zh-CN" dirty="0"/>
               <a:t>}</a:t>
             </a:r>
           </a:p>
@@ -23329,7 +22491,7 @@
               <a:buNone/>
             </a:pPr>
             <a:r>
-              <a:rPr lang="en-US" altLang="zh-CN" dirty="0" smtClean="0"/>
+              <a:rPr lang="en-US" altLang="zh-CN" dirty="0"/>
               <a:t>}</a:t>
             </a:r>
             <a:r>
@@ -23410,21 +22572,21 @@
           <a:lstStyle/>
           <a:p>
             <a:r>
-              <a:rPr lang="zh-CN" altLang="en-US" dirty="0" smtClean="0"/>
+              <a:rPr lang="zh-CN" altLang="en-US" dirty="0"/>
               <a:t>时间复杂度：</a:t>
             </a:r>
             <a:r>
-              <a:rPr lang="en-US" altLang="zh-CN" dirty="0" smtClean="0"/>
+              <a:rPr lang="en-US" altLang="zh-CN" dirty="0"/>
               <a:t>O(n)</a:t>
             </a:r>
           </a:p>
           <a:p>
             <a:r>
-              <a:rPr lang="zh-CN" altLang="en-US" dirty="0" smtClean="0"/>
+              <a:rPr lang="zh-CN" altLang="en-US" dirty="0"/>
               <a:t>空间复杂度：</a:t>
             </a:r>
             <a:r>
-              <a:rPr lang="en-US" altLang="zh-CN" dirty="0" smtClean="0"/>
+              <a:rPr lang="en-US" altLang="zh-CN" dirty="0"/>
               <a:t>O(1)</a:t>
             </a:r>
             <a:endParaRPr lang="zh-CN" altLang="en-US" dirty="0"/>
@@ -23481,13 +22643,8 @@
             <a:pPr algn="l"/>
             <a:r>
               <a:rPr lang="zh-CN" altLang="en-US" dirty="0"/>
-              <a:t>另一种</a:t>
-            </a:r>
-            <a:r>
-              <a:rPr lang="zh-CN" altLang="en-US" dirty="0" smtClean="0"/>
-              <a:t>方法</a:t>
-            </a:r>
-            <a:endParaRPr lang="zh-CN" altLang="en-US" dirty="0"/>
+              <a:t>另一种方法</a:t>
+            </a:r>
           </a:p>
         </p:txBody>
       </p:sp>
@@ -23509,156 +22666,88 @@
           <a:lstStyle/>
           <a:p>
             <a:r>
-              <a:rPr lang="zh-CN" altLang="en-US" dirty="0" smtClean="0"/>
-              <a:t>算法</a:t>
-            </a:r>
-            <a:r>
               <a:rPr lang="zh-CN" altLang="en-US" dirty="0"/>
-              <a:t>思想：创建大小</a:t>
-            </a:r>
-            <a:r>
-              <a:rPr lang="zh-CN" altLang="en-US" dirty="0" smtClean="0"/>
-              <a:t>为</a:t>
-            </a:r>
-            <a:r>
-              <a:rPr lang="en-US" altLang="zh-CN" dirty="0" smtClean="0"/>
+              <a:t>算法思想：创建大小为</a:t>
+            </a:r>
+            <a:r>
+              <a:rPr lang="en-US" altLang="zh-CN" dirty="0"/>
               <a:t>p</a:t>
             </a:r>
             <a:r>
-              <a:rPr lang="zh-CN" altLang="en-US" dirty="0" smtClean="0"/>
-              <a:t>的</a:t>
-            </a:r>
-            <a:r>
               <a:rPr lang="zh-CN" altLang="en-US" dirty="0"/>
-              <a:t>辅助</a:t>
-            </a:r>
-            <a:r>
-              <a:rPr lang="zh-CN" altLang="en-US" dirty="0" smtClean="0"/>
-              <a:t>数组</a:t>
-            </a:r>
-            <a:r>
-              <a:rPr lang="en-US" altLang="zh-CN" dirty="0" smtClean="0"/>
+              <a:t>的辅助数组</a:t>
+            </a:r>
+            <a:r>
+              <a:rPr lang="en-US" altLang="zh-CN" dirty="0"/>
               <a:t>S</a:t>
             </a:r>
             <a:r>
-              <a:rPr lang="zh-CN" altLang="en-US" dirty="0" smtClean="0"/>
+              <a:rPr lang="zh-CN" altLang="en-US" dirty="0"/>
               <a:t>，将</a:t>
             </a:r>
             <a:r>
-              <a:rPr lang="en-US" altLang="zh-CN" dirty="0" smtClean="0"/>
+              <a:rPr lang="en-US" altLang="zh-CN" dirty="0"/>
               <a:t>R</a:t>
             </a:r>
             <a:r>
-              <a:rPr lang="zh-CN" altLang="en-US" dirty="0" smtClean="0"/>
+              <a:rPr lang="zh-CN" altLang="en-US" dirty="0"/>
               <a:t>中前</a:t>
             </a:r>
             <a:r>
-              <a:rPr lang="en-US" altLang="zh-CN" dirty="0" smtClean="0"/>
+              <a:rPr lang="en-US" altLang="zh-CN" dirty="0"/>
               <a:t>p</a:t>
             </a:r>
             <a:r>
-              <a:rPr lang="zh-CN" altLang="en-US" dirty="0" smtClean="0"/>
-              <a:t>个</a:t>
-            </a:r>
-            <a:r>
               <a:rPr lang="zh-CN" altLang="en-US" dirty="0"/>
-              <a:t>整数依次暂</a:t>
-            </a:r>
-            <a:r>
-              <a:rPr lang="zh-CN" altLang="en-US" dirty="0" smtClean="0"/>
-              <a:t>存在</a:t>
-            </a:r>
-            <a:r>
-              <a:rPr lang="en-US" altLang="zh-CN" dirty="0" smtClean="0"/>
+              <a:t>个整数依次暂存在</a:t>
+            </a:r>
+            <a:r>
+              <a:rPr lang="en-US" altLang="zh-CN" dirty="0"/>
               <a:t>S</a:t>
             </a:r>
             <a:r>
-              <a:rPr lang="zh-CN" altLang="en-US" dirty="0" smtClean="0"/>
-              <a:t>中</a:t>
-            </a:r>
-            <a:r>
               <a:rPr lang="zh-CN" altLang="en-US" dirty="0"/>
-              <a:t>，同时</a:t>
-            </a:r>
-            <a:r>
-              <a:rPr lang="zh-CN" altLang="en-US" dirty="0" smtClean="0"/>
-              <a:t>将</a:t>
-            </a:r>
-            <a:r>
-              <a:rPr lang="en-US" altLang="zh-CN" dirty="0" smtClean="0"/>
+              <a:t>中，同时将</a:t>
+            </a:r>
+            <a:r>
+              <a:rPr lang="en-US" altLang="zh-CN" dirty="0"/>
               <a:t>R</a:t>
             </a:r>
             <a:r>
-              <a:rPr lang="zh-CN" altLang="en-US" dirty="0" smtClean="0"/>
+              <a:rPr lang="zh-CN" altLang="en-US" dirty="0"/>
               <a:t>中后</a:t>
             </a:r>
             <a:r>
-              <a:rPr lang="en-US" altLang="zh-CN" dirty="0" smtClean="0"/>
+              <a:rPr lang="en-US" altLang="zh-CN" dirty="0"/>
               <a:t>n-p</a:t>
             </a:r>
             <a:r>
-              <a:rPr lang="zh-CN" altLang="en-US" dirty="0" smtClean="0"/>
-              <a:t>个</a:t>
-            </a:r>
-            <a:r>
               <a:rPr lang="zh-CN" altLang="en-US" dirty="0"/>
-              <a:t>整数</a:t>
-            </a:r>
-            <a:r>
-              <a:rPr lang="zh-CN" altLang="en-US" dirty="0" smtClean="0"/>
-              <a:t>左移</a:t>
+              <a:t>个整数左移，然后将</a:t>
+            </a:r>
+            <a:r>
+              <a:rPr lang="en-US" altLang="zh-CN" dirty="0"/>
+              <a:t>S</a:t>
             </a:r>
             <a:r>
               <a:rPr lang="zh-CN" altLang="en-US" dirty="0"/>
-              <a:t>，然后</a:t>
-            </a:r>
-            <a:r>
-              <a:rPr lang="zh-CN" altLang="en-US" dirty="0" smtClean="0"/>
-              <a:t>将</a:t>
-            </a:r>
-            <a:r>
-              <a:rPr lang="en-US" altLang="zh-CN" dirty="0" smtClean="0"/>
-              <a:t>S</a:t>
-            </a:r>
-            <a:r>
-              <a:rPr lang="zh-CN" altLang="en-US" dirty="0" smtClean="0"/>
-              <a:t>中</a:t>
+              <a:t>中暂存的</a:t>
+            </a:r>
+            <a:r>
+              <a:rPr lang="en-US" altLang="zh-CN" dirty="0"/>
+              <a:t>p</a:t>
             </a:r>
             <a:r>
               <a:rPr lang="zh-CN" altLang="en-US" dirty="0"/>
-              <a:t>暂存</a:t>
-            </a:r>
-            <a:r>
-              <a:rPr lang="zh-CN" altLang="en-US" dirty="0" smtClean="0"/>
-              <a:t>的</a:t>
-            </a:r>
-            <a:r>
-              <a:rPr lang="en-US" altLang="zh-CN" dirty="0" smtClean="0"/>
-              <a:t>p</a:t>
-            </a:r>
-            <a:r>
-              <a:rPr lang="zh-CN" altLang="en-US" dirty="0" smtClean="0"/>
-              <a:t>个数</a:t>
+              <a:t>个数依次放回到</a:t>
+            </a:r>
+            <a:r>
+              <a:rPr lang="en-US" altLang="zh-CN" dirty="0"/>
+              <a:t>R</a:t>
             </a:r>
             <a:r>
               <a:rPr lang="zh-CN" altLang="en-US" dirty="0"/>
-              <a:t>依次放回</a:t>
-            </a:r>
-            <a:r>
-              <a:rPr lang="zh-CN" altLang="en-US" dirty="0" smtClean="0"/>
-              <a:t>到</a:t>
-            </a:r>
-            <a:r>
-              <a:rPr lang="en-US" altLang="zh-CN" dirty="0" smtClean="0"/>
-              <a:t>R</a:t>
-            </a:r>
-            <a:r>
-              <a:rPr lang="zh-CN" altLang="en-US" dirty="0" smtClean="0"/>
-              <a:t>中</a:t>
-            </a:r>
-            <a:r>
-              <a:rPr lang="zh-CN" altLang="en-US" dirty="0"/>
-              <a:t>的后续单元。</a:t>
+              <a:t>中的后续单元。</a:t>
             </a:r>
           </a:p>
           <a:p>
@@ -23683,7 +22772,7 @@
               <a:t>空间复杂度：</a:t>
             </a:r>
             <a:r>
-              <a:rPr lang="en-US" altLang="zh-CN" dirty="0" smtClean="0"/>
+              <a:rPr lang="en-US" altLang="zh-CN" dirty="0"/>
               <a:t>O(p)</a:t>
             </a:r>
             <a:endParaRPr lang="zh-CN" altLang="en-US" dirty="0"/>
@@ -23748,10 +22837,9 @@
           <a:lstStyle/>
           <a:p>
             <a:r>
-              <a:rPr lang="zh-CN" altLang="en-US" dirty="0" smtClean="0"/>
+              <a:rPr lang="zh-CN" altLang="en-US" dirty="0"/>
               <a:t>数组与矩阵</a:t>
             </a:r>
-            <a:endParaRPr lang="zh-CN" altLang="en-US" dirty="0"/>
           </a:p>
         </p:txBody>
       </p:sp>
@@ -23899,7 +22987,7 @@
           <a:lstStyle/>
           <a:p>
             <a:r>
-              <a:rPr lang="en-US" altLang="zh-CN" b="1" dirty="0" smtClean="0"/>
+              <a:rPr lang="en-US" altLang="zh-CN" b="1" dirty="0"/>
               <a:t>1</a:t>
             </a:r>
             <a:r>
@@ -23920,17 +23008,13 @@
             </a:r>
             <a:r>
               <a:rPr lang="zh-CN" altLang="en-US" b="1" dirty="0"/>
-              <a:t>有多少元素</a:t>
-            </a:r>
-            <a:r>
-              <a:rPr lang="zh-CN" altLang="en-US" b="1" dirty="0" smtClean="0"/>
-              <a:t>？</a:t>
-            </a:r>
-            <a:endParaRPr lang="en-US" altLang="zh-CN" b="1" dirty="0" smtClean="0"/>
-          </a:p>
-          <a:p>
-            <a:r>
-              <a:rPr lang="en-US" altLang="zh-CN" b="1" dirty="0" smtClean="0"/>
+              <a:t>有多少元素？</a:t>
+            </a:r>
+            <a:endParaRPr lang="en-US" altLang="zh-CN" b="1" dirty="0"/>
+          </a:p>
+          <a:p>
+            <a:r>
+              <a:rPr lang="en-US" altLang="zh-CN" b="1" dirty="0"/>
               <a:t>1+2+……+n=n(n+1)/2</a:t>
             </a:r>
             <a:endParaRPr lang="zh-CN" altLang="en-US" dirty="0"/>
@@ -23984,18 +23068,17 @@
           <a:p>
             <a:pPr algn="l"/>
             <a:r>
-              <a:rPr lang="zh-CN" altLang="en-US" dirty="0" smtClean="0"/>
+              <a:rPr lang="zh-CN" altLang="en-US" dirty="0"/>
               <a:t>先来看第</a:t>
             </a:r>
             <a:r>
-              <a:rPr lang="en-US" altLang="zh-CN" dirty="0" smtClean="0"/>
+              <a:rPr lang="en-US" altLang="zh-CN" dirty="0"/>
               <a:t>(3)</a:t>
             </a:r>
             <a:r>
-              <a:rPr lang="zh-CN" altLang="en-US" dirty="0" smtClean="0"/>
+              <a:rPr lang="zh-CN" altLang="en-US" dirty="0"/>
               <a:t>问</a:t>
             </a:r>
-            <a:endParaRPr lang="zh-CN" altLang="en-US" dirty="0"/>
           </a:p>
         </p:txBody>
       </p:sp>
@@ -24074,68 +23157,56 @@
             </a:r>
             <a:r>
               <a:rPr lang="zh-CN" altLang="en-US" b="1" dirty="0"/>
-              <a:t>应存于一维数组的什么下标位置？给出计算公式</a:t>
-            </a:r>
-            <a:r>
-              <a:rPr lang="zh-CN" altLang="en-US" b="1" dirty="0" smtClean="0"/>
-              <a:t>。</a:t>
-            </a:r>
-            <a:endParaRPr lang="en-US" altLang="zh-CN" b="1" dirty="0" smtClean="0"/>
-          </a:p>
-          <a:p>
-            <a:r>
-              <a:rPr lang="zh-CN" altLang="en-US" b="1" dirty="0" smtClean="0"/>
+              <a:t>应存于一维数组的什么下标位置？给出计算公式。</a:t>
+            </a:r>
+            <a:endParaRPr lang="en-US" altLang="zh-CN" b="1" dirty="0"/>
+          </a:p>
+          <a:p>
+            <a:r>
+              <a:rPr lang="zh-CN" altLang="en-US" b="1" dirty="0"/>
               <a:t>前</a:t>
             </a:r>
             <a:r>
-              <a:rPr lang="en-US" altLang="zh-CN" b="1" dirty="0" smtClean="0"/>
+              <a:rPr lang="en-US" altLang="zh-CN" b="1" dirty="0"/>
               <a:t>i-1</a:t>
             </a:r>
             <a:r>
-              <a:rPr lang="zh-CN" altLang="en-US" b="1" dirty="0" smtClean="0"/>
+              <a:rPr lang="zh-CN" altLang="en-US" b="1" dirty="0"/>
               <a:t>行</a:t>
             </a:r>
             <a:r>
-              <a:rPr lang="en-US" altLang="zh-CN" b="1" dirty="0" smtClean="0"/>
-              <a:t>:1+2+……+</a:t>
-            </a:r>
-            <a:r>
               <a:rPr lang="en-US" altLang="zh-CN" b="1" dirty="0"/>
-              <a:t>(</a:t>
-            </a:r>
-            <a:r>
-              <a:rPr lang="en-US" altLang="zh-CN" b="1" dirty="0" smtClean="0"/>
-              <a:t>i-1)=i(i-1)/2</a:t>
-            </a:r>
-          </a:p>
-          <a:p>
-            <a:r>
-              <a:rPr lang="zh-CN" altLang="en-US" b="1" dirty="0" smtClean="0"/>
+              <a:t>:1+2+……+(i-1)=i(i-1)/2</a:t>
+            </a:r>
+          </a:p>
+          <a:p>
+            <a:r>
+              <a:rPr lang="zh-CN" altLang="en-US" b="1" dirty="0"/>
               <a:t>第</a:t>
             </a:r>
             <a:r>
-              <a:rPr lang="en-US" altLang="zh-CN" b="1" dirty="0" smtClean="0"/>
+              <a:rPr lang="en-US" altLang="zh-CN" b="1" dirty="0"/>
               <a:t>i</a:t>
             </a:r>
             <a:r>
-              <a:rPr lang="zh-CN" altLang="en-US" b="1" dirty="0" smtClean="0"/>
+              <a:rPr lang="zh-CN" altLang="en-US" b="1" dirty="0"/>
               <a:t>行</a:t>
             </a:r>
             <a:r>
-              <a:rPr lang="en-US" altLang="zh-CN" b="1" dirty="0" smtClean="0"/>
+              <a:rPr lang="en-US" altLang="zh-CN" b="1" dirty="0"/>
               <a:t>:j</a:t>
             </a:r>
           </a:p>
           <a:p>
             <a:r>
-              <a:rPr lang="zh-CN" altLang="en-US" b="1" dirty="0" smtClean="0"/>
+              <a:rPr lang="zh-CN" altLang="en-US" b="1" dirty="0"/>
               <a:t>下标</a:t>
             </a:r>
             <a:r>
-              <a:rPr lang="en-US" altLang="zh-CN" b="1" dirty="0" smtClean="0"/>
+              <a:rPr lang="en-US" altLang="zh-CN" b="1" dirty="0"/>
               <a:t>:i(i-1)/2+j-1</a:t>
             </a:r>
-            <a:endParaRPr lang="zh-CN" altLang="en-US" b="1" dirty="0" smtClean="0"/>
+            <a:endParaRPr lang="zh-CN" altLang="en-US" b="1" dirty="0"/>
           </a:p>
         </p:txBody>
       </p:sp>
